--- a/IF11C/PlusD/Files/Kanban.pptx
+++ b/IF11C/PlusD/Files/Kanban.pptx
@@ -5,18 +5,19 @@
     <p:sldMasterId id="2147483712" r:id="rId1"/>
   </p:sldMasterIdLst>
   <p:notesMasterIdLst>
-    <p:notesMasterId r:id="rId8"/>
+    <p:notesMasterId r:id="rId9"/>
   </p:notesMasterIdLst>
   <p:handoutMasterIdLst>
-    <p:handoutMasterId r:id="rId9"/>
+    <p:handoutMasterId r:id="rId10"/>
   </p:handoutMasterIdLst>
   <p:sldIdLst>
     <p:sldId id="257" r:id="rId2"/>
     <p:sldId id="260" r:id="rId3"/>
     <p:sldId id="261" r:id="rId4"/>
     <p:sldId id="262" r:id="rId5"/>
-    <p:sldId id="258" r:id="rId6"/>
-    <p:sldId id="259" r:id="rId7"/>
+    <p:sldId id="263" r:id="rId6"/>
+    <p:sldId id="264" r:id="rId7"/>
+    <p:sldId id="259" r:id="rId8"/>
   </p:sldIdLst>
   <p:sldSz cx="12192000" cy="6858000"/>
   <p:notesSz cx="6858000" cy="9144000"/>
@@ -126,3660 +127,6 @@
 </p:presentation>
 </file>
 
-<file path=ppt/diagrams/colors1.xml><?xml version="1.0" encoding="utf-8"?>
-<dgm:colorsDef xmlns:dgm="http://schemas.openxmlformats.org/drawingml/2006/diagram" xmlns:a="http://schemas.openxmlformats.org/drawingml/2006/main" uniqueId="urn:microsoft.com/office/officeart/2005/8/colors/accent1_3">
-  <dgm:title val=""/>
-  <dgm:desc val=""/>
-  <dgm:catLst>
-    <dgm:cat type="accent1" pri="11300"/>
-  </dgm:catLst>
-  <dgm:styleLbl name="node0">
-    <dgm:fillClrLst meth="repeat">
-      <a:schemeClr val="accent1">
-        <a:shade val="80000"/>
-      </a:schemeClr>
-    </dgm:fillClrLst>
-    <dgm:linClrLst meth="repeat">
-      <a:schemeClr val="lt1"/>
-    </dgm:linClrLst>
-    <dgm:effectClrLst/>
-    <dgm:txLinClrLst/>
-    <dgm:txFillClrLst/>
-    <dgm:txEffectClrLst/>
-  </dgm:styleLbl>
-  <dgm:styleLbl name="alignNode1">
-    <dgm:fillClrLst>
-      <a:schemeClr val="accent1">
-        <a:shade val="80000"/>
-      </a:schemeClr>
-      <a:schemeClr val="accent1">
-        <a:tint val="70000"/>
-      </a:schemeClr>
-    </dgm:fillClrLst>
-    <dgm:linClrLst>
-      <a:schemeClr val="accent1">
-        <a:shade val="80000"/>
-      </a:schemeClr>
-      <a:schemeClr val="accent1">
-        <a:tint val="70000"/>
-      </a:schemeClr>
-    </dgm:linClrLst>
-    <dgm:effectClrLst/>
-    <dgm:txLinClrLst/>
-    <dgm:txFillClrLst/>
-    <dgm:txEffectClrLst/>
-  </dgm:styleLbl>
-  <dgm:styleLbl name="node1">
-    <dgm:fillClrLst>
-      <a:schemeClr val="accent1">
-        <a:shade val="80000"/>
-      </a:schemeClr>
-      <a:schemeClr val="accent1">
-        <a:tint val="70000"/>
-      </a:schemeClr>
-    </dgm:fillClrLst>
-    <dgm:linClrLst meth="repeat">
-      <a:schemeClr val="lt1"/>
-    </dgm:linClrLst>
-    <dgm:effectClrLst/>
-    <dgm:txLinClrLst/>
-    <dgm:txFillClrLst/>
-    <dgm:txEffectClrLst/>
-  </dgm:styleLbl>
-  <dgm:styleLbl name="lnNode1">
-    <dgm:fillClrLst>
-      <a:schemeClr val="accent1">
-        <a:shade val="80000"/>
-      </a:schemeClr>
-      <a:schemeClr val="accent1">
-        <a:tint val="70000"/>
-      </a:schemeClr>
-    </dgm:fillClrLst>
-    <dgm:linClrLst meth="repeat">
-      <a:schemeClr val="lt1"/>
-    </dgm:linClrLst>
-    <dgm:effectClrLst/>
-    <dgm:txLinClrLst/>
-    <dgm:txFillClrLst/>
-    <dgm:txEffectClrLst/>
-  </dgm:styleLbl>
-  <dgm:styleLbl name="vennNode1">
-    <dgm:fillClrLst>
-      <a:schemeClr val="accent1">
-        <a:shade val="80000"/>
-        <a:alpha val="50000"/>
-      </a:schemeClr>
-      <a:schemeClr val="accent1">
-        <a:tint val="70000"/>
-        <a:alpha val="50000"/>
-      </a:schemeClr>
-    </dgm:fillClrLst>
-    <dgm:linClrLst meth="repeat">
-      <a:schemeClr val="lt1"/>
-    </dgm:linClrLst>
-    <dgm:effectClrLst/>
-    <dgm:txLinClrLst/>
-    <dgm:txFillClrLst/>
-    <dgm:txEffectClrLst/>
-  </dgm:styleLbl>
-  <dgm:styleLbl name="node2">
-    <dgm:fillClrLst>
-      <a:schemeClr val="accent1">
-        <a:tint val="99000"/>
-      </a:schemeClr>
-    </dgm:fillClrLst>
-    <dgm:linClrLst meth="repeat">
-      <a:schemeClr val="lt1"/>
-    </dgm:linClrLst>
-    <dgm:effectClrLst/>
-    <dgm:txLinClrLst/>
-    <dgm:txFillClrLst/>
-    <dgm:txEffectClrLst/>
-  </dgm:styleLbl>
-  <dgm:styleLbl name="node3">
-    <dgm:fillClrLst>
-      <a:schemeClr val="accent1">
-        <a:tint val="80000"/>
-      </a:schemeClr>
-    </dgm:fillClrLst>
-    <dgm:linClrLst meth="repeat">
-      <a:schemeClr val="lt1"/>
-    </dgm:linClrLst>
-    <dgm:effectClrLst/>
-    <dgm:txLinClrLst/>
-    <dgm:txFillClrLst/>
-    <dgm:txEffectClrLst/>
-  </dgm:styleLbl>
-  <dgm:styleLbl name="node4">
-    <dgm:fillClrLst>
-      <a:schemeClr val="accent1">
-        <a:tint val="70000"/>
-      </a:schemeClr>
-    </dgm:fillClrLst>
-    <dgm:linClrLst meth="repeat">
-      <a:schemeClr val="lt1"/>
-    </dgm:linClrLst>
-    <dgm:effectClrLst/>
-    <dgm:txLinClrLst/>
-    <dgm:txFillClrLst/>
-    <dgm:txEffectClrLst/>
-  </dgm:styleLbl>
-  <dgm:styleLbl name="fgImgPlace1">
-    <dgm:fillClrLst>
-      <a:schemeClr val="accent1">
-        <a:tint val="50000"/>
-      </a:schemeClr>
-      <a:schemeClr val="accent1">
-        <a:tint val="20000"/>
-      </a:schemeClr>
-    </dgm:fillClrLst>
-    <dgm:linClrLst meth="repeat">
-      <a:schemeClr val="lt1"/>
-    </dgm:linClrLst>
-    <dgm:effectClrLst/>
-    <dgm:txLinClrLst/>
-    <dgm:txFillClrLst meth="repeat">
-      <a:schemeClr val="lt1"/>
-    </dgm:txFillClrLst>
-    <dgm:txEffectClrLst/>
-  </dgm:styleLbl>
-  <dgm:styleLbl name="alignImgPlace1">
-    <dgm:fillClrLst>
-      <a:schemeClr val="accent1">
-        <a:tint val="50000"/>
-      </a:schemeClr>
-      <a:schemeClr val="accent1">
-        <a:tint val="20000"/>
-      </a:schemeClr>
-    </dgm:fillClrLst>
-    <dgm:linClrLst meth="repeat">
-      <a:schemeClr val="lt1"/>
-    </dgm:linClrLst>
-    <dgm:effectClrLst/>
-    <dgm:txLinClrLst/>
-    <dgm:txFillClrLst meth="repeat">
-      <a:schemeClr val="lt1"/>
-    </dgm:txFillClrLst>
-    <dgm:txEffectClrLst/>
-  </dgm:styleLbl>
-  <dgm:styleLbl name="bgImgPlace1">
-    <dgm:fillClrLst>
-      <a:schemeClr val="accent1">
-        <a:tint val="50000"/>
-      </a:schemeClr>
-      <a:schemeClr val="accent1">
-        <a:tint val="20000"/>
-      </a:schemeClr>
-    </dgm:fillClrLst>
-    <dgm:linClrLst meth="repeat">
-      <a:schemeClr val="lt1"/>
-    </dgm:linClrLst>
-    <dgm:effectClrLst/>
-    <dgm:txLinClrLst/>
-    <dgm:txFillClrLst meth="repeat">
-      <a:schemeClr val="lt1"/>
-    </dgm:txFillClrLst>
-    <dgm:txEffectClrLst/>
-  </dgm:styleLbl>
-  <dgm:styleLbl name="sibTrans2D1">
-    <dgm:fillClrLst>
-      <a:schemeClr val="accent1">
-        <a:shade val="90000"/>
-      </a:schemeClr>
-      <a:schemeClr val="accent1">
-        <a:tint val="70000"/>
-      </a:schemeClr>
-    </dgm:fillClrLst>
-    <dgm:linClrLst>
-      <a:schemeClr val="accent1">
-        <a:shade val="90000"/>
-      </a:schemeClr>
-      <a:schemeClr val="accent1">
-        <a:tint val="70000"/>
-      </a:schemeClr>
-    </dgm:linClrLst>
-    <dgm:effectClrLst/>
-    <dgm:txLinClrLst/>
-    <dgm:txFillClrLst/>
-    <dgm:txEffectClrLst/>
-  </dgm:styleLbl>
-  <dgm:styleLbl name="fgSibTrans2D1">
-    <dgm:fillClrLst>
-      <a:schemeClr val="accent1">
-        <a:shade val="90000"/>
-      </a:schemeClr>
-      <a:schemeClr val="accent1">
-        <a:tint val="70000"/>
-      </a:schemeClr>
-    </dgm:fillClrLst>
-    <dgm:linClrLst>
-      <a:schemeClr val="accent1">
-        <a:shade val="90000"/>
-      </a:schemeClr>
-      <a:schemeClr val="accent1">
-        <a:tint val="70000"/>
-      </a:schemeClr>
-    </dgm:linClrLst>
-    <dgm:effectClrLst/>
-    <dgm:txLinClrLst/>
-    <dgm:txFillClrLst meth="repeat">
-      <a:schemeClr val="lt1"/>
-    </dgm:txFillClrLst>
-    <dgm:txEffectClrLst/>
-  </dgm:styleLbl>
-  <dgm:styleLbl name="bgSibTrans2D1">
-    <dgm:fillClrLst>
-      <a:schemeClr val="accent1">
-        <a:shade val="90000"/>
-      </a:schemeClr>
-      <a:schemeClr val="accent1">
-        <a:tint val="70000"/>
-      </a:schemeClr>
-    </dgm:fillClrLst>
-    <dgm:linClrLst>
-      <a:schemeClr val="accent1">
-        <a:shade val="90000"/>
-      </a:schemeClr>
-      <a:schemeClr val="accent1">
-        <a:tint val="70000"/>
-      </a:schemeClr>
-    </dgm:linClrLst>
-    <dgm:effectClrLst/>
-    <dgm:txLinClrLst/>
-    <dgm:txFillClrLst meth="repeat">
-      <a:schemeClr val="lt1"/>
-    </dgm:txFillClrLst>
-    <dgm:txEffectClrLst/>
-  </dgm:styleLbl>
-  <dgm:styleLbl name="sibTrans1D1">
-    <dgm:fillClrLst>
-      <a:schemeClr val="accent1">
-        <a:shade val="90000"/>
-      </a:schemeClr>
-      <a:schemeClr val="accent1">
-        <a:tint val="70000"/>
-      </a:schemeClr>
-    </dgm:fillClrLst>
-    <dgm:linClrLst>
-      <a:schemeClr val="accent1">
-        <a:shade val="90000"/>
-      </a:schemeClr>
-      <a:schemeClr val="accent1">
-        <a:tint val="70000"/>
-      </a:schemeClr>
-    </dgm:linClrLst>
-    <dgm:effectClrLst/>
-    <dgm:txLinClrLst/>
-    <dgm:txFillClrLst meth="repeat">
-      <a:schemeClr val="tx1"/>
-    </dgm:txFillClrLst>
-    <dgm:txEffectClrLst/>
-  </dgm:styleLbl>
-  <dgm:styleLbl name="callout">
-    <dgm:fillClrLst meth="repeat">
-      <a:schemeClr val="accent1"/>
-    </dgm:fillClrLst>
-    <dgm:linClrLst meth="repeat">
-      <a:schemeClr val="accent1"/>
-    </dgm:linClrLst>
-    <dgm:effectClrLst/>
-    <dgm:txLinClrLst/>
-    <dgm:txFillClrLst meth="repeat">
-      <a:schemeClr val="tx1"/>
-    </dgm:txFillClrLst>
-    <dgm:txEffectClrLst/>
-  </dgm:styleLbl>
-  <dgm:styleLbl name="asst0">
-    <dgm:fillClrLst meth="repeat">
-      <a:schemeClr val="accent1">
-        <a:shade val="80000"/>
-      </a:schemeClr>
-    </dgm:fillClrLst>
-    <dgm:linClrLst meth="repeat">
-      <a:schemeClr val="lt1"/>
-    </dgm:linClrLst>
-    <dgm:effectClrLst/>
-    <dgm:txLinClrLst/>
-    <dgm:txFillClrLst/>
-    <dgm:txEffectClrLst/>
-  </dgm:styleLbl>
-  <dgm:styleLbl name="asst1">
-    <dgm:fillClrLst meth="repeat">
-      <a:schemeClr val="accent1">
-        <a:shade val="80000"/>
-      </a:schemeClr>
-    </dgm:fillClrLst>
-    <dgm:linClrLst meth="repeat">
-      <a:schemeClr val="lt1"/>
-    </dgm:linClrLst>
-    <dgm:effectClrLst/>
-    <dgm:txLinClrLst/>
-    <dgm:txFillClrLst/>
-    <dgm:txEffectClrLst/>
-  </dgm:styleLbl>
-  <dgm:styleLbl name="asst2">
-    <dgm:fillClrLst>
-      <a:schemeClr val="accent1">
-        <a:tint val="99000"/>
-      </a:schemeClr>
-    </dgm:fillClrLst>
-    <dgm:linClrLst meth="repeat">
-      <a:schemeClr val="lt1"/>
-    </dgm:linClrLst>
-    <dgm:effectClrLst/>
-    <dgm:txLinClrLst/>
-    <dgm:txFillClrLst/>
-    <dgm:txEffectClrLst/>
-  </dgm:styleLbl>
-  <dgm:styleLbl name="asst3">
-    <dgm:fillClrLst>
-      <a:schemeClr val="accent1">
-        <a:tint val="80000"/>
-      </a:schemeClr>
-    </dgm:fillClrLst>
-    <dgm:linClrLst meth="repeat">
-      <a:schemeClr val="lt1"/>
-    </dgm:linClrLst>
-    <dgm:effectClrLst/>
-    <dgm:txLinClrLst/>
-    <dgm:txFillClrLst/>
-    <dgm:txEffectClrLst/>
-  </dgm:styleLbl>
-  <dgm:styleLbl name="asst4">
-    <dgm:fillClrLst>
-      <a:schemeClr val="accent1">
-        <a:tint val="70000"/>
-      </a:schemeClr>
-    </dgm:fillClrLst>
-    <dgm:linClrLst meth="repeat">
-      <a:schemeClr val="lt1"/>
-    </dgm:linClrLst>
-    <dgm:effectClrLst/>
-    <dgm:txLinClrLst/>
-    <dgm:txFillClrLst/>
-    <dgm:txEffectClrLst/>
-  </dgm:styleLbl>
-  <dgm:styleLbl name="parChTrans2D1">
-    <dgm:fillClrLst meth="repeat">
-      <a:schemeClr val="accent1">
-        <a:tint val="60000"/>
-      </a:schemeClr>
-    </dgm:fillClrLst>
-    <dgm:linClrLst meth="repeat">
-      <a:schemeClr val="accent1">
-        <a:tint val="60000"/>
-      </a:schemeClr>
-    </dgm:linClrLst>
-    <dgm:effectClrLst/>
-    <dgm:txLinClrLst/>
-    <dgm:txFillClrLst meth="repeat">
-      <a:schemeClr val="lt1"/>
-    </dgm:txFillClrLst>
-    <dgm:txEffectClrLst/>
-  </dgm:styleLbl>
-  <dgm:styleLbl name="parChTrans2D2">
-    <dgm:fillClrLst meth="repeat">
-      <a:schemeClr val="accent1">
-        <a:tint val="90000"/>
-      </a:schemeClr>
-    </dgm:fillClrLst>
-    <dgm:linClrLst meth="repeat">
-      <a:schemeClr val="accent1">
-        <a:tint val="90000"/>
-      </a:schemeClr>
-    </dgm:linClrLst>
-    <dgm:effectClrLst/>
-    <dgm:txLinClrLst/>
-    <dgm:txFillClrLst/>
-    <dgm:txEffectClrLst/>
-  </dgm:styleLbl>
-  <dgm:styleLbl name="parChTrans2D3">
-    <dgm:fillClrLst meth="repeat">
-      <a:schemeClr val="accent1">
-        <a:tint val="70000"/>
-      </a:schemeClr>
-    </dgm:fillClrLst>
-    <dgm:linClrLst meth="repeat">
-      <a:schemeClr val="accent1">
-        <a:tint val="70000"/>
-      </a:schemeClr>
-    </dgm:linClrLst>
-    <dgm:effectClrLst/>
-    <dgm:txLinClrLst/>
-    <dgm:txFillClrLst/>
-    <dgm:txEffectClrLst/>
-  </dgm:styleLbl>
-  <dgm:styleLbl name="parChTrans2D4">
-    <dgm:fillClrLst meth="repeat">
-      <a:schemeClr val="accent1">
-        <a:tint val="50000"/>
-      </a:schemeClr>
-    </dgm:fillClrLst>
-    <dgm:linClrLst meth="repeat">
-      <a:schemeClr val="accent1">
-        <a:tint val="50000"/>
-      </a:schemeClr>
-    </dgm:linClrLst>
-    <dgm:effectClrLst/>
-    <dgm:txLinClrLst/>
-    <dgm:txFillClrLst meth="repeat">
-      <a:schemeClr val="lt1"/>
-    </dgm:txFillClrLst>
-    <dgm:txEffectClrLst/>
-  </dgm:styleLbl>
-  <dgm:styleLbl name="parChTrans1D1">
-    <dgm:fillClrLst meth="repeat">
-      <a:schemeClr val="accent1">
-        <a:shade val="80000"/>
-      </a:schemeClr>
-    </dgm:fillClrLst>
-    <dgm:linClrLst meth="repeat">
-      <a:schemeClr val="accent1">
-        <a:shade val="80000"/>
-      </a:schemeClr>
-    </dgm:linClrLst>
-    <dgm:effectClrLst/>
-    <dgm:txLinClrLst/>
-    <dgm:txFillClrLst meth="repeat">
-      <a:schemeClr val="tx1"/>
-    </dgm:txFillClrLst>
-    <dgm:txEffectClrLst/>
-  </dgm:styleLbl>
-  <dgm:styleLbl name="parChTrans1D2">
-    <dgm:fillClrLst meth="repeat">
-      <a:schemeClr val="accent1">
-        <a:tint val="99000"/>
-      </a:schemeClr>
-    </dgm:fillClrLst>
-    <dgm:linClrLst meth="repeat">
-      <a:schemeClr val="accent1">
-        <a:tint val="99000"/>
-      </a:schemeClr>
-    </dgm:linClrLst>
-    <dgm:effectClrLst/>
-    <dgm:txLinClrLst/>
-    <dgm:txFillClrLst meth="repeat">
-      <a:schemeClr val="tx1"/>
-    </dgm:txFillClrLst>
-    <dgm:txEffectClrLst/>
-  </dgm:styleLbl>
-  <dgm:styleLbl name="parChTrans1D3">
-    <dgm:fillClrLst meth="repeat">
-      <a:schemeClr val="accent1">
-        <a:tint val="80000"/>
-      </a:schemeClr>
-    </dgm:fillClrLst>
-    <dgm:linClrLst meth="repeat">
-      <a:schemeClr val="accent1">
-        <a:tint val="80000"/>
-      </a:schemeClr>
-    </dgm:linClrLst>
-    <dgm:effectClrLst/>
-    <dgm:txLinClrLst/>
-    <dgm:txFillClrLst meth="repeat">
-      <a:schemeClr val="tx1"/>
-    </dgm:txFillClrLst>
-    <dgm:txEffectClrLst/>
-  </dgm:styleLbl>
-  <dgm:styleLbl name="parChTrans1D4">
-    <dgm:fillClrLst meth="repeat">
-      <a:schemeClr val="accent1">
-        <a:tint val="70000"/>
-      </a:schemeClr>
-    </dgm:fillClrLst>
-    <dgm:linClrLst meth="repeat">
-      <a:schemeClr val="accent1">
-        <a:tint val="70000"/>
-      </a:schemeClr>
-    </dgm:linClrLst>
-    <dgm:effectClrLst/>
-    <dgm:txLinClrLst/>
-    <dgm:txFillClrLst meth="repeat">
-      <a:schemeClr val="tx1"/>
-    </dgm:txFillClrLst>
-    <dgm:txEffectClrLst/>
-  </dgm:styleLbl>
-  <dgm:styleLbl name="fgAcc1">
-    <dgm:fillClrLst meth="repeat">
-      <a:schemeClr val="lt1">
-        <a:alpha val="90000"/>
-      </a:schemeClr>
-    </dgm:fillClrLst>
-    <dgm:linClrLst>
-      <a:schemeClr val="accent1">
-        <a:shade val="80000"/>
-      </a:schemeClr>
-      <a:schemeClr val="accent1">
-        <a:tint val="70000"/>
-      </a:schemeClr>
-    </dgm:linClrLst>
-    <dgm:effectClrLst/>
-    <dgm:txLinClrLst/>
-    <dgm:txFillClrLst meth="repeat">
-      <a:schemeClr val="dk1"/>
-    </dgm:txFillClrLst>
-    <dgm:txEffectClrLst/>
-  </dgm:styleLbl>
-  <dgm:styleLbl name="conFgAcc1">
-    <dgm:fillClrLst meth="repeat">
-      <a:schemeClr val="lt1">
-        <a:alpha val="90000"/>
-      </a:schemeClr>
-    </dgm:fillClrLst>
-    <dgm:linClrLst>
-      <a:schemeClr val="accent1">
-        <a:shade val="80000"/>
-      </a:schemeClr>
-      <a:schemeClr val="accent1">
-        <a:tint val="70000"/>
-      </a:schemeClr>
-    </dgm:linClrLst>
-    <dgm:effectClrLst/>
-    <dgm:txLinClrLst/>
-    <dgm:txFillClrLst meth="repeat">
-      <a:schemeClr val="dk1"/>
-    </dgm:txFillClrLst>
-    <dgm:txEffectClrLst/>
-  </dgm:styleLbl>
-  <dgm:styleLbl name="alignAcc1">
-    <dgm:fillClrLst meth="repeat">
-      <a:schemeClr val="lt1">
-        <a:alpha val="90000"/>
-      </a:schemeClr>
-    </dgm:fillClrLst>
-    <dgm:linClrLst>
-      <a:schemeClr val="accent1">
-        <a:shade val="80000"/>
-      </a:schemeClr>
-      <a:schemeClr val="accent1">
-        <a:tint val="70000"/>
-      </a:schemeClr>
-    </dgm:linClrLst>
-    <dgm:effectClrLst/>
-    <dgm:txLinClrLst/>
-    <dgm:txFillClrLst meth="repeat">
-      <a:schemeClr val="dk1"/>
-    </dgm:txFillClrLst>
-    <dgm:txEffectClrLst/>
-  </dgm:styleLbl>
-  <dgm:styleLbl name="trAlignAcc1">
-    <dgm:fillClrLst meth="repeat">
-      <a:schemeClr val="lt1">
-        <a:alpha val="40000"/>
-      </a:schemeClr>
-    </dgm:fillClrLst>
-    <dgm:linClrLst meth="repeat">
-      <a:schemeClr val="accent1"/>
-    </dgm:linClrLst>
-    <dgm:effectClrLst/>
-    <dgm:txLinClrLst/>
-    <dgm:txFillClrLst meth="repeat">
-      <a:schemeClr val="dk1"/>
-    </dgm:txFillClrLst>
-    <dgm:txEffectClrLst/>
-  </dgm:styleLbl>
-  <dgm:styleLbl name="bgAcc1">
-    <dgm:fillClrLst meth="repeat">
-      <a:schemeClr val="lt1">
-        <a:alpha val="90000"/>
-      </a:schemeClr>
-    </dgm:fillClrLst>
-    <dgm:linClrLst>
-      <a:schemeClr val="accent1">
-        <a:shade val="80000"/>
-      </a:schemeClr>
-      <a:schemeClr val="accent1">
-        <a:tint val="70000"/>
-      </a:schemeClr>
-    </dgm:linClrLst>
-    <dgm:effectClrLst/>
-    <dgm:txLinClrLst/>
-    <dgm:txFillClrLst meth="repeat">
-      <a:schemeClr val="dk1"/>
-    </dgm:txFillClrLst>
-    <dgm:txEffectClrLst/>
-  </dgm:styleLbl>
-  <dgm:styleLbl name="solidFgAcc1">
-    <dgm:fillClrLst meth="repeat">
-      <a:schemeClr val="lt1"/>
-    </dgm:fillClrLst>
-    <dgm:linClrLst>
-      <a:schemeClr val="accent1">
-        <a:shade val="80000"/>
-      </a:schemeClr>
-      <a:schemeClr val="accent1">
-        <a:tint val="70000"/>
-      </a:schemeClr>
-    </dgm:linClrLst>
-    <dgm:effectClrLst/>
-    <dgm:txLinClrLst/>
-    <dgm:txFillClrLst meth="repeat">
-      <a:schemeClr val="dk1"/>
-    </dgm:txFillClrLst>
-    <dgm:txEffectClrLst/>
-  </dgm:styleLbl>
-  <dgm:styleLbl name="solidAlignAcc1">
-    <dgm:fillClrLst meth="repeat">
-      <a:schemeClr val="lt1"/>
-    </dgm:fillClrLst>
-    <dgm:linClrLst meth="repeat">
-      <a:schemeClr val="accent1"/>
-    </dgm:linClrLst>
-    <dgm:effectClrLst/>
-    <dgm:txLinClrLst/>
-    <dgm:txFillClrLst meth="repeat">
-      <a:schemeClr val="dk1"/>
-    </dgm:txFillClrLst>
-    <dgm:txEffectClrLst/>
-  </dgm:styleLbl>
-  <dgm:styleLbl name="solidBgAcc1">
-    <dgm:fillClrLst meth="repeat">
-      <a:schemeClr val="lt1"/>
-    </dgm:fillClrLst>
-    <dgm:linClrLst meth="repeat">
-      <a:schemeClr val="accent1"/>
-    </dgm:linClrLst>
-    <dgm:effectClrLst/>
-    <dgm:txLinClrLst/>
-    <dgm:txFillClrLst meth="repeat">
-      <a:schemeClr val="dk1"/>
-    </dgm:txFillClrLst>
-    <dgm:txEffectClrLst/>
-  </dgm:styleLbl>
-  <dgm:styleLbl name="fgAccFollowNode1">
-    <dgm:fillClrLst meth="repeat">
-      <a:schemeClr val="accent1">
-        <a:alpha val="90000"/>
-        <a:tint val="40000"/>
-      </a:schemeClr>
-    </dgm:fillClrLst>
-    <dgm:linClrLst meth="repeat">
-      <a:schemeClr val="accent1">
-        <a:alpha val="90000"/>
-        <a:tint val="40000"/>
-      </a:schemeClr>
-    </dgm:linClrLst>
-    <dgm:effectClrLst/>
-    <dgm:txLinClrLst/>
-    <dgm:txFillClrLst meth="repeat">
-      <a:schemeClr val="dk1"/>
-    </dgm:txFillClrLst>
-    <dgm:txEffectClrLst/>
-  </dgm:styleLbl>
-  <dgm:styleLbl name="alignAccFollowNode1">
-    <dgm:fillClrLst meth="repeat">
-      <a:schemeClr val="accent1">
-        <a:alpha val="90000"/>
-        <a:tint val="40000"/>
-      </a:schemeClr>
-    </dgm:fillClrLst>
-    <dgm:linClrLst meth="repeat">
-      <a:schemeClr val="accent1">
-        <a:alpha val="90000"/>
-        <a:tint val="40000"/>
-      </a:schemeClr>
-    </dgm:linClrLst>
-    <dgm:effectClrLst/>
-    <dgm:txLinClrLst/>
-    <dgm:txFillClrLst meth="repeat">
-      <a:schemeClr val="dk1"/>
-    </dgm:txFillClrLst>
-    <dgm:txEffectClrLst/>
-  </dgm:styleLbl>
-  <dgm:styleLbl name="bgAccFollowNode1">
-    <dgm:fillClrLst meth="repeat">
-      <a:schemeClr val="accent1">
-        <a:alpha val="90000"/>
-        <a:tint val="40000"/>
-      </a:schemeClr>
-    </dgm:fillClrLst>
-    <dgm:linClrLst meth="repeat">
-      <a:schemeClr val="lt1"/>
-    </dgm:linClrLst>
-    <dgm:effectClrLst/>
-    <dgm:txLinClrLst/>
-    <dgm:txFillClrLst meth="repeat">
-      <a:schemeClr val="dk1"/>
-    </dgm:txFillClrLst>
-    <dgm:txEffectClrLst/>
-  </dgm:styleLbl>
-  <dgm:styleLbl name="fgAcc0">
-    <dgm:fillClrLst meth="repeat">
-      <a:schemeClr val="lt1">
-        <a:alpha val="90000"/>
-      </a:schemeClr>
-    </dgm:fillClrLst>
-    <dgm:linClrLst meth="repeat">
-      <a:schemeClr val="accent1">
-        <a:shade val="80000"/>
-      </a:schemeClr>
-    </dgm:linClrLst>
-    <dgm:effectClrLst/>
-    <dgm:txLinClrLst/>
-    <dgm:txFillClrLst meth="repeat">
-      <a:schemeClr val="dk1"/>
-    </dgm:txFillClrLst>
-    <dgm:txEffectClrLst/>
-  </dgm:styleLbl>
-  <dgm:styleLbl name="fgAcc2">
-    <dgm:fillClrLst meth="repeat">
-      <a:schemeClr val="lt1">
-        <a:alpha val="90000"/>
-      </a:schemeClr>
-    </dgm:fillClrLst>
-    <dgm:linClrLst meth="repeat">
-      <a:schemeClr val="accent1">
-        <a:tint val="99000"/>
-      </a:schemeClr>
-    </dgm:linClrLst>
-    <dgm:effectClrLst/>
-    <dgm:txLinClrLst/>
-    <dgm:txFillClrLst meth="repeat">
-      <a:schemeClr val="dk1"/>
-    </dgm:txFillClrLst>
-    <dgm:txEffectClrLst/>
-  </dgm:styleLbl>
-  <dgm:styleLbl name="fgAcc3">
-    <dgm:fillClrLst meth="repeat">
-      <a:schemeClr val="lt1">
-        <a:alpha val="90000"/>
-      </a:schemeClr>
-    </dgm:fillClrLst>
-    <dgm:linClrLst meth="repeat">
-      <a:schemeClr val="accent1">
-        <a:tint val="80000"/>
-      </a:schemeClr>
-    </dgm:linClrLst>
-    <dgm:effectClrLst/>
-    <dgm:txLinClrLst/>
-    <dgm:txFillClrLst meth="repeat">
-      <a:schemeClr val="dk1"/>
-    </dgm:txFillClrLst>
-    <dgm:txEffectClrLst/>
-  </dgm:styleLbl>
-  <dgm:styleLbl name="fgAcc4">
-    <dgm:fillClrLst meth="repeat">
-      <a:schemeClr val="lt1">
-        <a:alpha val="90000"/>
-      </a:schemeClr>
-    </dgm:fillClrLst>
-    <dgm:linClrLst meth="repeat">
-      <a:schemeClr val="accent1">
-        <a:tint val="70000"/>
-      </a:schemeClr>
-    </dgm:linClrLst>
-    <dgm:effectClrLst/>
-    <dgm:txLinClrLst/>
-    <dgm:txFillClrLst meth="repeat">
-      <a:schemeClr val="dk1"/>
-    </dgm:txFillClrLst>
-    <dgm:txEffectClrLst/>
-  </dgm:styleLbl>
-  <dgm:styleLbl name="bgShp">
-    <dgm:fillClrLst meth="repeat">
-      <a:schemeClr val="accent1">
-        <a:tint val="40000"/>
-      </a:schemeClr>
-    </dgm:fillClrLst>
-    <dgm:linClrLst meth="repeat">
-      <a:schemeClr val="dk1"/>
-    </dgm:linClrLst>
-    <dgm:effectClrLst/>
-    <dgm:txLinClrLst/>
-    <dgm:txFillClrLst meth="repeat">
-      <a:schemeClr val="dk1"/>
-    </dgm:txFillClrLst>
-    <dgm:txEffectClrLst/>
-  </dgm:styleLbl>
-  <dgm:styleLbl name="dkBgShp">
-    <dgm:fillClrLst meth="repeat">
-      <a:schemeClr val="accent1">
-        <a:shade val="90000"/>
-      </a:schemeClr>
-    </dgm:fillClrLst>
-    <dgm:linClrLst meth="repeat">
-      <a:schemeClr val="dk1"/>
-    </dgm:linClrLst>
-    <dgm:effectClrLst/>
-    <dgm:txLinClrLst/>
-    <dgm:txFillClrLst meth="repeat">
-      <a:schemeClr val="lt1"/>
-    </dgm:txFillClrLst>
-    <dgm:txEffectClrLst/>
-  </dgm:styleLbl>
-  <dgm:styleLbl name="trBgShp">
-    <dgm:fillClrLst meth="repeat">
-      <a:schemeClr val="accent1">
-        <a:tint val="50000"/>
-        <a:alpha val="40000"/>
-      </a:schemeClr>
-    </dgm:fillClrLst>
-    <dgm:linClrLst meth="repeat">
-      <a:schemeClr val="accent1"/>
-    </dgm:linClrLst>
-    <dgm:effectClrLst/>
-    <dgm:txLinClrLst/>
-    <dgm:txFillClrLst meth="repeat">
-      <a:schemeClr val="lt1"/>
-    </dgm:txFillClrLst>
-    <dgm:txEffectClrLst/>
-  </dgm:styleLbl>
-  <dgm:styleLbl name="fgShp">
-    <dgm:fillClrLst meth="repeat">
-      <a:schemeClr val="accent1">
-        <a:tint val="40000"/>
-      </a:schemeClr>
-    </dgm:fillClrLst>
-    <dgm:linClrLst meth="repeat">
-      <a:schemeClr val="lt1"/>
-    </dgm:linClrLst>
-    <dgm:effectClrLst/>
-    <dgm:txLinClrLst/>
-    <dgm:txFillClrLst meth="repeat">
-      <a:schemeClr val="dk1"/>
-    </dgm:txFillClrLst>
-    <dgm:txEffectClrLst/>
-  </dgm:styleLbl>
-  <dgm:styleLbl name="revTx">
-    <dgm:fillClrLst meth="repeat">
-      <a:schemeClr val="lt1">
-        <a:alpha val="0"/>
-      </a:schemeClr>
-    </dgm:fillClrLst>
-    <dgm:linClrLst meth="repeat">
-      <a:schemeClr val="dk1">
-        <a:alpha val="0"/>
-      </a:schemeClr>
-    </dgm:linClrLst>
-    <dgm:effectClrLst/>
-    <dgm:txLinClrLst/>
-    <dgm:txFillClrLst meth="repeat">
-      <a:schemeClr val="tx1"/>
-    </dgm:txFillClrLst>
-    <dgm:txEffectClrLst/>
-  </dgm:styleLbl>
-</dgm:colorsDef>
-</file>
-
-<file path=ppt/diagrams/data1.xml><?xml version="1.0" encoding="utf-8"?>
-<dgm:dataModel xmlns:dgm="http://schemas.openxmlformats.org/drawingml/2006/diagram" xmlns:a="http://schemas.openxmlformats.org/drawingml/2006/main">
-  <dgm:ptLst>
-    <dgm:pt modelId="{6A70FD8F-0050-42E3-8B3A-6ED7CFB9852E}" type="doc">
-      <dgm:prSet loTypeId="urn:microsoft.com/office/officeart/2016/7/layout/RoundedRectangleTimeline" loCatId="process" qsTypeId="urn:microsoft.com/office/officeart/2005/8/quickstyle/simple1" qsCatId="simple" csTypeId="urn:microsoft.com/office/officeart/2005/8/colors/accent1_3" csCatId="accent1" phldr="1"/>
-      <dgm:spPr/>
-      <dgm:t>
-        <a:bodyPr rtlCol="0"/>
-        <a:lstStyle/>
-        <a:p>
-          <a:pPr rtl="0"/>
-          <a:endParaRPr lang="en-US"/>
-        </a:p>
-      </dgm:t>
-    </dgm:pt>
-    <dgm:pt modelId="{8DB5D7D5-6A1C-4ABC-8850-759A9D876047}">
-      <dgm:prSet/>
-      <dgm:spPr/>
-      <dgm:t>
-        <a:bodyPr rtlCol="0"/>
-        <a:lstStyle/>
-        <a:p>
-          <a:pPr rtl="0"/>
-          <a:r>
-            <a:rPr lang="de" dirty="0"/>
-            <a:t>2017</a:t>
-          </a:r>
-        </a:p>
-      </dgm:t>
-    </dgm:pt>
-    <dgm:pt modelId="{D8874F40-D7B0-41DE-BB6F-A6014FEAB2D7}" type="parTrans" cxnId="{C5202EE1-10E9-4076-9D55-9E0CF8B152AF}">
-      <dgm:prSet/>
-      <dgm:spPr/>
-      <dgm:t>
-        <a:bodyPr rtlCol="0"/>
-        <a:lstStyle/>
-        <a:p>
-          <a:pPr rtl="0"/>
-          <a:endParaRPr lang="en-US"/>
-        </a:p>
-      </dgm:t>
-    </dgm:pt>
-    <dgm:pt modelId="{BD6E0A2E-99C8-4F5A-971A-CD211D1099FF}" type="sibTrans" cxnId="{C5202EE1-10E9-4076-9D55-9E0CF8B152AF}">
-      <dgm:prSet/>
-      <dgm:spPr/>
-      <dgm:t>
-        <a:bodyPr rtlCol="0"/>
-        <a:lstStyle/>
-        <a:p>
-          <a:pPr rtl="0"/>
-          <a:endParaRPr lang="en-US"/>
-        </a:p>
-      </dgm:t>
-    </dgm:pt>
-    <dgm:pt modelId="{96262926-A67D-4E4E-9515-5EBC67F0B634}">
-      <dgm:prSet/>
-      <dgm:spPr/>
-      <dgm:t>
-        <a:bodyPr rtlCol="0"/>
-        <a:lstStyle/>
-        <a:p>
-          <a:pPr rtl="0"/>
-          <a:r>
-            <a:rPr lang="de"/>
-            <a:t>Lorem ipsum dolor sit amet</a:t>
-          </a:r>
-        </a:p>
-      </dgm:t>
-    </dgm:pt>
-    <dgm:pt modelId="{EC74E552-C501-4B0E-9400-E8B410F53D50}" type="parTrans" cxnId="{8C5B110A-FBC3-4CBF-BED2-413E87D4DAD5}">
-      <dgm:prSet/>
-      <dgm:spPr/>
-      <dgm:t>
-        <a:bodyPr rtlCol="0"/>
-        <a:lstStyle/>
-        <a:p>
-          <a:pPr rtl="0"/>
-          <a:endParaRPr lang="en-US"/>
-        </a:p>
-      </dgm:t>
-    </dgm:pt>
-    <dgm:pt modelId="{1DA7ACEB-F642-43C1-BCB5-F580B9B985B9}" type="sibTrans" cxnId="{8C5B110A-FBC3-4CBF-BED2-413E87D4DAD5}">
-      <dgm:prSet/>
-      <dgm:spPr/>
-      <dgm:t>
-        <a:bodyPr rtlCol="0"/>
-        <a:lstStyle/>
-        <a:p>
-          <a:pPr rtl="0"/>
-          <a:endParaRPr lang="en-US"/>
-        </a:p>
-      </dgm:t>
-    </dgm:pt>
-    <dgm:pt modelId="{C5146535-FD3D-4589-98A3-623B8DA4B8DB}">
-      <dgm:prSet/>
-      <dgm:spPr/>
-      <dgm:t>
-        <a:bodyPr rtlCol="0"/>
-        <a:lstStyle/>
-        <a:p>
-          <a:pPr rtl="0"/>
-          <a:r>
-            <a:rPr lang="de"/>
-            <a:t>2018</a:t>
-          </a:r>
-        </a:p>
-      </dgm:t>
-    </dgm:pt>
-    <dgm:pt modelId="{20848F78-EC70-4162-96CE-CC68006930F0}" type="parTrans" cxnId="{8EBF857E-7408-4941-91E4-293B0F59EEF7}">
-      <dgm:prSet/>
-      <dgm:spPr/>
-      <dgm:t>
-        <a:bodyPr rtlCol="0"/>
-        <a:lstStyle/>
-        <a:p>
-          <a:pPr rtl="0"/>
-          <a:endParaRPr lang="en-US"/>
-        </a:p>
-      </dgm:t>
-    </dgm:pt>
-    <dgm:pt modelId="{7A3CCAF8-AC3A-401E-AEDD-44BBC1AA9C31}" type="sibTrans" cxnId="{8EBF857E-7408-4941-91E4-293B0F59EEF7}">
-      <dgm:prSet/>
-      <dgm:spPr/>
-      <dgm:t>
-        <a:bodyPr rtlCol="0"/>
-        <a:lstStyle/>
-        <a:p>
-          <a:pPr rtl="0"/>
-          <a:endParaRPr lang="en-US"/>
-        </a:p>
-      </dgm:t>
-    </dgm:pt>
-    <dgm:pt modelId="{E80CA270-6C90-4E17-ACEA-46B56AD54DD1}">
-      <dgm:prSet/>
-      <dgm:spPr/>
-      <dgm:t>
-        <a:bodyPr rtlCol="0"/>
-        <a:lstStyle/>
-        <a:p>
-          <a:pPr rtl="0"/>
-          <a:r>
-            <a:rPr lang="de"/>
-            <a:t>Lorem ipsum dolor sit amet</a:t>
-          </a:r>
-        </a:p>
-      </dgm:t>
-    </dgm:pt>
-    <dgm:pt modelId="{7EEC8067-96EF-4BE0-8BE3-BA59ED78A31F}" type="parTrans" cxnId="{2DC28DF8-5C1B-4F53-A4C1-D5B63FB54BAF}">
-      <dgm:prSet/>
-      <dgm:spPr/>
-      <dgm:t>
-        <a:bodyPr rtlCol="0"/>
-        <a:lstStyle/>
-        <a:p>
-          <a:pPr rtl="0"/>
-          <a:endParaRPr lang="en-US"/>
-        </a:p>
-      </dgm:t>
-    </dgm:pt>
-    <dgm:pt modelId="{1AFE46E5-6B07-4894-8ECB-21BD7E7B8AF1}" type="sibTrans" cxnId="{2DC28DF8-5C1B-4F53-A4C1-D5B63FB54BAF}">
-      <dgm:prSet/>
-      <dgm:spPr/>
-      <dgm:t>
-        <a:bodyPr rtlCol="0"/>
-        <a:lstStyle/>
-        <a:p>
-          <a:pPr rtl="0"/>
-          <a:endParaRPr lang="en-US"/>
-        </a:p>
-      </dgm:t>
-    </dgm:pt>
-    <dgm:pt modelId="{09C152DA-7620-4852-8162-A77EC3609F3F}">
-      <dgm:prSet/>
-      <dgm:spPr/>
-      <dgm:t>
-        <a:bodyPr rtlCol="0"/>
-        <a:lstStyle/>
-        <a:p>
-          <a:pPr rtl="0"/>
-          <a:r>
-            <a:rPr lang="de"/>
-            <a:t>2019</a:t>
-          </a:r>
-        </a:p>
-      </dgm:t>
-    </dgm:pt>
-    <dgm:pt modelId="{9F6D14C0-6C82-4CBD-8D6D-B0E117B6F2ED}" type="parTrans" cxnId="{23ECAC8B-17A4-4883-AA0E-06D66B7E788A}">
-      <dgm:prSet/>
-      <dgm:spPr/>
-      <dgm:t>
-        <a:bodyPr rtlCol="0"/>
-        <a:lstStyle/>
-        <a:p>
-          <a:pPr rtl="0"/>
-          <a:endParaRPr lang="en-US"/>
-        </a:p>
-      </dgm:t>
-    </dgm:pt>
-    <dgm:pt modelId="{0AE8D36D-0F0F-4206-AE39-0A2D73987B68}" type="sibTrans" cxnId="{23ECAC8B-17A4-4883-AA0E-06D66B7E788A}">
-      <dgm:prSet/>
-      <dgm:spPr/>
-      <dgm:t>
-        <a:bodyPr rtlCol="0"/>
-        <a:lstStyle/>
-        <a:p>
-          <a:pPr rtl="0"/>
-          <a:endParaRPr lang="en-US"/>
-        </a:p>
-      </dgm:t>
-    </dgm:pt>
-    <dgm:pt modelId="{6C8937BE-93F8-4DED-8538-1C601DAEBA66}">
-      <dgm:prSet/>
-      <dgm:spPr/>
-      <dgm:t>
-        <a:bodyPr rtlCol="0"/>
-        <a:lstStyle/>
-        <a:p>
-          <a:pPr rtl="0"/>
-          <a:r>
-            <a:rPr lang="de"/>
-            <a:t>Lorem ipsum dolor sit amet</a:t>
-          </a:r>
-        </a:p>
-      </dgm:t>
-    </dgm:pt>
-    <dgm:pt modelId="{77D169C6-D77F-456D-B18B-D7BE016AD87A}" type="parTrans" cxnId="{FAA8D3DD-12E8-457D-9144-B037C5678347}">
-      <dgm:prSet/>
-      <dgm:spPr/>
-      <dgm:t>
-        <a:bodyPr rtlCol="0"/>
-        <a:lstStyle/>
-        <a:p>
-          <a:pPr rtl="0"/>
-          <a:endParaRPr lang="en-US"/>
-        </a:p>
-      </dgm:t>
-    </dgm:pt>
-    <dgm:pt modelId="{A97BE953-FA9D-4BA6-A92C-494DB1F3BA59}" type="sibTrans" cxnId="{FAA8D3DD-12E8-457D-9144-B037C5678347}">
-      <dgm:prSet/>
-      <dgm:spPr/>
-      <dgm:t>
-        <a:bodyPr rtlCol="0"/>
-        <a:lstStyle/>
-        <a:p>
-          <a:pPr rtl="0"/>
-          <a:endParaRPr lang="en-US"/>
-        </a:p>
-      </dgm:t>
-    </dgm:pt>
-    <dgm:pt modelId="{AB52B3CC-6563-466D-BFC3-9B6B5AFA0881}" type="pres">
-      <dgm:prSet presAssocID="{6A70FD8F-0050-42E3-8B3A-6ED7CFB9852E}" presName="Name0" presStyleCnt="0">
-        <dgm:presLayoutVars>
-          <dgm:chMax/>
-          <dgm:chPref/>
-          <dgm:animLvl val="lvl"/>
-        </dgm:presLayoutVars>
-      </dgm:prSet>
-      <dgm:spPr/>
-    </dgm:pt>
-    <dgm:pt modelId="{815EDF7B-AC93-4A61-87AA-CAA5D85C31A8}" type="pres">
-      <dgm:prSet presAssocID="{8DB5D7D5-6A1C-4ABC-8850-759A9D876047}" presName="composite1" presStyleCnt="0"/>
-      <dgm:spPr/>
-    </dgm:pt>
-    <dgm:pt modelId="{954381E7-0584-46DD-8108-E9BF4F2B5005}" type="pres">
-      <dgm:prSet presAssocID="{8DB5D7D5-6A1C-4ABC-8850-759A9D876047}" presName="parent1" presStyleLbl="alignNode1" presStyleIdx="0" presStyleCnt="3">
-        <dgm:presLayoutVars>
-          <dgm:chMax val="1"/>
-          <dgm:chPref val="1"/>
-          <dgm:bulletEnabled val="1"/>
-        </dgm:presLayoutVars>
-      </dgm:prSet>
-      <dgm:spPr/>
-    </dgm:pt>
-    <dgm:pt modelId="{5A1B764B-0DC5-47CD-BDEA-9E67799496EC}" type="pres">
-      <dgm:prSet presAssocID="{8DB5D7D5-6A1C-4ABC-8850-759A9D876047}" presName="Childtext1" presStyleLbl="revTx" presStyleIdx="0" presStyleCnt="3">
-        <dgm:presLayoutVars>
-          <dgm:bulletEnabled val="1"/>
-        </dgm:presLayoutVars>
-      </dgm:prSet>
-      <dgm:spPr/>
-    </dgm:pt>
-    <dgm:pt modelId="{122B38A3-0442-4747-820C-1F37877E2B0E}" type="pres">
-      <dgm:prSet presAssocID="{8DB5D7D5-6A1C-4ABC-8850-759A9D876047}" presName="ConnectLine1" presStyleLbl="sibTrans1D1" presStyleIdx="0" presStyleCnt="3"/>
-      <dgm:spPr>
-        <a:noFill/>
-        <a:ln w="12700" cap="rnd" cmpd="sng" algn="ctr">
-          <a:solidFill>
-            <a:schemeClr val="accent1">
-              <a:shade val="90000"/>
-              <a:hueOff val="93466"/>
-              <a:satOff val="1924"/>
-              <a:lumOff val="8231"/>
-              <a:alphaOff val="0"/>
-            </a:schemeClr>
-          </a:solidFill>
-          <a:prstDash val="dash"/>
-        </a:ln>
-        <a:effectLst/>
-      </dgm:spPr>
-    </dgm:pt>
-    <dgm:pt modelId="{A73181F6-69BB-4A47-8277-4671A45AC8C8}" type="pres">
-      <dgm:prSet presAssocID="{8DB5D7D5-6A1C-4ABC-8850-759A9D876047}" presName="ConnectLineEnd1" presStyleLbl="lnNode1" presStyleIdx="0" presStyleCnt="3"/>
-      <dgm:spPr/>
-    </dgm:pt>
-    <dgm:pt modelId="{6E76EADA-5F61-4A59-B2F8-FA10112079FC}" type="pres">
-      <dgm:prSet presAssocID="{8DB5D7D5-6A1C-4ABC-8850-759A9D876047}" presName="EmptyPane1" presStyleCnt="0"/>
-      <dgm:spPr/>
-    </dgm:pt>
-    <dgm:pt modelId="{A8189248-0785-43F1-844C-4DE92841F254}" type="pres">
-      <dgm:prSet presAssocID="{BD6E0A2E-99C8-4F5A-971A-CD211D1099FF}" presName="spaceBetweenRectangles1" presStyleCnt="0"/>
-      <dgm:spPr/>
-    </dgm:pt>
-    <dgm:pt modelId="{218D9CD7-D48D-464C-9A1C-0F322EC540B3}" type="pres">
-      <dgm:prSet presAssocID="{C5146535-FD3D-4589-98A3-623B8DA4B8DB}" presName="composite1" presStyleCnt="0"/>
-      <dgm:spPr/>
-    </dgm:pt>
-    <dgm:pt modelId="{30804A27-188E-4A17-8FFE-97BCCA0597B8}" type="pres">
-      <dgm:prSet presAssocID="{C5146535-FD3D-4589-98A3-623B8DA4B8DB}" presName="parent1" presStyleLbl="alignNode1" presStyleIdx="1" presStyleCnt="3">
-        <dgm:presLayoutVars>
-          <dgm:chMax val="1"/>
-          <dgm:chPref val="1"/>
-          <dgm:bulletEnabled val="1"/>
-        </dgm:presLayoutVars>
-      </dgm:prSet>
-      <dgm:spPr/>
-    </dgm:pt>
-    <dgm:pt modelId="{DF65791B-462E-4589-B98D-F60587330CA8}" type="pres">
-      <dgm:prSet presAssocID="{C5146535-FD3D-4589-98A3-623B8DA4B8DB}" presName="Childtext1" presStyleLbl="revTx" presStyleIdx="1" presStyleCnt="3">
-        <dgm:presLayoutVars>
-          <dgm:bulletEnabled val="1"/>
-        </dgm:presLayoutVars>
-      </dgm:prSet>
-      <dgm:spPr/>
-    </dgm:pt>
-    <dgm:pt modelId="{DBA410EB-5F61-4F46-92D9-C5B0AA59EE15}" type="pres">
-      <dgm:prSet presAssocID="{C5146535-FD3D-4589-98A3-623B8DA4B8DB}" presName="ConnectLine1" presStyleLbl="sibTrans1D1" presStyleIdx="1" presStyleCnt="3"/>
-      <dgm:spPr>
-        <a:noFill/>
-        <a:ln w="12700" cap="rnd" cmpd="sng" algn="ctr">
-          <a:solidFill>
-            <a:schemeClr val="accent1">
-              <a:shade val="90000"/>
-              <a:hueOff val="140199"/>
-              <a:satOff val="2886"/>
-              <a:lumOff val="12346"/>
-              <a:alphaOff val="0"/>
-            </a:schemeClr>
-          </a:solidFill>
-          <a:prstDash val="dash"/>
-        </a:ln>
-        <a:effectLst/>
-      </dgm:spPr>
-    </dgm:pt>
-    <dgm:pt modelId="{E1220EDB-B75C-43A5-B862-97E4C09130A7}" type="pres">
-      <dgm:prSet presAssocID="{C5146535-FD3D-4589-98A3-623B8DA4B8DB}" presName="ConnectLineEnd1" presStyleLbl="lnNode1" presStyleIdx="1" presStyleCnt="3"/>
-      <dgm:spPr/>
-    </dgm:pt>
-    <dgm:pt modelId="{D8849157-215F-4E70-9735-315E97B5AC5C}" type="pres">
-      <dgm:prSet presAssocID="{C5146535-FD3D-4589-98A3-623B8DA4B8DB}" presName="EmptyPane1" presStyleCnt="0"/>
-      <dgm:spPr/>
-    </dgm:pt>
-    <dgm:pt modelId="{7C467054-22FE-4C18-9934-29D7168DFF63}" type="pres">
-      <dgm:prSet presAssocID="{7A3CCAF8-AC3A-401E-AEDD-44BBC1AA9C31}" presName="spaceBetweenRectangles1" presStyleCnt="0"/>
-      <dgm:spPr/>
-    </dgm:pt>
-    <dgm:pt modelId="{3E3E944D-A6EC-4962-9AC1-C585A4F97BDA}" type="pres">
-      <dgm:prSet presAssocID="{09C152DA-7620-4852-8162-A77EC3609F3F}" presName="composite1" presStyleCnt="0"/>
-      <dgm:spPr/>
-    </dgm:pt>
-    <dgm:pt modelId="{566B79CB-1A41-4F5C-BF91-58D94BF93913}" type="pres">
-      <dgm:prSet presAssocID="{09C152DA-7620-4852-8162-A77EC3609F3F}" presName="parent1" presStyleLbl="alignNode1" presStyleIdx="2" presStyleCnt="3">
-        <dgm:presLayoutVars>
-          <dgm:chMax val="1"/>
-          <dgm:chPref val="1"/>
-          <dgm:bulletEnabled val="1"/>
-        </dgm:presLayoutVars>
-      </dgm:prSet>
-      <dgm:spPr/>
-    </dgm:pt>
-    <dgm:pt modelId="{B4723E2A-4FF1-452A-BD25-8EC364F15A6F}" type="pres">
-      <dgm:prSet presAssocID="{09C152DA-7620-4852-8162-A77EC3609F3F}" presName="Childtext1" presStyleLbl="revTx" presStyleIdx="2" presStyleCnt="3">
-        <dgm:presLayoutVars>
-          <dgm:bulletEnabled val="1"/>
-        </dgm:presLayoutVars>
-      </dgm:prSet>
-      <dgm:spPr/>
-    </dgm:pt>
-    <dgm:pt modelId="{440E9361-37D2-4157-AF38-7B49AD23708B}" type="pres">
-      <dgm:prSet presAssocID="{09C152DA-7620-4852-8162-A77EC3609F3F}" presName="ConnectLine1" presStyleLbl="sibTrans1D1" presStyleIdx="2" presStyleCnt="3"/>
-      <dgm:spPr>
-        <a:noFill/>
-        <a:ln w="12700" cap="rnd" cmpd="sng" algn="ctr">
-          <a:solidFill>
-            <a:schemeClr val="accent1">
-              <a:shade val="90000"/>
-              <a:hueOff val="186931"/>
-              <a:satOff val="3848"/>
-              <a:lumOff val="16461"/>
-              <a:alphaOff val="0"/>
-            </a:schemeClr>
-          </a:solidFill>
-          <a:prstDash val="dash"/>
-        </a:ln>
-        <a:effectLst/>
-      </dgm:spPr>
-    </dgm:pt>
-    <dgm:pt modelId="{C45E7B63-1C71-483E-A3A8-705CE86D4D8E}" type="pres">
-      <dgm:prSet presAssocID="{09C152DA-7620-4852-8162-A77EC3609F3F}" presName="ConnectLineEnd1" presStyleLbl="lnNode1" presStyleIdx="2" presStyleCnt="3"/>
-      <dgm:spPr/>
-    </dgm:pt>
-    <dgm:pt modelId="{4174F691-D9D3-451C-9893-D177DC3AED58}" type="pres">
-      <dgm:prSet presAssocID="{09C152DA-7620-4852-8162-A77EC3609F3F}" presName="EmptyPane1" presStyleCnt="0"/>
-      <dgm:spPr/>
-    </dgm:pt>
-  </dgm:ptLst>
-  <dgm:cxnLst>
-    <dgm:cxn modelId="{5C25BB02-FA66-40A4-9DA6-9E1CAE3A8D4E}" type="presOf" srcId="{C5146535-FD3D-4589-98A3-623B8DA4B8DB}" destId="{30804A27-188E-4A17-8FFE-97BCCA0597B8}" srcOrd="0" destOrd="0" presId="urn:microsoft.com/office/officeart/2016/7/layout/RoundedRectangleTimeline"/>
-    <dgm:cxn modelId="{8C5B110A-FBC3-4CBF-BED2-413E87D4DAD5}" srcId="{8DB5D7D5-6A1C-4ABC-8850-759A9D876047}" destId="{96262926-A67D-4E4E-9515-5EBC67F0B634}" srcOrd="0" destOrd="0" parTransId="{EC74E552-C501-4B0E-9400-E8B410F53D50}" sibTransId="{1DA7ACEB-F642-43C1-BCB5-F580B9B985B9}"/>
-    <dgm:cxn modelId="{84C67813-55CE-4EBC-9032-03BD847DC17E}" type="presOf" srcId="{6A70FD8F-0050-42E3-8B3A-6ED7CFB9852E}" destId="{AB52B3CC-6563-466D-BFC3-9B6B5AFA0881}" srcOrd="0" destOrd="0" presId="urn:microsoft.com/office/officeart/2016/7/layout/RoundedRectangleTimeline"/>
-    <dgm:cxn modelId="{22ECA226-C4EA-44F1-BCB5-77F78841DA6F}" type="presOf" srcId="{09C152DA-7620-4852-8162-A77EC3609F3F}" destId="{566B79CB-1A41-4F5C-BF91-58D94BF93913}" srcOrd="0" destOrd="0" presId="urn:microsoft.com/office/officeart/2016/7/layout/RoundedRectangleTimeline"/>
-    <dgm:cxn modelId="{E2BBA750-A5E4-4F50-BE16-016934379F81}" type="presOf" srcId="{6C8937BE-93F8-4DED-8538-1C601DAEBA66}" destId="{B4723E2A-4FF1-452A-BD25-8EC364F15A6F}" srcOrd="0" destOrd="0" presId="urn:microsoft.com/office/officeart/2016/7/layout/RoundedRectangleTimeline"/>
-    <dgm:cxn modelId="{F9B2D375-40BE-4E5D-AA88-61805FBFF819}" type="presOf" srcId="{8DB5D7D5-6A1C-4ABC-8850-759A9D876047}" destId="{954381E7-0584-46DD-8108-E9BF4F2B5005}" srcOrd="0" destOrd="0" presId="urn:microsoft.com/office/officeart/2016/7/layout/RoundedRectangleTimeline"/>
-    <dgm:cxn modelId="{8EBF857E-7408-4941-91E4-293B0F59EEF7}" srcId="{6A70FD8F-0050-42E3-8B3A-6ED7CFB9852E}" destId="{C5146535-FD3D-4589-98A3-623B8DA4B8DB}" srcOrd="1" destOrd="0" parTransId="{20848F78-EC70-4162-96CE-CC68006930F0}" sibTransId="{7A3CCAF8-AC3A-401E-AEDD-44BBC1AA9C31}"/>
-    <dgm:cxn modelId="{23ECAC8B-17A4-4883-AA0E-06D66B7E788A}" srcId="{6A70FD8F-0050-42E3-8B3A-6ED7CFB9852E}" destId="{09C152DA-7620-4852-8162-A77EC3609F3F}" srcOrd="2" destOrd="0" parTransId="{9F6D14C0-6C82-4CBD-8D6D-B0E117B6F2ED}" sibTransId="{0AE8D36D-0F0F-4206-AE39-0A2D73987B68}"/>
-    <dgm:cxn modelId="{F9540599-A193-456C-A9A9-8962E3855B0B}" type="presOf" srcId="{96262926-A67D-4E4E-9515-5EBC67F0B634}" destId="{5A1B764B-0DC5-47CD-BDEA-9E67799496EC}" srcOrd="0" destOrd="0" presId="urn:microsoft.com/office/officeart/2016/7/layout/RoundedRectangleTimeline"/>
-    <dgm:cxn modelId="{E13585A2-54F2-486A-B317-F4D6AF7E83B9}" type="presOf" srcId="{E80CA270-6C90-4E17-ACEA-46B56AD54DD1}" destId="{DF65791B-462E-4589-B98D-F60587330CA8}" srcOrd="0" destOrd="0" presId="urn:microsoft.com/office/officeart/2016/7/layout/RoundedRectangleTimeline"/>
-    <dgm:cxn modelId="{FAA8D3DD-12E8-457D-9144-B037C5678347}" srcId="{09C152DA-7620-4852-8162-A77EC3609F3F}" destId="{6C8937BE-93F8-4DED-8538-1C601DAEBA66}" srcOrd="0" destOrd="0" parTransId="{77D169C6-D77F-456D-B18B-D7BE016AD87A}" sibTransId="{A97BE953-FA9D-4BA6-A92C-494DB1F3BA59}"/>
-    <dgm:cxn modelId="{C5202EE1-10E9-4076-9D55-9E0CF8B152AF}" srcId="{6A70FD8F-0050-42E3-8B3A-6ED7CFB9852E}" destId="{8DB5D7D5-6A1C-4ABC-8850-759A9D876047}" srcOrd="0" destOrd="0" parTransId="{D8874F40-D7B0-41DE-BB6F-A6014FEAB2D7}" sibTransId="{BD6E0A2E-99C8-4F5A-971A-CD211D1099FF}"/>
-    <dgm:cxn modelId="{2DC28DF8-5C1B-4F53-A4C1-D5B63FB54BAF}" srcId="{C5146535-FD3D-4589-98A3-623B8DA4B8DB}" destId="{E80CA270-6C90-4E17-ACEA-46B56AD54DD1}" srcOrd="0" destOrd="0" parTransId="{7EEC8067-96EF-4BE0-8BE3-BA59ED78A31F}" sibTransId="{1AFE46E5-6B07-4894-8ECB-21BD7E7B8AF1}"/>
-    <dgm:cxn modelId="{76459B4A-BC95-4631-A3CC-1410E80D5DFD}" type="presParOf" srcId="{AB52B3CC-6563-466D-BFC3-9B6B5AFA0881}" destId="{815EDF7B-AC93-4A61-87AA-CAA5D85C31A8}" srcOrd="0" destOrd="0" presId="urn:microsoft.com/office/officeart/2016/7/layout/RoundedRectangleTimeline"/>
-    <dgm:cxn modelId="{4238FA88-CE43-4680-BFB0-73DED5612698}" type="presParOf" srcId="{815EDF7B-AC93-4A61-87AA-CAA5D85C31A8}" destId="{954381E7-0584-46DD-8108-E9BF4F2B5005}" srcOrd="0" destOrd="0" presId="urn:microsoft.com/office/officeart/2016/7/layout/RoundedRectangleTimeline"/>
-    <dgm:cxn modelId="{6497CE05-0893-4952-B18A-28D71D90B841}" type="presParOf" srcId="{815EDF7B-AC93-4A61-87AA-CAA5D85C31A8}" destId="{5A1B764B-0DC5-47CD-BDEA-9E67799496EC}" srcOrd="1" destOrd="0" presId="urn:microsoft.com/office/officeart/2016/7/layout/RoundedRectangleTimeline"/>
-    <dgm:cxn modelId="{CB8BA570-C0D4-4400-BED8-C9BC961A6553}" type="presParOf" srcId="{815EDF7B-AC93-4A61-87AA-CAA5D85C31A8}" destId="{122B38A3-0442-4747-820C-1F37877E2B0E}" srcOrd="2" destOrd="0" presId="urn:microsoft.com/office/officeart/2016/7/layout/RoundedRectangleTimeline"/>
-    <dgm:cxn modelId="{82FC1E36-99F3-4E1F-8BD1-229D77A82EB1}" type="presParOf" srcId="{815EDF7B-AC93-4A61-87AA-CAA5D85C31A8}" destId="{A73181F6-69BB-4A47-8277-4671A45AC8C8}" srcOrd="3" destOrd="0" presId="urn:microsoft.com/office/officeart/2016/7/layout/RoundedRectangleTimeline"/>
-    <dgm:cxn modelId="{7EAD7967-836C-4AB6-AAA2-ED2EF3F29E78}" type="presParOf" srcId="{815EDF7B-AC93-4A61-87AA-CAA5D85C31A8}" destId="{6E76EADA-5F61-4A59-B2F8-FA10112079FC}" srcOrd="4" destOrd="0" presId="urn:microsoft.com/office/officeart/2016/7/layout/RoundedRectangleTimeline"/>
-    <dgm:cxn modelId="{3783DE09-7B3D-423E-960C-ED9DB81E314E}" type="presParOf" srcId="{AB52B3CC-6563-466D-BFC3-9B6B5AFA0881}" destId="{A8189248-0785-43F1-844C-4DE92841F254}" srcOrd="1" destOrd="0" presId="urn:microsoft.com/office/officeart/2016/7/layout/RoundedRectangleTimeline"/>
-    <dgm:cxn modelId="{38B07C9C-D21D-4E2B-A78B-C30877B2689A}" type="presParOf" srcId="{AB52B3CC-6563-466D-BFC3-9B6B5AFA0881}" destId="{218D9CD7-D48D-464C-9A1C-0F322EC540B3}" srcOrd="2" destOrd="0" presId="urn:microsoft.com/office/officeart/2016/7/layout/RoundedRectangleTimeline"/>
-    <dgm:cxn modelId="{E6790483-7B9E-44FB-9EAE-A282A4B9AB73}" type="presParOf" srcId="{218D9CD7-D48D-464C-9A1C-0F322EC540B3}" destId="{30804A27-188E-4A17-8FFE-97BCCA0597B8}" srcOrd="0" destOrd="0" presId="urn:microsoft.com/office/officeart/2016/7/layout/RoundedRectangleTimeline"/>
-    <dgm:cxn modelId="{B31BDB48-FB8E-47F4-8F76-B90009D28A96}" type="presParOf" srcId="{218D9CD7-D48D-464C-9A1C-0F322EC540B3}" destId="{DF65791B-462E-4589-B98D-F60587330CA8}" srcOrd="1" destOrd="0" presId="urn:microsoft.com/office/officeart/2016/7/layout/RoundedRectangleTimeline"/>
-    <dgm:cxn modelId="{517AE913-68B2-41AC-BE20-5D4195845D6F}" type="presParOf" srcId="{218D9CD7-D48D-464C-9A1C-0F322EC540B3}" destId="{DBA410EB-5F61-4F46-92D9-C5B0AA59EE15}" srcOrd="2" destOrd="0" presId="urn:microsoft.com/office/officeart/2016/7/layout/RoundedRectangleTimeline"/>
-    <dgm:cxn modelId="{0F089045-7542-47F1-8B17-68354869406A}" type="presParOf" srcId="{218D9CD7-D48D-464C-9A1C-0F322EC540B3}" destId="{E1220EDB-B75C-43A5-B862-97E4C09130A7}" srcOrd="3" destOrd="0" presId="urn:microsoft.com/office/officeart/2016/7/layout/RoundedRectangleTimeline"/>
-    <dgm:cxn modelId="{79B44ECC-99D2-49DD-9DEE-58B1D2AE6C6C}" type="presParOf" srcId="{218D9CD7-D48D-464C-9A1C-0F322EC540B3}" destId="{D8849157-215F-4E70-9735-315E97B5AC5C}" srcOrd="4" destOrd="0" presId="urn:microsoft.com/office/officeart/2016/7/layout/RoundedRectangleTimeline"/>
-    <dgm:cxn modelId="{6930EC12-FB60-44F8-973F-19AC06AA90BB}" type="presParOf" srcId="{AB52B3CC-6563-466D-BFC3-9B6B5AFA0881}" destId="{7C467054-22FE-4C18-9934-29D7168DFF63}" srcOrd="3" destOrd="0" presId="urn:microsoft.com/office/officeart/2016/7/layout/RoundedRectangleTimeline"/>
-    <dgm:cxn modelId="{1F4A4777-E935-453F-A5B9-015C6946FC6A}" type="presParOf" srcId="{AB52B3CC-6563-466D-BFC3-9B6B5AFA0881}" destId="{3E3E944D-A6EC-4962-9AC1-C585A4F97BDA}" srcOrd="4" destOrd="0" presId="urn:microsoft.com/office/officeart/2016/7/layout/RoundedRectangleTimeline"/>
-    <dgm:cxn modelId="{94AC8B5D-A9B9-4EF3-AD1C-6024606B5BF8}" type="presParOf" srcId="{3E3E944D-A6EC-4962-9AC1-C585A4F97BDA}" destId="{566B79CB-1A41-4F5C-BF91-58D94BF93913}" srcOrd="0" destOrd="0" presId="urn:microsoft.com/office/officeart/2016/7/layout/RoundedRectangleTimeline"/>
-    <dgm:cxn modelId="{A151554E-10B3-429A-9E0D-D40262ED6857}" type="presParOf" srcId="{3E3E944D-A6EC-4962-9AC1-C585A4F97BDA}" destId="{B4723E2A-4FF1-452A-BD25-8EC364F15A6F}" srcOrd="1" destOrd="0" presId="urn:microsoft.com/office/officeart/2016/7/layout/RoundedRectangleTimeline"/>
-    <dgm:cxn modelId="{329635D9-081F-4DC9-88AA-E074B7400415}" type="presParOf" srcId="{3E3E944D-A6EC-4962-9AC1-C585A4F97BDA}" destId="{440E9361-37D2-4157-AF38-7B49AD23708B}" srcOrd="2" destOrd="0" presId="urn:microsoft.com/office/officeart/2016/7/layout/RoundedRectangleTimeline"/>
-    <dgm:cxn modelId="{0F0D3AEA-9F0C-400E-A955-6CD1F474B6A4}" type="presParOf" srcId="{3E3E944D-A6EC-4962-9AC1-C585A4F97BDA}" destId="{C45E7B63-1C71-483E-A3A8-705CE86D4D8E}" srcOrd="3" destOrd="0" presId="urn:microsoft.com/office/officeart/2016/7/layout/RoundedRectangleTimeline"/>
-    <dgm:cxn modelId="{91F0BE33-39D4-4457-A5CC-3F1682DB166D}" type="presParOf" srcId="{3E3E944D-A6EC-4962-9AC1-C585A4F97BDA}" destId="{4174F691-D9D3-451C-9893-D177DC3AED58}" srcOrd="4" destOrd="0" presId="urn:microsoft.com/office/officeart/2016/7/layout/RoundedRectangleTimeline"/>
-  </dgm:cxnLst>
-  <dgm:bg/>
-  <dgm:whole/>
-  <dgm:extLst>
-    <a:ext uri="http://schemas.microsoft.com/office/drawing/2008/diagram">
-      <dsp:dataModelExt xmlns:dsp="http://schemas.microsoft.com/office/drawing/2008/diagram" relId="rId6" minVer="http://schemas.openxmlformats.org/drawingml/2006/diagram"/>
-    </a:ext>
-  </dgm:extLst>
-</dgm:dataModel>
-</file>
-
-<file path=ppt/diagrams/drawing1.xml><?xml version="1.0" encoding="utf-8"?>
-<dsp:drawing xmlns:dgm="http://schemas.openxmlformats.org/drawingml/2006/diagram" xmlns:dsp="http://schemas.microsoft.com/office/drawing/2008/diagram" xmlns:a="http://schemas.openxmlformats.org/drawingml/2006/main">
-  <dsp:spTree>
-    <dsp:nvGrpSpPr>
-      <dsp:cNvPr id="0" name=""/>
-      <dsp:cNvGrpSpPr/>
-    </dsp:nvGrpSpPr>
-    <dsp:grpSpPr/>
-    <dsp:sp modelId="{954381E7-0584-46DD-8108-E9BF4F2B5005}">
-      <dsp:nvSpPr>
-        <dsp:cNvPr id="0" name=""/>
-        <dsp:cNvSpPr/>
-      </dsp:nvSpPr>
-      <dsp:spPr>
-        <a:xfrm rot="16200000">
-          <a:off x="2328055" y="314278"/>
-          <a:ext cx="363378" cy="3005230"/>
-        </a:xfrm>
-        <a:prstGeom prst="round2SameRect">
-          <a:avLst/>
-        </a:prstGeom>
-        <a:solidFill>
-          <a:schemeClr val="accent1">
-            <a:shade val="80000"/>
-            <a:hueOff val="0"/>
-            <a:satOff val="0"/>
-            <a:lumOff val="0"/>
-            <a:alphaOff val="0"/>
-          </a:schemeClr>
-        </a:solidFill>
-        <a:ln w="22225" cap="rnd" cmpd="sng" algn="ctr">
-          <a:solidFill>
-            <a:schemeClr val="accent1">
-              <a:shade val="80000"/>
-              <a:hueOff val="0"/>
-              <a:satOff val="0"/>
-              <a:lumOff val="0"/>
-              <a:alphaOff val="0"/>
-            </a:schemeClr>
-          </a:solidFill>
-          <a:prstDash val="solid"/>
-        </a:ln>
-        <a:effectLst/>
-      </dsp:spPr>
-      <dsp:style>
-        <a:lnRef idx="2">
-          <a:scrgbClr r="0" g="0" b="0"/>
-        </a:lnRef>
-        <a:fillRef idx="1">
-          <a:scrgbClr r="0" g="0" b="0"/>
-        </a:fillRef>
-        <a:effectRef idx="0">
-          <a:scrgbClr r="0" g="0" b="0"/>
-        </a:effectRef>
-        <a:fontRef idx="minor">
-          <a:schemeClr val="lt1"/>
-        </a:fontRef>
-      </dsp:style>
-      <dsp:txBody>
-        <a:bodyPr spcFirstLastPara="0" vert="horz" wrap="square" lIns="83820" tIns="83820" rIns="83820" bIns="83820" numCol="1" spcCol="1270" rtlCol="0" anchor="ctr" anchorCtr="1">
-          <a:noAutofit/>
-        </a:bodyPr>
-        <a:lstStyle/>
-        <a:p>
-          <a:pPr marL="0" lvl="0" indent="0" algn="ctr" defTabSz="488950" rtl="0">
-            <a:lnSpc>
-              <a:spcPct val="90000"/>
-            </a:lnSpc>
-            <a:spcBef>
-              <a:spcPct val="0"/>
-            </a:spcBef>
-            <a:spcAft>
-              <a:spcPct val="35000"/>
-            </a:spcAft>
-            <a:buNone/>
-          </a:pPr>
-          <a:r>
-            <a:rPr lang="de" sz="1100" kern="1200" dirty="0"/>
-            <a:t>2017</a:t>
-          </a:r>
-        </a:p>
-      </dsp:txBody>
-      <dsp:txXfrm rot="5400000">
-        <a:off x="1024869" y="1652943"/>
-        <a:ext cx="2987491" cy="327900"/>
-      </dsp:txXfrm>
-    </dsp:sp>
-    <dsp:sp modelId="{5A1B764B-0DC5-47CD-BDEA-9E67799496EC}">
-      <dsp:nvSpPr>
-        <dsp:cNvPr id="0" name=""/>
-        <dsp:cNvSpPr/>
-      </dsp:nvSpPr>
-      <dsp:spPr>
-        <a:xfrm>
-          <a:off x="5385" y="0"/>
-          <a:ext cx="5008717" cy="1271825"/>
-        </a:xfrm>
-        <a:prstGeom prst="rect">
-          <a:avLst/>
-        </a:prstGeom>
-        <a:noFill/>
-        <a:ln>
-          <a:noFill/>
-        </a:ln>
-        <a:effectLst/>
-      </dsp:spPr>
-      <dsp:style>
-        <a:lnRef idx="0">
-          <a:scrgbClr r="0" g="0" b="0"/>
-        </a:lnRef>
-        <a:fillRef idx="0">
-          <a:scrgbClr r="0" g="0" b="0"/>
-        </a:fillRef>
-        <a:effectRef idx="0">
-          <a:scrgbClr r="0" g="0" b="0"/>
-        </a:effectRef>
-        <a:fontRef idx="minor"/>
-      </dsp:style>
-      <dsp:txBody>
-        <a:bodyPr spcFirstLastPara="0" vert="horz" wrap="square" lIns="0" tIns="0" rIns="0" bIns="83820" numCol="1" spcCol="1270" rtlCol="0" anchor="b" anchorCtr="1">
-          <a:noAutofit/>
-        </a:bodyPr>
-        <a:lstStyle/>
-        <a:p>
-          <a:pPr marL="0" lvl="0" indent="0" algn="ctr" defTabSz="488950" rtl="0">
-            <a:lnSpc>
-              <a:spcPct val="90000"/>
-            </a:lnSpc>
-            <a:spcBef>
-              <a:spcPct val="0"/>
-            </a:spcBef>
-            <a:spcAft>
-              <a:spcPct val="35000"/>
-            </a:spcAft>
-            <a:buNone/>
-          </a:pPr>
-          <a:r>
-            <a:rPr lang="de" sz="1100" kern="1200"/>
-            <a:t>Lorem ipsum dolor sit amet</a:t>
-          </a:r>
-        </a:p>
-      </dsp:txBody>
-      <dsp:txXfrm>
-        <a:off x="5385" y="0"/>
-        <a:ext cx="5008717" cy="1271825"/>
-      </dsp:txXfrm>
-    </dsp:sp>
-    <dsp:sp modelId="{122B38A3-0442-4747-820C-1F37877E2B0E}">
-      <dsp:nvSpPr>
-        <dsp:cNvPr id="0" name=""/>
-        <dsp:cNvSpPr/>
-      </dsp:nvSpPr>
-      <dsp:spPr>
-        <a:xfrm>
-          <a:off x="2509744" y="1344501"/>
-          <a:ext cx="0" cy="290702"/>
-        </a:xfrm>
-        <a:prstGeom prst="line">
-          <a:avLst/>
-        </a:prstGeom>
-        <a:noFill/>
-        <a:ln w="12700" cap="rnd" cmpd="sng" algn="ctr">
-          <a:solidFill>
-            <a:schemeClr val="accent1">
-              <a:shade val="90000"/>
-              <a:hueOff val="93466"/>
-              <a:satOff val="1924"/>
-              <a:lumOff val="8231"/>
-              <a:alphaOff val="0"/>
-            </a:schemeClr>
-          </a:solidFill>
-          <a:prstDash val="dash"/>
-        </a:ln>
-        <a:effectLst/>
-      </dsp:spPr>
-      <dsp:style>
-        <a:lnRef idx="1">
-          <a:scrgbClr r="0" g="0" b="0"/>
-        </a:lnRef>
-        <a:fillRef idx="0">
-          <a:scrgbClr r="0" g="0" b="0"/>
-        </a:fillRef>
-        <a:effectRef idx="0">
-          <a:scrgbClr r="0" g="0" b="0"/>
-        </a:effectRef>
-        <a:fontRef idx="minor"/>
-      </dsp:style>
-    </dsp:sp>
-    <dsp:sp modelId="{A73181F6-69BB-4A47-8277-4671A45AC8C8}">
-      <dsp:nvSpPr>
-        <dsp:cNvPr id="0" name=""/>
-        <dsp:cNvSpPr/>
-      </dsp:nvSpPr>
-      <dsp:spPr>
-        <a:xfrm>
-          <a:off x="2473406" y="1271825"/>
-          <a:ext cx="72675" cy="72675"/>
-        </a:xfrm>
-        <a:prstGeom prst="ellipse">
-          <a:avLst/>
-        </a:prstGeom>
-        <a:solidFill>
-          <a:schemeClr val="accent1">
-            <a:shade val="80000"/>
-            <a:hueOff val="0"/>
-            <a:satOff val="0"/>
-            <a:lumOff val="0"/>
-            <a:alphaOff val="0"/>
-          </a:schemeClr>
-        </a:solidFill>
-        <a:ln w="22225" cap="rnd" cmpd="sng" algn="ctr">
-          <a:solidFill>
-            <a:schemeClr val="lt1">
-              <a:hueOff val="0"/>
-              <a:satOff val="0"/>
-              <a:lumOff val="0"/>
-              <a:alphaOff val="0"/>
-            </a:schemeClr>
-          </a:solidFill>
-          <a:prstDash val="solid"/>
-        </a:ln>
-        <a:effectLst/>
-      </dsp:spPr>
-      <dsp:style>
-        <a:lnRef idx="2">
-          <a:scrgbClr r="0" g="0" b="0"/>
-        </a:lnRef>
-        <a:fillRef idx="1">
-          <a:scrgbClr r="0" g="0" b="0"/>
-        </a:fillRef>
-        <a:effectRef idx="0">
-          <a:scrgbClr r="0" g="0" b="0"/>
-        </a:effectRef>
-        <a:fontRef idx="minor">
-          <a:schemeClr val="lt1"/>
-        </a:fontRef>
-      </dsp:style>
-    </dsp:sp>
-    <dsp:sp modelId="{30804A27-188E-4A17-8FFE-97BCCA0597B8}">
-      <dsp:nvSpPr>
-        <dsp:cNvPr id="0" name=""/>
-        <dsp:cNvSpPr/>
-      </dsp:nvSpPr>
-      <dsp:spPr>
-        <a:xfrm>
-          <a:off x="4012359" y="1635204"/>
-          <a:ext cx="3005230" cy="363378"/>
-        </a:xfrm>
-        <a:prstGeom prst="rect">
-          <a:avLst/>
-        </a:prstGeom>
-        <a:solidFill>
-          <a:schemeClr val="accent1">
-            <a:shade val="80000"/>
-            <a:hueOff val="223096"/>
-            <a:satOff val="-4529"/>
-            <a:lumOff val="15339"/>
-            <a:alphaOff val="0"/>
-          </a:schemeClr>
-        </a:solidFill>
-        <a:ln w="22225" cap="rnd" cmpd="sng" algn="ctr">
-          <a:solidFill>
-            <a:schemeClr val="accent1">
-              <a:shade val="80000"/>
-              <a:hueOff val="223096"/>
-              <a:satOff val="-4529"/>
-              <a:lumOff val="15339"/>
-              <a:alphaOff val="0"/>
-            </a:schemeClr>
-          </a:solidFill>
-          <a:prstDash val="solid"/>
-        </a:ln>
-        <a:effectLst/>
-      </dsp:spPr>
-      <dsp:style>
-        <a:lnRef idx="2">
-          <a:scrgbClr r="0" g="0" b="0"/>
-        </a:lnRef>
-        <a:fillRef idx="1">
-          <a:scrgbClr r="0" g="0" b="0"/>
-        </a:fillRef>
-        <a:effectRef idx="0">
-          <a:scrgbClr r="0" g="0" b="0"/>
-        </a:effectRef>
-        <a:fontRef idx="minor">
-          <a:schemeClr val="lt1"/>
-        </a:fontRef>
-      </dsp:style>
-      <dsp:txBody>
-        <a:bodyPr spcFirstLastPara="0" vert="horz" wrap="square" lIns="83820" tIns="83820" rIns="83820" bIns="83820" numCol="1" spcCol="1270" rtlCol="0" anchor="ctr" anchorCtr="1">
-          <a:noAutofit/>
-        </a:bodyPr>
-        <a:lstStyle/>
-        <a:p>
-          <a:pPr marL="0" lvl="0" indent="0" algn="ctr" defTabSz="488950" rtl="0">
-            <a:lnSpc>
-              <a:spcPct val="90000"/>
-            </a:lnSpc>
-            <a:spcBef>
-              <a:spcPct val="0"/>
-            </a:spcBef>
-            <a:spcAft>
-              <a:spcPct val="35000"/>
-            </a:spcAft>
-            <a:buNone/>
-          </a:pPr>
-          <a:r>
-            <a:rPr lang="de" sz="1100" kern="1200"/>
-            <a:t>2018</a:t>
-          </a:r>
-        </a:p>
-      </dsp:txBody>
-      <dsp:txXfrm>
-        <a:off x="4012359" y="1635204"/>
-        <a:ext cx="3005230" cy="363378"/>
-      </dsp:txXfrm>
-    </dsp:sp>
-    <dsp:sp modelId="{DF65791B-462E-4589-B98D-F60587330CA8}">
-      <dsp:nvSpPr>
-        <dsp:cNvPr id="0" name=""/>
-        <dsp:cNvSpPr/>
-      </dsp:nvSpPr>
-      <dsp:spPr>
-        <a:xfrm>
-          <a:off x="3010616" y="2361961"/>
-          <a:ext cx="5008717" cy="1271825"/>
-        </a:xfrm>
-        <a:prstGeom prst="rect">
-          <a:avLst/>
-        </a:prstGeom>
-        <a:noFill/>
-        <a:ln>
-          <a:noFill/>
-        </a:ln>
-        <a:effectLst/>
-      </dsp:spPr>
-      <dsp:style>
-        <a:lnRef idx="0">
-          <a:scrgbClr r="0" g="0" b="0"/>
-        </a:lnRef>
-        <a:fillRef idx="0">
-          <a:scrgbClr r="0" g="0" b="0"/>
-        </a:fillRef>
-        <a:effectRef idx="0">
-          <a:scrgbClr r="0" g="0" b="0"/>
-        </a:effectRef>
-        <a:fontRef idx="minor"/>
-      </dsp:style>
-      <dsp:txBody>
-        <a:bodyPr spcFirstLastPara="0" vert="horz" wrap="square" lIns="0" tIns="83820" rIns="0" bIns="0" numCol="1" spcCol="1270" rtlCol="0" anchor="t" anchorCtr="1">
-          <a:noAutofit/>
-        </a:bodyPr>
-        <a:lstStyle/>
-        <a:p>
-          <a:pPr marL="0" lvl="0" indent="0" algn="ctr" defTabSz="488950" rtl="0">
-            <a:lnSpc>
-              <a:spcPct val="90000"/>
-            </a:lnSpc>
-            <a:spcBef>
-              <a:spcPct val="0"/>
-            </a:spcBef>
-            <a:spcAft>
-              <a:spcPct val="35000"/>
-            </a:spcAft>
-            <a:buNone/>
-          </a:pPr>
-          <a:r>
-            <a:rPr lang="de" sz="1100" kern="1200"/>
-            <a:t>Lorem ipsum dolor sit amet</a:t>
-          </a:r>
-        </a:p>
-      </dsp:txBody>
-      <dsp:txXfrm>
-        <a:off x="3010616" y="2361961"/>
-        <a:ext cx="5008717" cy="1271825"/>
-      </dsp:txXfrm>
-    </dsp:sp>
-    <dsp:sp modelId="{DBA410EB-5F61-4F46-92D9-C5B0AA59EE15}">
-      <dsp:nvSpPr>
-        <dsp:cNvPr id="0" name=""/>
-        <dsp:cNvSpPr/>
-      </dsp:nvSpPr>
-      <dsp:spPr>
-        <a:xfrm>
-          <a:off x="5514975" y="1998582"/>
-          <a:ext cx="0" cy="290702"/>
-        </a:xfrm>
-        <a:prstGeom prst="line">
-          <a:avLst/>
-        </a:prstGeom>
-        <a:noFill/>
-        <a:ln w="12700" cap="rnd" cmpd="sng" algn="ctr">
-          <a:solidFill>
-            <a:schemeClr val="accent1">
-              <a:shade val="90000"/>
-              <a:hueOff val="140199"/>
-              <a:satOff val="2886"/>
-              <a:lumOff val="12346"/>
-              <a:alphaOff val="0"/>
-            </a:schemeClr>
-          </a:solidFill>
-          <a:prstDash val="dash"/>
-        </a:ln>
-        <a:effectLst/>
-      </dsp:spPr>
-      <dsp:style>
-        <a:lnRef idx="1">
-          <a:scrgbClr r="0" g="0" b="0"/>
-        </a:lnRef>
-        <a:fillRef idx="0">
-          <a:scrgbClr r="0" g="0" b="0"/>
-        </a:fillRef>
-        <a:effectRef idx="0">
-          <a:scrgbClr r="0" g="0" b="0"/>
-        </a:effectRef>
-        <a:fontRef idx="minor"/>
-      </dsp:style>
-    </dsp:sp>
-    <dsp:sp modelId="{E1220EDB-B75C-43A5-B862-97E4C09130A7}">
-      <dsp:nvSpPr>
-        <dsp:cNvPr id="0" name=""/>
-        <dsp:cNvSpPr/>
-      </dsp:nvSpPr>
-      <dsp:spPr>
-        <a:xfrm>
-          <a:off x="5478637" y="2289285"/>
-          <a:ext cx="72675" cy="72675"/>
-        </a:xfrm>
-        <a:prstGeom prst="ellipse">
-          <a:avLst/>
-        </a:prstGeom>
-        <a:solidFill>
-          <a:schemeClr val="accent1">
-            <a:shade val="80000"/>
-            <a:hueOff val="223096"/>
-            <a:satOff val="-4529"/>
-            <a:lumOff val="15339"/>
-            <a:alphaOff val="0"/>
-          </a:schemeClr>
-        </a:solidFill>
-        <a:ln w="22225" cap="rnd" cmpd="sng" algn="ctr">
-          <a:solidFill>
-            <a:schemeClr val="lt1">
-              <a:hueOff val="0"/>
-              <a:satOff val="0"/>
-              <a:lumOff val="0"/>
-              <a:alphaOff val="0"/>
-            </a:schemeClr>
-          </a:solidFill>
-          <a:prstDash val="solid"/>
-        </a:ln>
-        <a:effectLst/>
-      </dsp:spPr>
-      <dsp:style>
-        <a:lnRef idx="2">
-          <a:scrgbClr r="0" g="0" b="0"/>
-        </a:lnRef>
-        <a:fillRef idx="1">
-          <a:scrgbClr r="0" g="0" b="0"/>
-        </a:fillRef>
-        <a:effectRef idx="0">
-          <a:scrgbClr r="0" g="0" b="0"/>
-        </a:effectRef>
-        <a:fontRef idx="minor">
-          <a:schemeClr val="lt1"/>
-        </a:fontRef>
-      </dsp:style>
-    </dsp:sp>
-    <dsp:sp modelId="{566B79CB-1A41-4F5C-BF91-58D94BF93913}">
-      <dsp:nvSpPr>
-        <dsp:cNvPr id="0" name=""/>
-        <dsp:cNvSpPr/>
-      </dsp:nvSpPr>
-      <dsp:spPr>
-        <a:xfrm rot="5400000">
-          <a:off x="8338516" y="314278"/>
-          <a:ext cx="363378" cy="3005230"/>
-        </a:xfrm>
-        <a:prstGeom prst="round2SameRect">
-          <a:avLst/>
-        </a:prstGeom>
-        <a:solidFill>
-          <a:schemeClr val="accent1">
-            <a:shade val="80000"/>
-            <a:hueOff val="446191"/>
-            <a:satOff val="-9058"/>
-            <a:lumOff val="30677"/>
-            <a:alphaOff val="0"/>
-          </a:schemeClr>
-        </a:solidFill>
-        <a:ln w="22225" cap="rnd" cmpd="sng" algn="ctr">
-          <a:solidFill>
-            <a:schemeClr val="accent1">
-              <a:shade val="80000"/>
-              <a:hueOff val="446191"/>
-              <a:satOff val="-9058"/>
-              <a:lumOff val="30677"/>
-              <a:alphaOff val="0"/>
-            </a:schemeClr>
-          </a:solidFill>
-          <a:prstDash val="solid"/>
-        </a:ln>
-        <a:effectLst/>
-      </dsp:spPr>
-      <dsp:style>
-        <a:lnRef idx="2">
-          <a:scrgbClr r="0" g="0" b="0"/>
-        </a:lnRef>
-        <a:fillRef idx="1">
-          <a:scrgbClr r="0" g="0" b="0"/>
-        </a:fillRef>
-        <a:effectRef idx="0">
-          <a:scrgbClr r="0" g="0" b="0"/>
-        </a:effectRef>
-        <a:fontRef idx="minor">
-          <a:schemeClr val="lt1"/>
-        </a:fontRef>
-      </dsp:style>
-      <dsp:txBody>
-        <a:bodyPr spcFirstLastPara="0" vert="horz" wrap="square" lIns="83820" tIns="83820" rIns="83820" bIns="83820" numCol="1" spcCol="1270" rtlCol="0" anchor="ctr" anchorCtr="1">
-          <a:noAutofit/>
-        </a:bodyPr>
-        <a:lstStyle/>
-        <a:p>
-          <a:pPr marL="0" lvl="0" indent="0" algn="ctr" defTabSz="488950" rtl="0">
-            <a:lnSpc>
-              <a:spcPct val="90000"/>
-            </a:lnSpc>
-            <a:spcBef>
-              <a:spcPct val="0"/>
-            </a:spcBef>
-            <a:spcAft>
-              <a:spcPct val="35000"/>
-            </a:spcAft>
-            <a:buNone/>
-          </a:pPr>
-          <a:r>
-            <a:rPr lang="de" sz="1100" kern="1200"/>
-            <a:t>2019</a:t>
-          </a:r>
-        </a:p>
-      </dsp:txBody>
-      <dsp:txXfrm rot="-5400000">
-        <a:off x="7017591" y="1652943"/>
-        <a:ext cx="2987491" cy="327900"/>
-      </dsp:txXfrm>
-    </dsp:sp>
-    <dsp:sp modelId="{B4723E2A-4FF1-452A-BD25-8EC364F15A6F}">
-      <dsp:nvSpPr>
-        <dsp:cNvPr id="0" name=""/>
-        <dsp:cNvSpPr/>
-      </dsp:nvSpPr>
-      <dsp:spPr>
-        <a:xfrm>
-          <a:off x="6015846" y="0"/>
-          <a:ext cx="5008717" cy="1271825"/>
-        </a:xfrm>
-        <a:prstGeom prst="rect">
-          <a:avLst/>
-        </a:prstGeom>
-        <a:noFill/>
-        <a:ln>
-          <a:noFill/>
-        </a:ln>
-        <a:effectLst/>
-      </dsp:spPr>
-      <dsp:style>
-        <a:lnRef idx="0">
-          <a:scrgbClr r="0" g="0" b="0"/>
-        </a:lnRef>
-        <a:fillRef idx="0">
-          <a:scrgbClr r="0" g="0" b="0"/>
-        </a:fillRef>
-        <a:effectRef idx="0">
-          <a:scrgbClr r="0" g="0" b="0"/>
-        </a:effectRef>
-        <a:fontRef idx="minor"/>
-      </dsp:style>
-      <dsp:txBody>
-        <a:bodyPr spcFirstLastPara="0" vert="horz" wrap="square" lIns="0" tIns="0" rIns="0" bIns="83820" numCol="1" spcCol="1270" rtlCol="0" anchor="b" anchorCtr="1">
-          <a:noAutofit/>
-        </a:bodyPr>
-        <a:lstStyle/>
-        <a:p>
-          <a:pPr marL="0" lvl="0" indent="0" algn="ctr" defTabSz="488950" rtl="0">
-            <a:lnSpc>
-              <a:spcPct val="90000"/>
-            </a:lnSpc>
-            <a:spcBef>
-              <a:spcPct val="0"/>
-            </a:spcBef>
-            <a:spcAft>
-              <a:spcPct val="35000"/>
-            </a:spcAft>
-            <a:buNone/>
-          </a:pPr>
-          <a:r>
-            <a:rPr lang="de" sz="1100" kern="1200"/>
-            <a:t>Lorem ipsum dolor sit amet</a:t>
-          </a:r>
-        </a:p>
-      </dsp:txBody>
-      <dsp:txXfrm>
-        <a:off x="6015846" y="0"/>
-        <a:ext cx="5008717" cy="1271825"/>
-      </dsp:txXfrm>
-    </dsp:sp>
-    <dsp:sp modelId="{440E9361-37D2-4157-AF38-7B49AD23708B}">
-      <dsp:nvSpPr>
-        <dsp:cNvPr id="0" name=""/>
-        <dsp:cNvSpPr/>
-      </dsp:nvSpPr>
-      <dsp:spPr>
-        <a:xfrm>
-          <a:off x="8520205" y="1344501"/>
-          <a:ext cx="0" cy="290702"/>
-        </a:xfrm>
-        <a:prstGeom prst="line">
-          <a:avLst/>
-        </a:prstGeom>
-        <a:noFill/>
-        <a:ln w="12700" cap="rnd" cmpd="sng" algn="ctr">
-          <a:solidFill>
-            <a:schemeClr val="accent1">
-              <a:shade val="90000"/>
-              <a:hueOff val="186931"/>
-              <a:satOff val="3848"/>
-              <a:lumOff val="16461"/>
-              <a:alphaOff val="0"/>
-            </a:schemeClr>
-          </a:solidFill>
-          <a:prstDash val="dash"/>
-        </a:ln>
-        <a:effectLst/>
-      </dsp:spPr>
-      <dsp:style>
-        <a:lnRef idx="1">
-          <a:scrgbClr r="0" g="0" b="0"/>
-        </a:lnRef>
-        <a:fillRef idx="0">
-          <a:scrgbClr r="0" g="0" b="0"/>
-        </a:fillRef>
-        <a:effectRef idx="0">
-          <a:scrgbClr r="0" g="0" b="0"/>
-        </a:effectRef>
-        <a:fontRef idx="minor"/>
-      </dsp:style>
-    </dsp:sp>
-    <dsp:sp modelId="{C45E7B63-1C71-483E-A3A8-705CE86D4D8E}">
-      <dsp:nvSpPr>
-        <dsp:cNvPr id="0" name=""/>
-        <dsp:cNvSpPr/>
-      </dsp:nvSpPr>
-      <dsp:spPr>
-        <a:xfrm>
-          <a:off x="8483867" y="1271825"/>
-          <a:ext cx="72675" cy="72675"/>
-        </a:xfrm>
-        <a:prstGeom prst="ellipse">
-          <a:avLst/>
-        </a:prstGeom>
-        <a:solidFill>
-          <a:schemeClr val="accent1">
-            <a:shade val="80000"/>
-            <a:hueOff val="446191"/>
-            <a:satOff val="-9058"/>
-            <a:lumOff val="30677"/>
-            <a:alphaOff val="0"/>
-          </a:schemeClr>
-        </a:solidFill>
-        <a:ln w="22225" cap="rnd" cmpd="sng" algn="ctr">
-          <a:solidFill>
-            <a:schemeClr val="lt1">
-              <a:hueOff val="0"/>
-              <a:satOff val="0"/>
-              <a:lumOff val="0"/>
-              <a:alphaOff val="0"/>
-            </a:schemeClr>
-          </a:solidFill>
-          <a:prstDash val="solid"/>
-        </a:ln>
-        <a:effectLst/>
-      </dsp:spPr>
-      <dsp:style>
-        <a:lnRef idx="2">
-          <a:scrgbClr r="0" g="0" b="0"/>
-        </a:lnRef>
-        <a:fillRef idx="1">
-          <a:scrgbClr r="0" g="0" b="0"/>
-        </a:fillRef>
-        <a:effectRef idx="0">
-          <a:scrgbClr r="0" g="0" b="0"/>
-        </a:effectRef>
-        <a:fontRef idx="minor">
-          <a:schemeClr val="lt1"/>
-        </a:fontRef>
-      </dsp:style>
-    </dsp:sp>
-  </dsp:spTree>
-</dsp:drawing>
-</file>
-
-<file path=ppt/diagrams/layout1.xml><?xml version="1.0" encoding="utf-8"?>
-<dgm:layoutDef xmlns:dgm="http://schemas.openxmlformats.org/drawingml/2006/diagram" xmlns:a="http://schemas.openxmlformats.org/drawingml/2006/main" uniqueId="urn:microsoft.com/office/officeart/2016/7/layout/RoundedRectangleTimeline">
-  <dgm:title val="Rounded Rectangle Timeline"/>
-  <dgm:desc val="Use to show a list of events in chronological order. An invisible box contains the description while the date is shown in rectangles, except for the first and last node where the corners of the rectangle are rounded. It can display large amount of text and long descriptive date format."/>
-  <dgm:catLst>
-    <dgm:cat type="timeline" pri="500"/>
-    <dgm:cat type="process" pri="600"/>
-  </dgm:catLst>
-  <dgm:sampData>
-    <dgm:dataModel>
-      <dgm:ptLst>
-        <dgm:pt modelId="0" type="doc"/>
-        <dgm:pt modelId="10">
-          <dgm:prSet phldr="1"/>
-        </dgm:pt>
-        <dgm:pt modelId="11">
-          <dgm:prSet phldr="1"/>
-        </dgm:pt>
-        <dgm:pt modelId="20">
-          <dgm:prSet phldr="1"/>
-        </dgm:pt>
-        <dgm:pt modelId="21">
-          <dgm:prSet phldr="1"/>
-        </dgm:pt>
-        <dgm:pt modelId="30">
-          <dgm:prSet phldr="1"/>
-        </dgm:pt>
-        <dgm:pt modelId="31">
-          <dgm:prSet phldr="1"/>
-        </dgm:pt>
-      </dgm:ptLst>
-      <dgm:cxnLst>
-        <dgm:cxn modelId="40" srcId="0" destId="10" srcOrd="0" destOrd="0"/>
-        <dgm:cxn modelId="12" srcId="10" destId="11" srcOrd="0" destOrd="0"/>
-        <dgm:cxn modelId="50" srcId="0" destId="20" srcOrd="1" destOrd="0"/>
-        <dgm:cxn modelId="22" srcId="20" destId="21" srcOrd="0" destOrd="0"/>
-        <dgm:cxn modelId="60" srcId="0" destId="30" srcOrd="1" destOrd="0"/>
-        <dgm:cxn modelId="32" srcId="30" destId="31" srcOrd="0" destOrd="0"/>
-      </dgm:cxnLst>
-      <dgm:bg/>
-      <dgm:whole/>
-    </dgm:dataModel>
-  </dgm:sampData>
-  <dgm:styleData>
-    <dgm:dataModel>
-      <dgm:ptLst>
-        <dgm:pt modelId="0" type="doc"/>
-        <dgm:pt modelId="10">
-          <dgm:prSet phldr="1"/>
-        </dgm:pt>
-        <dgm:pt modelId="20">
-          <dgm:prSet phldr="1"/>
-        </dgm:pt>
-      </dgm:ptLst>
-      <dgm:cxnLst>
-        <dgm:cxn modelId="60" srcId="0" destId="10" srcOrd="0" destOrd="0"/>
-        <dgm:cxn modelId="70" srcId="0" destId="20" srcOrd="1" destOrd="0"/>
-      </dgm:cxnLst>
-      <dgm:bg/>
-      <dgm:whole/>
-    </dgm:dataModel>
-  </dgm:styleData>
-  <dgm:clrData>
-    <dgm:dataModel>
-      <dgm:ptLst>
-        <dgm:pt modelId="0" type="doc"/>
-        <dgm:pt modelId="10">
-          <dgm:prSet phldr="1"/>
-        </dgm:pt>
-        <dgm:pt modelId="20">
-          <dgm:prSet phldr="1"/>
-        </dgm:pt>
-        <dgm:pt modelId="30">
-          <dgm:prSet phldr="1"/>
-        </dgm:pt>
-        <dgm:pt modelId="40">
-          <dgm:prSet phldr="1"/>
-        </dgm:pt>
-      </dgm:ptLst>
-      <dgm:cxnLst>
-        <dgm:cxn modelId="60" srcId="0" destId="10" srcOrd="0" destOrd="0"/>
-        <dgm:cxn modelId="70" srcId="0" destId="20" srcOrd="1" destOrd="0"/>
-        <dgm:cxn modelId="80" srcId="0" destId="30" srcOrd="2" destOrd="0"/>
-        <dgm:cxn modelId="90" srcId="0" destId="40" srcOrd="3" destOrd="0"/>
-      </dgm:cxnLst>
-      <dgm:bg/>
-      <dgm:whole/>
-    </dgm:dataModel>
-  </dgm:clrData>
-  <dgm:layoutNode name="Name0">
-    <dgm:varLst>
-      <dgm:chMax/>
-      <dgm:chPref/>
-      <dgm:animLvl val="lvl"/>
-    </dgm:varLst>
-    <dgm:choose name="Name1">
-      <dgm:if name="Name2" func="var" arg="dir" op="equ" val="norm">
-        <dgm:alg type="lin"/>
-      </dgm:if>
-      <dgm:else name="Name3">
-        <dgm:alg type="lin">
-          <dgm:param type="linDir" val="fromR"/>
-        </dgm:alg>
-      </dgm:else>
-    </dgm:choose>
-    <dgm:shape xmlns:r="http://schemas.openxmlformats.org/officeDocument/2006/relationships" r:blip="">
-      <dgm:adjLst/>
-    </dgm:shape>
-    <dgm:constrLst>
-      <dgm:constr type="primFontSz" for="des" forName="parent" val="18"/>
-      <dgm:constr type="primFontSz" for="des" forName="Childtext" val="18"/>
-      <dgm:constr type="primFontSz" for="des" forName="Childtext" refType="primFontSz" refFor="des" refForName="parent" op="lte"/>
-      <dgm:constr type="w" for="ch" forName="composite" refType="w"/>
-      <dgm:constr type="h" for="ch" forName="composite" refType="h"/>
-      <dgm:constr type="w" for="ch" forName="spaceBetweenRectangles" refType="w" refFor="ch" refForName="composite" fact="-0.4"/>
-      <dgm:constr type="w" for="ch" ptType="sibTrans" op="equ"/>
-      <dgm:constr type="primFontSz" for="des" forName="parent" op="equ"/>
-      <dgm:constr type="primFontSz" for="des" forName="Childtext" op="equ"/>
-      <dgm:constr type="primFontSz" for="des" forName="parent1" val="18"/>
-      <dgm:constr type="primFontSz" for="des" forName="Childtext1" val="18"/>
-      <dgm:constr type="primFontSz" for="des" forName="Childtext1" refType="primFontSz" refFor="des" refForName="parent1" op="lte"/>
-      <dgm:constr type="w" for="ch" forName="composite1" refType="w"/>
-      <dgm:constr type="h" for="ch" forName="composite1" refType="h"/>
-      <dgm:constr type="w" for="ch" forName="spaceBetweenRectangles1" refType="w" refFor="ch" refForName="composite1" fact="-0.4"/>
-      <dgm:constr type="primFontSz" for="des" forName="parent1" op="equ"/>
-      <dgm:constr type="primFontSz" for="des" forName="Childtext1" op="equ"/>
-    </dgm:constrLst>
-    <dgm:choose name="layoutByNodeCnt">
-      <dgm:if name="twoOrLessNodes" axis="ch" ptType="node" func="cnt" op="lte" val="2">
-        <dgm:forEach name="nodesForEach" axis="ch" ptType="node">
-          <dgm:layoutNode name="composite">
-            <dgm:alg type="composite"/>
-            <dgm:shape xmlns:r="http://schemas.openxmlformats.org/officeDocument/2006/relationships" r:blip="">
-              <dgm:adjLst/>
-            </dgm:shape>
-            <dgm:choose name="casesForFirstAndLastNode1">
-              <dgm:if name="startNode1" axis="self" ptType="node" func="pos" op="equ" val="1">
-                <dgm:choose name="removeLineWhenOnlyOneNode1">
-                  <dgm:if name="ifOnlyOneNode1" axis="followSib" ptType="node" func="cnt" op="equ" val="0">
-                    <dgm:constrLst>
-                      <dgm:constr type="w" for="ch" forName="parent" refType="w" fact="0.95"/>
-                      <dgm:constr type="l" for="ch" forName="parent" refType="w" fact="0.025"/>
-                      <dgm:constr type="t" for="ch" forName="parent" refType="h" fact="0.45"/>
-                      <dgm:constr type="h" for="ch" forName="parent" refType="h" fact="0.1"/>
-                      <dgm:constr type="l" for="ch" forName="Childtext" refType="w" fact="0.025"/>
-                      <dgm:constr type="w" for="ch" forName="Childtext" refType="w" fact="0.95"/>
-                      <dgm:constr type="h" for="ch" forName="Childtext" refType="h" fact="0.35"/>
-                      <dgm:constr type="w" for="ch" forName="ConnectLine"/>
-                      <dgm:constr type="h" for="ch" forName="ConnectLine" refType="h" fact="0.08"/>
-                      <dgm:constr type="t" for="ch" forName="ConnectLine" refType="h" fact="0.37"/>
-                      <dgm:constr type="ctrX" for="ch" forName="ConnectLine" refType="w" fact="0.5"/>
-                      <dgm:constr type="w" for="ch" forName="ConnectLineEnd" refType="h" fact="0.02"/>
-                      <dgm:constr type="h" for="ch" forName="ConnectLineEnd" refType="h" fact="0.02"/>
-                      <dgm:constr type="t" for="ch" forName="ConnectLineEnd" refType="h" fact="0.35"/>
-                      <dgm:constr type="ctrX" for="ch" forName="ConnectLineEnd" refType="w" fact="0.5"/>
-                      <dgm:constr type="w" for="ch" forName="EmptyPane" refType="w"/>
-                      <dgm:constr type="t" for="ch" forName="EmptyPane" refType="h" fact="0.55"/>
-                      <dgm:constr type="h" for="ch" forName="EmptyPane" refType="h" fact="0.45"/>
-                    </dgm:constrLst>
-                  </dgm:if>
-                  <dgm:else name="ifMoreThanOneNode1">
-                    <dgm:constrLst>
-                      <dgm:constr type="w" for="ch" forName="parent" refType="w" fact="0.6"/>
-                      <dgm:constr type="l" for="ch" forName="parent" refType="w" fact="0.2"/>
-                      <dgm:constr type="t" for="ch" forName="parent" refType="h" fact="0.45"/>
-                      <dgm:constr type="h" for="ch" forName="parent" refType="h" fact="0.1"/>
-                      <dgm:constr type="l" for="ch" forName="Childtext" refType="w" fact="0.2"/>
-                      <dgm:constr type="w" for="ch" forName="Childtext" refType="w" fact="0.6"/>
-                      <dgm:constr type="h" for="ch" forName="Childtext" refType="h" fact="0.35"/>
-                      <dgm:constr type="w" for="ch" forName="ConnectLine"/>
-                      <dgm:constr type="h" for="ch" forName="ConnectLine" refType="h" fact="0.08"/>
-                      <dgm:constr type="t" for="ch" forName="ConnectLine" refType="h" fact="0.37"/>
-                      <dgm:constr type="ctrX" for="ch" forName="ConnectLine" refType="w" fact="0.5"/>
-                      <dgm:constr type="w" for="ch" forName="ConnectLineEnd" refType="h" fact="0.02"/>
-                      <dgm:constr type="h" for="ch" forName="ConnectLineEnd" refType="h" fact="0.02"/>
-                      <dgm:constr type="t" for="ch" forName="ConnectLineEnd" refType="h" fact="0.35"/>
-                      <dgm:constr type="ctrX" for="ch" forName="ConnectLineEnd" refType="w" fact="0.5"/>
-                      <dgm:constr type="w" for="ch" forName="EmptyPane" refType="w"/>
-                      <dgm:constr type="t" for="ch" forName="EmptyPane" refType="h" fact="0.55"/>
-                      <dgm:constr type="h" for="ch" forName="EmptyPane" refType="h" fact="0.45"/>
-                    </dgm:constrLst>
-                  </dgm:else>
-                </dgm:choose>
-              </dgm:if>
-              <dgm:else name="notStartNode1">
-                <dgm:constrLst>
-                  <dgm:constr type="w" for="ch" forName="parent" refType="w" fact="0.6"/>
-                  <dgm:constr type="l" for="ch" forName="parent" refType="w" fact="0.2"/>
-                  <dgm:constr type="t" for="ch" forName="parent" refType="h" fact="0.45"/>
-                  <dgm:constr type="h" for="ch" forName="parent" refType="h" fact="0.1"/>
-                  <dgm:constr type="l" for="ch" forName="Childtext" refType="w" fact="0.2"/>
-                  <dgm:constr type="w" for="ch" forName="Childtext" refType="w" fact="0.6"/>
-                  <dgm:constr type="h" for="ch" forName="Childtext" refType="h" fact="0.35"/>
-                  <dgm:constr type="t" for="ch" forName="Childtext" refType="h" fact="0.65"/>
-                  <dgm:constr type="w" for="ch" forName="ConnectLine"/>
-                  <dgm:constr type="h" for="ch" forName="ConnectLine" refType="h" fact="0.08"/>
-                  <dgm:constr type="t" for="ch" forName="ConnectLine" refType="h" fact="0.55"/>
-                  <dgm:constr type="ctrX" for="ch" forName="ConnectLine" refType="w" fact="0.5"/>
-                  <dgm:constr type="w" for="ch" forName="ConnectLineEnd" refType="h" fact="0.02"/>
-                  <dgm:constr type="h" for="ch" forName="ConnectLineEnd" refType="h" fact="0.02"/>
-                  <dgm:constr type="b" for="ch" forName="ConnectLineEnd" refType="h" fact="0.65"/>
-                  <dgm:constr type="ctrX" for="ch" forName="ConnectLineEnd" refType="w" fact="0.5"/>
-                  <dgm:constr type="w" for="ch" forName="EmptyPane" refType="w"/>
-                  <dgm:constr type="h" for="ch" forName="EmptyPane" refType="h" fact="0.45"/>
-                </dgm:constrLst>
-              </dgm:else>
-            </dgm:choose>
-            <dgm:layoutNode name="parent" styleLbl="alignNode1">
-              <dgm:varLst>
-                <dgm:chMax val="1"/>
-                <dgm:chPref val="1"/>
-                <dgm:bulletEnabled val="1"/>
-              </dgm:varLst>
-              <dgm:alg type="tx">
-                <dgm:param type="txAnchorHorz" val="ctr"/>
-                <dgm:param type="txAnchorVert" val="mid"/>
-                <dgm:param type="parTxLTRAlign" val="ctr"/>
-                <dgm:param type="parTxRTLAlign" val="ctr"/>
-              </dgm:alg>
-              <dgm:choose name="casesForFirstAndLastNode">
-                <dgm:if name="startNode" axis="self" ptType="node" func="pos" op="equ" val="1">
-                  <dgm:choose name="removeLineWhenOnlyOneNode">
-                    <dgm:if name="ifOnlyOneNode" axis="followSib" ptType="node" func="cnt" op="equ" val="0">
-                      <dgm:shape xmlns:r="http://schemas.openxmlformats.org/officeDocument/2006/relationships" type="roundRect" r:blip="">
-                        <dgm:adjLst/>
-                      </dgm:shape>
-                    </dgm:if>
-                    <dgm:else name="ifMoreThanOneNode">
-                      <dgm:choose name="Name18">
-                        <dgm:if name="Name19" func="var" arg="dir" op="equ" val="norm">
-                          <dgm:shape xmlns:r="http://schemas.openxmlformats.org/officeDocument/2006/relationships" rot="-90" type="round2SameRect" r:blip="">
-                            <dgm:adjLst/>
-                          </dgm:shape>
-                        </dgm:if>
-                        <dgm:else name="Name20">
-                          <dgm:shape xmlns:r="http://schemas.openxmlformats.org/officeDocument/2006/relationships" rot="90" type="round2SameRect" r:blip="">
-                            <dgm:adjLst/>
-                          </dgm:shape>
-                        </dgm:else>
-                      </dgm:choose>
-                    </dgm:else>
-                  </dgm:choose>
-                </dgm:if>
-                <dgm:else name="notStartNode">
-                  <dgm:choose name="Name22">
-                    <dgm:if name="Name23" axis="self" ptType="node" func="revPos" op="equ" val="1">
-                      <dgm:choose name="Name24">
-                        <dgm:if name="Name25" func="var" arg="dir" op="equ" val="norm">
-                          <dgm:shape xmlns:r="http://schemas.openxmlformats.org/officeDocument/2006/relationships" rot="90" type="round2SameRect" r:blip="">
-                            <dgm:adjLst/>
-                          </dgm:shape>
-                        </dgm:if>
-                        <dgm:else name="Name26">
-                          <dgm:shape xmlns:r="http://schemas.openxmlformats.org/officeDocument/2006/relationships" rot="-90" type="round2SameRect" r:blip="">
-                            <dgm:adjLst/>
-                          </dgm:shape>
-                        </dgm:else>
-                      </dgm:choose>
-                    </dgm:if>
-                    <dgm:else name="Name27">
-                      <dgm:shape xmlns:r="http://schemas.openxmlformats.org/officeDocument/2006/relationships" type="rect" r:blip="">
-                        <dgm:adjLst/>
-                      </dgm:shape>
-                    </dgm:else>
-                  </dgm:choose>
-                </dgm:else>
-              </dgm:choose>
-              <dgm:presOf axis="self" ptType="node"/>
-              <dgm:constrLst>
-                <dgm:constr type="lMarg" refType="primFontSz" fact="0.6"/>
-                <dgm:constr type="rMarg" refType="primFontSz" fact="0.6"/>
-                <dgm:constr type="tMarg" refType="primFontSz" fact="0.6"/>
-                <dgm:constr type="bMarg" refType="primFontSz" fact="0.6"/>
-              </dgm:constrLst>
-              <dgm:ruleLst>
-                <dgm:rule type="primFontSz" val="11" fact="NaN" max="NaN"/>
-              </dgm:ruleLst>
-            </dgm:layoutNode>
-            <dgm:layoutNode name="Childtext" styleLbl="revTx">
-              <dgm:varLst>
-                <dgm:bulletEnabled val="1"/>
-              </dgm:varLst>
-              <dgm:choose name="casesForTxtDirLogic">
-                <dgm:if name="Name77" axis="self" ptType="node" func="posOdd" op="equ" val="1">
-                  <dgm:alg type="tx">
-                    <dgm:param type="txAnchorVert" val="b"/>
-                    <dgm:param type="txAnchorHorz" val="ctr"/>
-                    <dgm:param type="parTxLTRAlign" val="ctr"/>
-                    <dgm:param type="parTxRTLAlign" val="ctr"/>
-                  </dgm:alg>
-                  <dgm:constrLst>
-                    <dgm:constr type="lMarg"/>
-                    <dgm:constr type="rMarg"/>
-                    <dgm:constr type="tMarg"/>
-                    <dgm:constr type="bMarg" refType="primFontSz" fact="0.6"/>
-                  </dgm:constrLst>
-                </dgm:if>
-                <dgm:else name="Name88">
-                  <dgm:alg type="tx">
-                    <dgm:param type="txAnchorVert" val="t"/>
-                    <dgm:param type="txAnchorHorz" val="ctr"/>
-                    <dgm:param type="parTxLTRAlign" val="ctr"/>
-                    <dgm:param type="parTxRTLAlign" val="ctr"/>
-                  </dgm:alg>
-                  <dgm:constrLst>
-                    <dgm:constr type="lMarg"/>
-                    <dgm:constr type="rMarg"/>
-                    <dgm:constr type="tMarg" refType="primFontSz" fact="0.6"/>
-                    <dgm:constr type="bMarg"/>
-                  </dgm:constrLst>
-                </dgm:else>
-              </dgm:choose>
-              <dgm:shape xmlns:r="http://schemas.openxmlformats.org/officeDocument/2006/relationships" type="rect" r:blip="">
-                <dgm:adjLst/>
-              </dgm:shape>
-              <dgm:presOf axis="ch" ptType="node"/>
-              <dgm:ruleLst>
-                <dgm:rule type="primFontSz" val="11" fact="NaN" max="NaN"/>
-              </dgm:ruleLst>
-            </dgm:layoutNode>
-            <dgm:layoutNode name="ConnectLine" styleLbl="sibTrans1D1">
-              <dgm:alg type="sp"/>
-              <dgm:shape xmlns:r="http://schemas.openxmlformats.org/officeDocument/2006/relationships" type="line" r:blip="">
-                <dgm:adjLst/>
-                <dgm:extLst>
-                  <a:ext uri="{B698B0E9-8C71-41B9-8309-B3DCBF30829C}">
-                    <dgm1612:spPr xmlns:dgm1612="http://schemas.microsoft.com/office/drawing/2016/12/diagram">
-                      <a:ln>
-                        <a:prstDash val="dash"/>
-                      </a:ln>
-                    </dgm1612:spPr>
-                  </a:ext>
-                </dgm:extLst>
-              </dgm:shape>
-              <dgm:presOf/>
-              <dgm:constrLst/>
-            </dgm:layoutNode>
-            <dgm:layoutNode name="ConnectLineEnd" styleLbl="lnNode1">
-              <dgm:alg type="sp"/>
-              <dgm:shape xmlns:r="http://schemas.openxmlformats.org/officeDocument/2006/relationships" type="ellipse" r:blip="">
-                <dgm:adjLst/>
-              </dgm:shape>
-              <dgm:presOf/>
-              <dgm:constrLst/>
-            </dgm:layoutNode>
-            <dgm:layoutNode name="EmptyPane">
-              <dgm:alg type="sp"/>
-              <dgm:shape xmlns:r="http://schemas.openxmlformats.org/officeDocument/2006/relationships" r:blip="">
-                <dgm:adjLst/>
-              </dgm:shape>
-              <dgm:presOf/>
-              <dgm:constrLst/>
-            </dgm:layoutNode>
-          </dgm:layoutNode>
-          <dgm:forEach name="Name28" axis="followSib" ptType="sibTrans" cnt="1">
-            <dgm:layoutNode name="spaceBetweenRectangles">
-              <dgm:alg type="sp"/>
-              <dgm:shape xmlns:r="http://schemas.openxmlformats.org/officeDocument/2006/relationships" r:blip="">
-                <dgm:adjLst/>
-              </dgm:shape>
-              <dgm:presOf/>
-              <dgm:constrLst/>
-              <dgm:ruleLst/>
-            </dgm:layoutNode>
-          </dgm:forEach>
-        </dgm:forEach>
-      </dgm:if>
-      <dgm:else name="moreThanTwoNodes">
-        <dgm:forEach name="nodesForEach1" axis="ch" ptType="node">
-          <dgm:layoutNode name="composite1">
-            <dgm:alg type="composite"/>
-            <dgm:shape xmlns:r="http://schemas.openxmlformats.org/officeDocument/2006/relationships" r:blip="">
-              <dgm:adjLst/>
-            </dgm:shape>
-            <dgm:choose name="casesForSnakingLogic21">
-              <dgm:if name="oddNode21" axis="self" ptType="node" func="posOdd" op="equ" val="1">
-                <dgm:constrLst>
-                  <dgm:constr type="w" for="ch" forName="parent1" refType="w" fact="0.6"/>
-                  <dgm:constr type="l" for="ch" forName="parent1" refType="w" fact="0.2"/>
-                  <dgm:constr type="t" for="ch" forName="parent1" refType="h" fact="0.45"/>
-                  <dgm:constr type="h" for="ch" forName="parent1" refType="h" fact="0.1"/>
-                  <dgm:constr type="w" for="ch" forName="Childtext1" refType="w"/>
-                  <dgm:constr type="h" for="ch" forName="Childtext1" refType="h" fact="0.35"/>
-                  <dgm:constr type="w" for="ch" forName="ConnectLine1"/>
-                  <dgm:constr type="h" for="ch" forName="ConnectLine1" refType="h" fact="0.08"/>
-                  <dgm:constr type="t" for="ch" forName="ConnectLine1" refType="h" fact="0.37"/>
-                  <dgm:constr type="ctrX" for="ch" forName="ConnectLine1" refType="w" fact="0.5"/>
-                  <dgm:constr type="w" for="ch" forName="ConnectLineEnd1" refType="h" fact="0.02"/>
-                  <dgm:constr type="h" for="ch" forName="ConnectLineEnd1" refType="h" fact="0.02"/>
-                  <dgm:constr type="t" for="ch" forName="ConnectLineEnd1" refType="h" fact="0.35"/>
-                  <dgm:constr type="ctrX" for="ch" forName="ConnectLineEnd1" refType="w" fact="0.5"/>
-                  <dgm:constr type="w" for="ch" forName="EmptyPane1" refType="w"/>
-                  <dgm:constr type="t" for="ch" forName="EmptyPane1" refType="h" fact="0.55"/>
-                  <dgm:constr type="h" for="ch" forName="EmptyPane1" refType="h" fact="0.45"/>
-                </dgm:constrLst>
-              </dgm:if>
-              <dgm:else name="evenNode2">
-                <dgm:constrLst>
-                  <dgm:constr type="w" for="ch" forName="parent1" refType="w" fact="0.6"/>
-                  <dgm:constr type="l" for="ch" forName="parent1" refType="w" fact="0.2"/>
-                  <dgm:constr type="t" for="ch" forName="parent1" refType="h" fact="0.45"/>
-                  <dgm:constr type="h" for="ch" forName="parent1" refType="h" fact="0.1"/>
-                  <dgm:constr type="w" for="ch" forName="Childtext1" refType="w"/>
-                  <dgm:constr type="h" for="ch" forName="Childtext1" refType="h" fact="0.35"/>
-                  <dgm:constr type="t" for="ch" forName="Childtext1" refType="h" fact="0.65"/>
-                  <dgm:constr type="w" for="ch" forName="ConnectLine1"/>
-                  <dgm:constr type="h" for="ch" forName="ConnectLine1" refType="h" fact="0.08"/>
-                  <dgm:constr type="t" for="ch" forName="ConnectLine1" refType="h" fact="0.55"/>
-                  <dgm:constr type="ctrX" for="ch" forName="ConnectLine1" refType="w" fact="0.5"/>
-                  <dgm:constr type="w" for="ch" forName="ConnectLineEnd1" refType="h" fact="0.02"/>
-                  <dgm:constr type="h" for="ch" forName="ConnectLineEnd1" refType="h" fact="0.02"/>
-                  <dgm:constr type="b" for="ch" forName="ConnectLineEnd1" refType="h" fact="0.65"/>
-                  <dgm:constr type="ctrX" for="ch" forName="ConnectLineEnd1" refType="w" fact="0.5"/>
-                  <dgm:constr type="w" for="ch" forName="EmptyPane1" refType="w"/>
-                  <dgm:constr type="h" for="ch" forName="EmptyPane1" refType="h" fact="0.45"/>
-                </dgm:constrLst>
-              </dgm:else>
-            </dgm:choose>
-            <dgm:layoutNode name="parent1" styleLbl="alignNode1">
-              <dgm:varLst>
-                <dgm:chMax val="1"/>
-                <dgm:chPref val="1"/>
-                <dgm:bulletEnabled val="1"/>
-              </dgm:varLst>
-              <dgm:alg type="tx">
-                <dgm:param type="txAnchorHorz" val="ctr"/>
-                <dgm:param type="txAnchorVert" val="mid"/>
-                <dgm:param type="parTxLTRAlign" val="ctr"/>
-                <dgm:param type="parTxRTLAlign" val="ctr"/>
-              </dgm:alg>
-              <dgm:choose name="casesForFirstAndLastNode12">
-                <dgm:if name="startNode12" axis="self" ptType="node" func="pos" op="equ" val="1">
-                  <dgm:choose name="removeLineWhenOnlyOneNode12">
-                    <dgm:if name="ifOnlyOneNode12" axis="followSib" ptType="node" func="cnt" op="equ" val="0">
-                      <dgm:shape xmlns:r="http://schemas.openxmlformats.org/officeDocument/2006/relationships" type="roundRect" r:blip="">
-                        <dgm:adjLst/>
-                      </dgm:shape>
-                    </dgm:if>
-                    <dgm:else name="ifMoreThanOneNode12">
-                      <dgm:choose name="Name181">
-                        <dgm:if name="Name191" func="var" arg="dir" op="equ" val="norm">
-                          <dgm:shape xmlns:r="http://schemas.openxmlformats.org/officeDocument/2006/relationships" rot="-90" type="round2SameRect" r:blip="">
-                            <dgm:adjLst/>
-                          </dgm:shape>
-                        </dgm:if>
-                        <dgm:else name="Name201">
-                          <dgm:shape xmlns:r="http://schemas.openxmlformats.org/officeDocument/2006/relationships" rot="90" type="round2SameRect" r:blip="">
-                            <dgm:adjLst/>
-                          </dgm:shape>
-                        </dgm:else>
-                      </dgm:choose>
-                    </dgm:else>
-                  </dgm:choose>
-                </dgm:if>
-                <dgm:else name="notStartNode12">
-                  <dgm:choose name="Name221">
-                    <dgm:if name="Name231" axis="self" ptType="node" func="revPos" op="equ" val="1">
-                      <dgm:choose name="Name241">
-                        <dgm:if name="Name251" func="var" arg="dir" op="equ" val="norm">
-                          <dgm:shape xmlns:r="http://schemas.openxmlformats.org/officeDocument/2006/relationships" rot="90" type="round2SameRect" r:blip="">
-                            <dgm:adjLst/>
-                          </dgm:shape>
-                        </dgm:if>
-                        <dgm:else name="Name261">
-                          <dgm:shape xmlns:r="http://schemas.openxmlformats.org/officeDocument/2006/relationships" rot="-90" type="round2SameRect" r:blip="">
-                            <dgm:adjLst/>
-                          </dgm:shape>
-                        </dgm:else>
-                      </dgm:choose>
-                    </dgm:if>
-                    <dgm:else name="Name271">
-                      <dgm:shape xmlns:r="http://schemas.openxmlformats.org/officeDocument/2006/relationships" type="rect" r:blip="">
-                        <dgm:adjLst/>
-                      </dgm:shape>
-                    </dgm:else>
-                  </dgm:choose>
-                </dgm:else>
-              </dgm:choose>
-              <dgm:presOf axis="self" ptType="node"/>
-              <dgm:constrLst>
-                <dgm:constr type="lMarg" refType="primFontSz" fact="0.6"/>
-                <dgm:constr type="rMarg" refType="primFontSz" fact="0.6"/>
-                <dgm:constr type="tMarg" refType="primFontSz" fact="0.6"/>
-                <dgm:constr type="bMarg" refType="primFontSz" fact="0.6"/>
-              </dgm:constrLst>
-              <dgm:ruleLst>
-                <dgm:rule type="primFontSz" val="11" fact="NaN" max="NaN"/>
-              </dgm:ruleLst>
-            </dgm:layoutNode>
-            <dgm:layoutNode name="Childtext1" styleLbl="revTx">
-              <dgm:varLst>
-                <dgm:bulletEnabled val="1"/>
-              </dgm:varLst>
-              <dgm:choose name="casesForTxtDirLogic1">
-                <dgm:if name="Name771" axis="self" ptType="node" func="posOdd" op="equ" val="1">
-                  <dgm:alg type="tx">
-                    <dgm:param type="txAnchorVert" val="b"/>
-                    <dgm:param type="txAnchorHorz" val="ctr"/>
-                    <dgm:param type="parTxLTRAlign" val="ctr"/>
-                    <dgm:param type="parTxRTLAlign" val="ctr"/>
-                  </dgm:alg>
-                  <dgm:constrLst>
-                    <dgm:constr type="lMarg"/>
-                    <dgm:constr type="rMarg"/>
-                    <dgm:constr type="tMarg"/>
-                    <dgm:constr type="bMarg" refType="primFontSz" fact="0.6"/>
-                  </dgm:constrLst>
-                </dgm:if>
-                <dgm:else name="Name881">
-                  <dgm:alg type="tx">
-                    <dgm:param type="txAnchorVert" val="t"/>
-                    <dgm:param type="txAnchorHorz" val="ctr"/>
-                    <dgm:param type="parTxLTRAlign" val="ctr"/>
-                    <dgm:param type="parTxRTLAlign" val="ctr"/>
-                  </dgm:alg>
-                  <dgm:constrLst>
-                    <dgm:constr type="lMarg"/>
-                    <dgm:constr type="rMarg"/>
-                    <dgm:constr type="tMarg" refType="primFontSz" fact="0.6"/>
-                    <dgm:constr type="bMarg"/>
-                  </dgm:constrLst>
-                </dgm:else>
-              </dgm:choose>
-              <dgm:shape xmlns:r="http://schemas.openxmlformats.org/officeDocument/2006/relationships" type="rect" r:blip="">
-                <dgm:adjLst/>
-              </dgm:shape>
-              <dgm:presOf axis="ch" ptType="node"/>
-              <dgm:ruleLst>
-                <dgm:rule type="primFontSz" val="11" fact="NaN" max="NaN"/>
-              </dgm:ruleLst>
-            </dgm:layoutNode>
-            <dgm:layoutNode name="ConnectLine1" styleLbl="sibTrans1D1">
-              <dgm:alg type="sp"/>
-              <dgm:shape xmlns:r="http://schemas.openxmlformats.org/officeDocument/2006/relationships" type="line" r:blip="">
-                <dgm:adjLst/>
-                <dgm:extLst>
-                  <a:ext uri="{B698B0E9-8C71-41B9-8309-B3DCBF30829C}">
-                    <dgm1612:spPr xmlns:dgm1612="http://schemas.microsoft.com/office/drawing/2016/12/diagram">
-                      <a:ln>
-                        <a:prstDash val="dash"/>
-                      </a:ln>
-                    </dgm1612:spPr>
-                  </a:ext>
-                </dgm:extLst>
-              </dgm:shape>
-              <dgm:presOf/>
-              <dgm:constrLst/>
-            </dgm:layoutNode>
-            <dgm:layoutNode name="ConnectLineEnd1" styleLbl="lnNode1">
-              <dgm:alg type="sp"/>
-              <dgm:shape xmlns:r="http://schemas.openxmlformats.org/officeDocument/2006/relationships" type="ellipse" r:blip="">
-                <dgm:adjLst/>
-              </dgm:shape>
-              <dgm:presOf/>
-              <dgm:constrLst/>
-            </dgm:layoutNode>
-            <dgm:layoutNode name="EmptyPane1">
-              <dgm:alg type="sp"/>
-              <dgm:shape xmlns:r="http://schemas.openxmlformats.org/officeDocument/2006/relationships" r:blip="">
-                <dgm:adjLst/>
-              </dgm:shape>
-              <dgm:presOf/>
-              <dgm:constrLst/>
-            </dgm:layoutNode>
-          </dgm:layoutNode>
-          <dgm:forEach name="Name281" axis="followSib" ptType="sibTrans" cnt="1">
-            <dgm:layoutNode name="spaceBetweenRectangles1">
-              <dgm:alg type="sp"/>
-              <dgm:shape xmlns:r="http://schemas.openxmlformats.org/officeDocument/2006/relationships" r:blip="">
-                <dgm:adjLst/>
-              </dgm:shape>
-              <dgm:presOf/>
-              <dgm:constrLst/>
-              <dgm:ruleLst/>
-            </dgm:layoutNode>
-          </dgm:forEach>
-        </dgm:forEach>
-      </dgm:else>
-    </dgm:choose>
-  </dgm:layoutNode>
-</dgm:layoutDef>
-</file>
-
-<file path=ppt/diagrams/quickStyle1.xml><?xml version="1.0" encoding="utf-8"?>
-<dgm:styleDef xmlns:dgm="http://schemas.openxmlformats.org/drawingml/2006/diagram" xmlns:a="http://schemas.openxmlformats.org/drawingml/2006/main" uniqueId="urn:microsoft.com/office/officeart/2005/8/quickstyle/simple1">
-  <dgm:title val=""/>
-  <dgm:desc val=""/>
-  <dgm:catLst>
-    <dgm:cat type="simple" pri="10100"/>
-  </dgm:catLst>
-  <dgm:scene3d>
-    <a:camera prst="orthographicFront"/>
-    <a:lightRig rig="threePt" dir="t"/>
-  </dgm:scene3d>
-  <dgm:styleLbl name="node0">
-    <dgm:scene3d>
-      <a:camera prst="orthographicFront"/>
-      <a:lightRig rig="threePt" dir="t"/>
-    </dgm:scene3d>
-    <dgm:sp3d/>
-    <dgm:txPr/>
-    <dgm:style>
-      <a:lnRef idx="2">
-        <a:scrgbClr r="0" g="0" b="0"/>
-      </a:lnRef>
-      <a:fillRef idx="1">
-        <a:scrgbClr r="0" g="0" b="0"/>
-      </a:fillRef>
-      <a:effectRef idx="0">
-        <a:scrgbClr r="0" g="0" b="0"/>
-      </a:effectRef>
-      <a:fontRef idx="minor">
-        <a:schemeClr val="lt1"/>
-      </a:fontRef>
-    </dgm:style>
-  </dgm:styleLbl>
-  <dgm:styleLbl name="lnNode1">
-    <dgm:scene3d>
-      <a:camera prst="orthographicFront"/>
-      <a:lightRig rig="threePt" dir="t"/>
-    </dgm:scene3d>
-    <dgm:sp3d/>
-    <dgm:txPr/>
-    <dgm:style>
-      <a:lnRef idx="2">
-        <a:scrgbClr r="0" g="0" b="0"/>
-      </a:lnRef>
-      <a:fillRef idx="1">
-        <a:scrgbClr r="0" g="0" b="0"/>
-      </a:fillRef>
-      <a:effectRef idx="0">
-        <a:scrgbClr r="0" g="0" b="0"/>
-      </a:effectRef>
-      <a:fontRef idx="minor">
-        <a:schemeClr val="lt1"/>
-      </a:fontRef>
-    </dgm:style>
-  </dgm:styleLbl>
-  <dgm:styleLbl name="vennNode1">
-    <dgm:scene3d>
-      <a:camera prst="orthographicFront"/>
-      <a:lightRig rig="threePt" dir="t"/>
-    </dgm:scene3d>
-    <dgm:sp3d/>
-    <dgm:txPr/>
-    <dgm:style>
-      <a:lnRef idx="2">
-        <a:scrgbClr r="0" g="0" b="0"/>
-      </a:lnRef>
-      <a:fillRef idx="1">
-        <a:scrgbClr r="0" g="0" b="0"/>
-      </a:fillRef>
-      <a:effectRef idx="0">
-        <a:scrgbClr r="0" g="0" b="0"/>
-      </a:effectRef>
-      <a:fontRef idx="minor">
-        <a:schemeClr val="tx1"/>
-      </a:fontRef>
-    </dgm:style>
-  </dgm:styleLbl>
-  <dgm:styleLbl name="alignNode1">
-    <dgm:scene3d>
-      <a:camera prst="orthographicFront"/>
-      <a:lightRig rig="threePt" dir="t"/>
-    </dgm:scene3d>
-    <dgm:sp3d/>
-    <dgm:txPr/>
-    <dgm:style>
-      <a:lnRef idx="2">
-        <a:scrgbClr r="0" g="0" b="0"/>
-      </a:lnRef>
-      <a:fillRef idx="1">
-        <a:scrgbClr r="0" g="0" b="0"/>
-      </a:fillRef>
-      <a:effectRef idx="0">
-        <a:scrgbClr r="0" g="0" b="0"/>
-      </a:effectRef>
-      <a:fontRef idx="minor">
-        <a:schemeClr val="lt1"/>
-      </a:fontRef>
-    </dgm:style>
-  </dgm:styleLbl>
-  <dgm:styleLbl name="node1">
-    <dgm:scene3d>
-      <a:camera prst="orthographicFront"/>
-      <a:lightRig rig="threePt" dir="t"/>
-    </dgm:scene3d>
-    <dgm:sp3d/>
-    <dgm:txPr/>
-    <dgm:style>
-      <a:lnRef idx="2">
-        <a:scrgbClr r="0" g="0" b="0"/>
-      </a:lnRef>
-      <a:fillRef idx="1">
-        <a:scrgbClr r="0" g="0" b="0"/>
-      </a:fillRef>
-      <a:effectRef idx="0">
-        <a:scrgbClr r="0" g="0" b="0"/>
-      </a:effectRef>
-      <a:fontRef idx="minor">
-        <a:schemeClr val="lt1"/>
-      </a:fontRef>
-    </dgm:style>
-  </dgm:styleLbl>
-  <dgm:styleLbl name="node2">
-    <dgm:scene3d>
-      <a:camera prst="orthographicFront"/>
-      <a:lightRig rig="threePt" dir="t"/>
-    </dgm:scene3d>
-    <dgm:sp3d/>
-    <dgm:txPr/>
-    <dgm:style>
-      <a:lnRef idx="2">
-        <a:scrgbClr r="0" g="0" b="0"/>
-      </a:lnRef>
-      <a:fillRef idx="1">
-        <a:scrgbClr r="0" g="0" b="0"/>
-      </a:fillRef>
-      <a:effectRef idx="0">
-        <a:scrgbClr r="0" g="0" b="0"/>
-      </a:effectRef>
-      <a:fontRef idx="minor">
-        <a:schemeClr val="lt1"/>
-      </a:fontRef>
-    </dgm:style>
-  </dgm:styleLbl>
-  <dgm:styleLbl name="node3">
-    <dgm:scene3d>
-      <a:camera prst="orthographicFront"/>
-      <a:lightRig rig="threePt" dir="t"/>
-    </dgm:scene3d>
-    <dgm:sp3d/>
-    <dgm:txPr/>
-    <dgm:style>
-      <a:lnRef idx="2">
-        <a:scrgbClr r="0" g="0" b="0"/>
-      </a:lnRef>
-      <a:fillRef idx="1">
-        <a:scrgbClr r="0" g="0" b="0"/>
-      </a:fillRef>
-      <a:effectRef idx="0">
-        <a:scrgbClr r="0" g="0" b="0"/>
-      </a:effectRef>
-      <a:fontRef idx="minor">
-        <a:schemeClr val="lt1"/>
-      </a:fontRef>
-    </dgm:style>
-  </dgm:styleLbl>
-  <dgm:styleLbl name="node4">
-    <dgm:scene3d>
-      <a:camera prst="orthographicFront"/>
-      <a:lightRig rig="threePt" dir="t"/>
-    </dgm:scene3d>
-    <dgm:sp3d/>
-    <dgm:txPr/>
-    <dgm:style>
-      <a:lnRef idx="2">
-        <a:scrgbClr r="0" g="0" b="0"/>
-      </a:lnRef>
-      <a:fillRef idx="1">
-        <a:scrgbClr r="0" g="0" b="0"/>
-      </a:fillRef>
-      <a:effectRef idx="0">
-        <a:scrgbClr r="0" g="0" b="0"/>
-      </a:effectRef>
-      <a:fontRef idx="minor">
-        <a:schemeClr val="lt1"/>
-      </a:fontRef>
-    </dgm:style>
-  </dgm:styleLbl>
-  <dgm:styleLbl name="fgImgPlace1">
-    <dgm:scene3d>
-      <a:camera prst="orthographicFront"/>
-      <a:lightRig rig="threePt" dir="t"/>
-    </dgm:scene3d>
-    <dgm:sp3d/>
-    <dgm:txPr/>
-    <dgm:style>
-      <a:lnRef idx="2">
-        <a:scrgbClr r="0" g="0" b="0"/>
-      </a:lnRef>
-      <a:fillRef idx="1">
-        <a:scrgbClr r="0" g="0" b="0"/>
-      </a:fillRef>
-      <a:effectRef idx="0">
-        <a:scrgbClr r="0" g="0" b="0"/>
-      </a:effectRef>
-      <a:fontRef idx="minor"/>
-    </dgm:style>
-  </dgm:styleLbl>
-  <dgm:styleLbl name="alignImgPlace1">
-    <dgm:scene3d>
-      <a:camera prst="orthographicFront"/>
-      <a:lightRig rig="threePt" dir="t"/>
-    </dgm:scene3d>
-    <dgm:sp3d/>
-    <dgm:txPr/>
-    <dgm:style>
-      <a:lnRef idx="2">
-        <a:scrgbClr r="0" g="0" b="0"/>
-      </a:lnRef>
-      <a:fillRef idx="1">
-        <a:scrgbClr r="0" g="0" b="0"/>
-      </a:fillRef>
-      <a:effectRef idx="0">
-        <a:scrgbClr r="0" g="0" b="0"/>
-      </a:effectRef>
-      <a:fontRef idx="minor"/>
-    </dgm:style>
-  </dgm:styleLbl>
-  <dgm:styleLbl name="bgImgPlace1">
-    <dgm:scene3d>
-      <a:camera prst="orthographicFront"/>
-      <a:lightRig rig="threePt" dir="t"/>
-    </dgm:scene3d>
-    <dgm:sp3d/>
-    <dgm:txPr/>
-    <dgm:style>
-      <a:lnRef idx="2">
-        <a:scrgbClr r="0" g="0" b="0"/>
-      </a:lnRef>
-      <a:fillRef idx="1">
-        <a:scrgbClr r="0" g="0" b="0"/>
-      </a:fillRef>
-      <a:effectRef idx="0">
-        <a:scrgbClr r="0" g="0" b="0"/>
-      </a:effectRef>
-      <a:fontRef idx="minor"/>
-    </dgm:style>
-  </dgm:styleLbl>
-  <dgm:styleLbl name="sibTrans2D1">
-    <dgm:scene3d>
-      <a:camera prst="orthographicFront"/>
-      <a:lightRig rig="threePt" dir="t"/>
-    </dgm:scene3d>
-    <dgm:sp3d/>
-    <dgm:txPr/>
-    <dgm:style>
-      <a:lnRef idx="0">
-        <a:scrgbClr r="0" g="0" b="0"/>
-      </a:lnRef>
-      <a:fillRef idx="1">
-        <a:scrgbClr r="0" g="0" b="0"/>
-      </a:fillRef>
-      <a:effectRef idx="0">
-        <a:scrgbClr r="0" g="0" b="0"/>
-      </a:effectRef>
-      <a:fontRef idx="minor">
-        <a:schemeClr val="lt1"/>
-      </a:fontRef>
-    </dgm:style>
-  </dgm:styleLbl>
-  <dgm:styleLbl name="fgSibTrans2D1">
-    <dgm:scene3d>
-      <a:camera prst="orthographicFront"/>
-      <a:lightRig rig="threePt" dir="t"/>
-    </dgm:scene3d>
-    <dgm:sp3d/>
-    <dgm:txPr/>
-    <dgm:style>
-      <a:lnRef idx="0">
-        <a:scrgbClr r="0" g="0" b="0"/>
-      </a:lnRef>
-      <a:fillRef idx="1">
-        <a:scrgbClr r="0" g="0" b="0"/>
-      </a:fillRef>
-      <a:effectRef idx="0">
-        <a:scrgbClr r="0" g="0" b="0"/>
-      </a:effectRef>
-      <a:fontRef idx="minor">
-        <a:schemeClr val="lt1"/>
-      </a:fontRef>
-    </dgm:style>
-  </dgm:styleLbl>
-  <dgm:styleLbl name="bgSibTrans2D1">
-    <dgm:scene3d>
-      <a:camera prst="orthographicFront"/>
-      <a:lightRig rig="threePt" dir="t"/>
-    </dgm:scene3d>
-    <dgm:sp3d/>
-    <dgm:txPr/>
-    <dgm:style>
-      <a:lnRef idx="0">
-        <a:scrgbClr r="0" g="0" b="0"/>
-      </a:lnRef>
-      <a:fillRef idx="1">
-        <a:scrgbClr r="0" g="0" b="0"/>
-      </a:fillRef>
-      <a:effectRef idx="0">
-        <a:scrgbClr r="0" g="0" b="0"/>
-      </a:effectRef>
-      <a:fontRef idx="minor">
-        <a:schemeClr val="lt1"/>
-      </a:fontRef>
-    </dgm:style>
-  </dgm:styleLbl>
-  <dgm:styleLbl name="sibTrans1D1">
-    <dgm:scene3d>
-      <a:camera prst="orthographicFront"/>
-      <a:lightRig rig="threePt" dir="t"/>
-    </dgm:scene3d>
-    <dgm:sp3d/>
-    <dgm:txPr/>
-    <dgm:style>
-      <a:lnRef idx="1">
-        <a:scrgbClr r="0" g="0" b="0"/>
-      </a:lnRef>
-      <a:fillRef idx="0">
-        <a:scrgbClr r="0" g="0" b="0"/>
-      </a:fillRef>
-      <a:effectRef idx="0">
-        <a:scrgbClr r="0" g="0" b="0"/>
-      </a:effectRef>
-      <a:fontRef idx="minor"/>
-    </dgm:style>
-  </dgm:styleLbl>
-  <dgm:styleLbl name="callout">
-    <dgm:scene3d>
-      <a:camera prst="orthographicFront"/>
-      <a:lightRig rig="threePt" dir="t"/>
-    </dgm:scene3d>
-    <dgm:sp3d/>
-    <dgm:txPr/>
-    <dgm:style>
-      <a:lnRef idx="2">
-        <a:scrgbClr r="0" g="0" b="0"/>
-      </a:lnRef>
-      <a:fillRef idx="1">
-        <a:scrgbClr r="0" g="0" b="0"/>
-      </a:fillRef>
-      <a:effectRef idx="0">
-        <a:scrgbClr r="0" g="0" b="0"/>
-      </a:effectRef>
-      <a:fontRef idx="minor"/>
-    </dgm:style>
-  </dgm:styleLbl>
-  <dgm:styleLbl name="asst0">
-    <dgm:scene3d>
-      <a:camera prst="orthographicFront"/>
-      <a:lightRig rig="threePt" dir="t"/>
-    </dgm:scene3d>
-    <dgm:sp3d/>
-    <dgm:txPr/>
-    <dgm:style>
-      <a:lnRef idx="2">
-        <a:scrgbClr r="0" g="0" b="0"/>
-      </a:lnRef>
-      <a:fillRef idx="1">
-        <a:scrgbClr r="0" g="0" b="0"/>
-      </a:fillRef>
-      <a:effectRef idx="0">
-        <a:scrgbClr r="0" g="0" b="0"/>
-      </a:effectRef>
-      <a:fontRef idx="minor">
-        <a:schemeClr val="lt1"/>
-      </a:fontRef>
-    </dgm:style>
-  </dgm:styleLbl>
-  <dgm:styleLbl name="asst1">
-    <dgm:scene3d>
-      <a:camera prst="orthographicFront"/>
-      <a:lightRig rig="threePt" dir="t"/>
-    </dgm:scene3d>
-    <dgm:sp3d/>
-    <dgm:txPr/>
-    <dgm:style>
-      <a:lnRef idx="2">
-        <a:scrgbClr r="0" g="0" b="0"/>
-      </a:lnRef>
-      <a:fillRef idx="1">
-        <a:scrgbClr r="0" g="0" b="0"/>
-      </a:fillRef>
-      <a:effectRef idx="0">
-        <a:scrgbClr r="0" g="0" b="0"/>
-      </a:effectRef>
-      <a:fontRef idx="minor">
-        <a:schemeClr val="lt1"/>
-      </a:fontRef>
-    </dgm:style>
-  </dgm:styleLbl>
-  <dgm:styleLbl name="asst2">
-    <dgm:scene3d>
-      <a:camera prst="orthographicFront"/>
-      <a:lightRig rig="threePt" dir="t"/>
-    </dgm:scene3d>
-    <dgm:sp3d/>
-    <dgm:txPr/>
-    <dgm:style>
-      <a:lnRef idx="2">
-        <a:scrgbClr r="0" g="0" b="0"/>
-      </a:lnRef>
-      <a:fillRef idx="1">
-        <a:scrgbClr r="0" g="0" b="0"/>
-      </a:fillRef>
-      <a:effectRef idx="0">
-        <a:scrgbClr r="0" g="0" b="0"/>
-      </a:effectRef>
-      <a:fontRef idx="minor">
-        <a:schemeClr val="lt1"/>
-      </a:fontRef>
-    </dgm:style>
-  </dgm:styleLbl>
-  <dgm:styleLbl name="asst3">
-    <dgm:scene3d>
-      <a:camera prst="orthographicFront"/>
-      <a:lightRig rig="threePt" dir="t"/>
-    </dgm:scene3d>
-    <dgm:sp3d/>
-    <dgm:txPr/>
-    <dgm:style>
-      <a:lnRef idx="2">
-        <a:scrgbClr r="0" g="0" b="0"/>
-      </a:lnRef>
-      <a:fillRef idx="1">
-        <a:scrgbClr r="0" g="0" b="0"/>
-      </a:fillRef>
-      <a:effectRef idx="0">
-        <a:scrgbClr r="0" g="0" b="0"/>
-      </a:effectRef>
-      <a:fontRef idx="minor">
-        <a:schemeClr val="lt1"/>
-      </a:fontRef>
-    </dgm:style>
-  </dgm:styleLbl>
-  <dgm:styleLbl name="asst4">
-    <dgm:scene3d>
-      <a:camera prst="orthographicFront"/>
-      <a:lightRig rig="threePt" dir="t"/>
-    </dgm:scene3d>
-    <dgm:sp3d/>
-    <dgm:txPr/>
-    <dgm:style>
-      <a:lnRef idx="2">
-        <a:scrgbClr r="0" g="0" b="0"/>
-      </a:lnRef>
-      <a:fillRef idx="1">
-        <a:scrgbClr r="0" g="0" b="0"/>
-      </a:fillRef>
-      <a:effectRef idx="0">
-        <a:scrgbClr r="0" g="0" b="0"/>
-      </a:effectRef>
-      <a:fontRef idx="minor">
-        <a:schemeClr val="lt1"/>
-      </a:fontRef>
-    </dgm:style>
-  </dgm:styleLbl>
-  <dgm:styleLbl name="parChTrans2D1">
-    <dgm:scene3d>
-      <a:camera prst="orthographicFront"/>
-      <a:lightRig rig="threePt" dir="t"/>
-    </dgm:scene3d>
-    <dgm:sp3d/>
-    <dgm:txPr/>
-    <dgm:style>
-      <a:lnRef idx="2">
-        <a:scrgbClr r="0" g="0" b="0"/>
-      </a:lnRef>
-      <a:fillRef idx="1">
-        <a:scrgbClr r="0" g="0" b="0"/>
-      </a:fillRef>
-      <a:effectRef idx="0">
-        <a:scrgbClr r="0" g="0" b="0"/>
-      </a:effectRef>
-      <a:fontRef idx="minor">
-        <a:schemeClr val="lt1"/>
-      </a:fontRef>
-    </dgm:style>
-  </dgm:styleLbl>
-  <dgm:styleLbl name="parChTrans2D2">
-    <dgm:scene3d>
-      <a:camera prst="orthographicFront"/>
-      <a:lightRig rig="threePt" dir="t"/>
-    </dgm:scene3d>
-    <dgm:sp3d/>
-    <dgm:txPr/>
-    <dgm:style>
-      <a:lnRef idx="2">
-        <a:scrgbClr r="0" g="0" b="0"/>
-      </a:lnRef>
-      <a:fillRef idx="1">
-        <a:scrgbClr r="0" g="0" b="0"/>
-      </a:fillRef>
-      <a:effectRef idx="0">
-        <a:scrgbClr r="0" g="0" b="0"/>
-      </a:effectRef>
-      <a:fontRef idx="minor">
-        <a:schemeClr val="lt1"/>
-      </a:fontRef>
-    </dgm:style>
-  </dgm:styleLbl>
-  <dgm:styleLbl name="parChTrans2D3">
-    <dgm:scene3d>
-      <a:camera prst="orthographicFront"/>
-      <a:lightRig rig="threePt" dir="t"/>
-    </dgm:scene3d>
-    <dgm:sp3d/>
-    <dgm:txPr/>
-    <dgm:style>
-      <a:lnRef idx="2">
-        <a:scrgbClr r="0" g="0" b="0"/>
-      </a:lnRef>
-      <a:fillRef idx="1">
-        <a:scrgbClr r="0" g="0" b="0"/>
-      </a:fillRef>
-      <a:effectRef idx="0">
-        <a:scrgbClr r="0" g="0" b="0"/>
-      </a:effectRef>
-      <a:fontRef idx="minor">
-        <a:schemeClr val="lt1"/>
-      </a:fontRef>
-    </dgm:style>
-  </dgm:styleLbl>
-  <dgm:styleLbl name="parChTrans2D4">
-    <dgm:scene3d>
-      <a:camera prst="orthographicFront"/>
-      <a:lightRig rig="threePt" dir="t"/>
-    </dgm:scene3d>
-    <dgm:sp3d/>
-    <dgm:txPr/>
-    <dgm:style>
-      <a:lnRef idx="2">
-        <a:scrgbClr r="0" g="0" b="0"/>
-      </a:lnRef>
-      <a:fillRef idx="1">
-        <a:scrgbClr r="0" g="0" b="0"/>
-      </a:fillRef>
-      <a:effectRef idx="0">
-        <a:scrgbClr r="0" g="0" b="0"/>
-      </a:effectRef>
-      <a:fontRef idx="minor">
-        <a:schemeClr val="lt1"/>
-      </a:fontRef>
-    </dgm:style>
-  </dgm:styleLbl>
-  <dgm:styleLbl name="parChTrans1D1">
-    <dgm:scene3d>
-      <a:camera prst="orthographicFront"/>
-      <a:lightRig rig="threePt" dir="t"/>
-    </dgm:scene3d>
-    <dgm:sp3d/>
-    <dgm:txPr/>
-    <dgm:style>
-      <a:lnRef idx="2">
-        <a:scrgbClr r="0" g="0" b="0"/>
-      </a:lnRef>
-      <a:fillRef idx="0">
-        <a:scrgbClr r="0" g="0" b="0"/>
-      </a:fillRef>
-      <a:effectRef idx="0">
-        <a:scrgbClr r="0" g="0" b="0"/>
-      </a:effectRef>
-      <a:fontRef idx="minor"/>
-    </dgm:style>
-  </dgm:styleLbl>
-  <dgm:styleLbl name="parChTrans1D2">
-    <dgm:scene3d>
-      <a:camera prst="orthographicFront"/>
-      <a:lightRig rig="threePt" dir="t"/>
-    </dgm:scene3d>
-    <dgm:sp3d/>
-    <dgm:txPr/>
-    <dgm:style>
-      <a:lnRef idx="2">
-        <a:scrgbClr r="0" g="0" b="0"/>
-      </a:lnRef>
-      <a:fillRef idx="0">
-        <a:scrgbClr r="0" g="0" b="0"/>
-      </a:fillRef>
-      <a:effectRef idx="0">
-        <a:scrgbClr r="0" g="0" b="0"/>
-      </a:effectRef>
-      <a:fontRef idx="minor"/>
-    </dgm:style>
-  </dgm:styleLbl>
-  <dgm:styleLbl name="parChTrans1D3">
-    <dgm:scene3d>
-      <a:camera prst="orthographicFront"/>
-      <a:lightRig rig="threePt" dir="t"/>
-    </dgm:scene3d>
-    <dgm:sp3d/>
-    <dgm:txPr/>
-    <dgm:style>
-      <a:lnRef idx="2">
-        <a:scrgbClr r="0" g="0" b="0"/>
-      </a:lnRef>
-      <a:fillRef idx="0">
-        <a:scrgbClr r="0" g="0" b="0"/>
-      </a:fillRef>
-      <a:effectRef idx="0">
-        <a:scrgbClr r="0" g="0" b="0"/>
-      </a:effectRef>
-      <a:fontRef idx="minor"/>
-    </dgm:style>
-  </dgm:styleLbl>
-  <dgm:styleLbl name="parChTrans1D4">
-    <dgm:scene3d>
-      <a:camera prst="orthographicFront"/>
-      <a:lightRig rig="threePt" dir="t"/>
-    </dgm:scene3d>
-    <dgm:sp3d/>
-    <dgm:txPr/>
-    <dgm:style>
-      <a:lnRef idx="2">
-        <a:scrgbClr r="0" g="0" b="0"/>
-      </a:lnRef>
-      <a:fillRef idx="0">
-        <a:scrgbClr r="0" g="0" b="0"/>
-      </a:fillRef>
-      <a:effectRef idx="0">
-        <a:scrgbClr r="0" g="0" b="0"/>
-      </a:effectRef>
-      <a:fontRef idx="minor"/>
-    </dgm:style>
-  </dgm:styleLbl>
-  <dgm:styleLbl name="fgAcc1">
-    <dgm:scene3d>
-      <a:camera prst="orthographicFront"/>
-      <a:lightRig rig="threePt" dir="t"/>
-    </dgm:scene3d>
-    <dgm:sp3d/>
-    <dgm:txPr/>
-    <dgm:style>
-      <a:lnRef idx="2">
-        <a:scrgbClr r="0" g="0" b="0"/>
-      </a:lnRef>
-      <a:fillRef idx="1">
-        <a:scrgbClr r="0" g="0" b="0"/>
-      </a:fillRef>
-      <a:effectRef idx="0">
-        <a:scrgbClr r="0" g="0" b="0"/>
-      </a:effectRef>
-      <a:fontRef idx="minor"/>
-    </dgm:style>
-  </dgm:styleLbl>
-  <dgm:styleLbl name="conFgAcc1">
-    <dgm:scene3d>
-      <a:camera prst="orthographicFront"/>
-      <a:lightRig rig="threePt" dir="t"/>
-    </dgm:scene3d>
-    <dgm:sp3d/>
-    <dgm:txPr/>
-    <dgm:style>
-      <a:lnRef idx="2">
-        <a:scrgbClr r="0" g="0" b="0"/>
-      </a:lnRef>
-      <a:fillRef idx="1">
-        <a:scrgbClr r="0" g="0" b="0"/>
-      </a:fillRef>
-      <a:effectRef idx="0">
-        <a:scrgbClr r="0" g="0" b="0"/>
-      </a:effectRef>
-      <a:fontRef idx="minor"/>
-    </dgm:style>
-  </dgm:styleLbl>
-  <dgm:styleLbl name="alignAcc1">
-    <dgm:scene3d>
-      <a:camera prst="orthographicFront"/>
-      <a:lightRig rig="threePt" dir="t"/>
-    </dgm:scene3d>
-    <dgm:sp3d/>
-    <dgm:txPr/>
-    <dgm:style>
-      <a:lnRef idx="2">
-        <a:scrgbClr r="0" g="0" b="0"/>
-      </a:lnRef>
-      <a:fillRef idx="1">
-        <a:scrgbClr r="0" g="0" b="0"/>
-      </a:fillRef>
-      <a:effectRef idx="0">
-        <a:scrgbClr r="0" g="0" b="0"/>
-      </a:effectRef>
-      <a:fontRef idx="minor"/>
-    </dgm:style>
-  </dgm:styleLbl>
-  <dgm:styleLbl name="trAlignAcc1">
-    <dgm:scene3d>
-      <a:camera prst="orthographicFront"/>
-      <a:lightRig rig="threePt" dir="t"/>
-    </dgm:scene3d>
-    <dgm:sp3d/>
-    <dgm:txPr/>
-    <dgm:style>
-      <a:lnRef idx="1">
-        <a:scrgbClr r="0" g="0" b="0"/>
-      </a:lnRef>
-      <a:fillRef idx="1">
-        <a:scrgbClr r="0" g="0" b="0"/>
-      </a:fillRef>
-      <a:effectRef idx="0">
-        <a:scrgbClr r="0" g="0" b="0"/>
-      </a:effectRef>
-      <a:fontRef idx="minor"/>
-    </dgm:style>
-  </dgm:styleLbl>
-  <dgm:styleLbl name="bgAcc1">
-    <dgm:scene3d>
-      <a:camera prst="orthographicFront"/>
-      <a:lightRig rig="threePt" dir="t"/>
-    </dgm:scene3d>
-    <dgm:sp3d/>
-    <dgm:txPr/>
-    <dgm:style>
-      <a:lnRef idx="2">
-        <a:scrgbClr r="0" g="0" b="0"/>
-      </a:lnRef>
-      <a:fillRef idx="1">
-        <a:scrgbClr r="0" g="0" b="0"/>
-      </a:fillRef>
-      <a:effectRef idx="0">
-        <a:scrgbClr r="0" g="0" b="0"/>
-      </a:effectRef>
-      <a:fontRef idx="minor"/>
-    </dgm:style>
-  </dgm:styleLbl>
-  <dgm:styleLbl name="solidFgAcc1">
-    <dgm:scene3d>
-      <a:camera prst="orthographicFront"/>
-      <a:lightRig rig="threePt" dir="t"/>
-    </dgm:scene3d>
-    <dgm:sp3d/>
-    <dgm:txPr/>
-    <dgm:style>
-      <a:lnRef idx="2">
-        <a:scrgbClr r="0" g="0" b="0"/>
-      </a:lnRef>
-      <a:fillRef idx="1">
-        <a:scrgbClr r="0" g="0" b="0"/>
-      </a:fillRef>
-      <a:effectRef idx="0">
-        <a:scrgbClr r="0" g="0" b="0"/>
-      </a:effectRef>
-      <a:fontRef idx="minor"/>
-    </dgm:style>
-  </dgm:styleLbl>
-  <dgm:styleLbl name="solidAlignAcc1">
-    <dgm:scene3d>
-      <a:camera prst="orthographicFront"/>
-      <a:lightRig rig="threePt" dir="t"/>
-    </dgm:scene3d>
-    <dgm:sp3d/>
-    <dgm:txPr/>
-    <dgm:style>
-      <a:lnRef idx="2">
-        <a:scrgbClr r="0" g="0" b="0"/>
-      </a:lnRef>
-      <a:fillRef idx="1">
-        <a:scrgbClr r="0" g="0" b="0"/>
-      </a:fillRef>
-      <a:effectRef idx="0">
-        <a:scrgbClr r="0" g="0" b="0"/>
-      </a:effectRef>
-      <a:fontRef idx="minor"/>
-    </dgm:style>
-  </dgm:styleLbl>
-  <dgm:styleLbl name="solidBgAcc1">
-    <dgm:scene3d>
-      <a:camera prst="orthographicFront"/>
-      <a:lightRig rig="threePt" dir="t"/>
-    </dgm:scene3d>
-    <dgm:sp3d/>
-    <dgm:txPr/>
-    <dgm:style>
-      <a:lnRef idx="2">
-        <a:scrgbClr r="0" g="0" b="0"/>
-      </a:lnRef>
-      <a:fillRef idx="1">
-        <a:scrgbClr r="0" g="0" b="0"/>
-      </a:fillRef>
-      <a:effectRef idx="0">
-        <a:scrgbClr r="0" g="0" b="0"/>
-      </a:effectRef>
-      <a:fontRef idx="minor"/>
-    </dgm:style>
-  </dgm:styleLbl>
-  <dgm:styleLbl name="fgAccFollowNode1">
-    <dgm:scene3d>
-      <a:camera prst="orthographicFront"/>
-      <a:lightRig rig="threePt" dir="t"/>
-    </dgm:scene3d>
-    <dgm:sp3d/>
-    <dgm:txPr/>
-    <dgm:style>
-      <a:lnRef idx="2">
-        <a:scrgbClr r="0" g="0" b="0"/>
-      </a:lnRef>
-      <a:fillRef idx="1">
-        <a:scrgbClr r="0" g="0" b="0"/>
-      </a:fillRef>
-      <a:effectRef idx="0">
-        <a:scrgbClr r="0" g="0" b="0"/>
-      </a:effectRef>
-      <a:fontRef idx="minor"/>
-    </dgm:style>
-  </dgm:styleLbl>
-  <dgm:styleLbl name="alignAccFollowNode1">
-    <dgm:scene3d>
-      <a:camera prst="orthographicFront"/>
-      <a:lightRig rig="threePt" dir="t"/>
-    </dgm:scene3d>
-    <dgm:sp3d/>
-    <dgm:txPr/>
-    <dgm:style>
-      <a:lnRef idx="2">
-        <a:scrgbClr r="0" g="0" b="0"/>
-      </a:lnRef>
-      <a:fillRef idx="1">
-        <a:scrgbClr r="0" g="0" b="0"/>
-      </a:fillRef>
-      <a:effectRef idx="0">
-        <a:scrgbClr r="0" g="0" b="0"/>
-      </a:effectRef>
-      <a:fontRef idx="minor"/>
-    </dgm:style>
-  </dgm:styleLbl>
-  <dgm:styleLbl name="bgAccFollowNode1">
-    <dgm:scene3d>
-      <a:camera prst="orthographicFront"/>
-      <a:lightRig rig="threePt" dir="t"/>
-    </dgm:scene3d>
-    <dgm:sp3d/>
-    <dgm:txPr/>
-    <dgm:style>
-      <a:lnRef idx="2">
-        <a:scrgbClr r="0" g="0" b="0"/>
-      </a:lnRef>
-      <a:fillRef idx="1">
-        <a:scrgbClr r="0" g="0" b="0"/>
-      </a:fillRef>
-      <a:effectRef idx="0">
-        <a:scrgbClr r="0" g="0" b="0"/>
-      </a:effectRef>
-      <a:fontRef idx="minor"/>
-    </dgm:style>
-  </dgm:styleLbl>
-  <dgm:styleLbl name="fgAcc0">
-    <dgm:scene3d>
-      <a:camera prst="orthographicFront"/>
-      <a:lightRig rig="threePt" dir="t"/>
-    </dgm:scene3d>
-    <dgm:sp3d/>
-    <dgm:txPr/>
-    <dgm:style>
-      <a:lnRef idx="2">
-        <a:scrgbClr r="0" g="0" b="0"/>
-      </a:lnRef>
-      <a:fillRef idx="1">
-        <a:scrgbClr r="0" g="0" b="0"/>
-      </a:fillRef>
-      <a:effectRef idx="0">
-        <a:scrgbClr r="0" g="0" b="0"/>
-      </a:effectRef>
-      <a:fontRef idx="minor"/>
-    </dgm:style>
-  </dgm:styleLbl>
-  <dgm:styleLbl name="fgAcc2">
-    <dgm:scene3d>
-      <a:camera prst="orthographicFront"/>
-      <a:lightRig rig="threePt" dir="t"/>
-    </dgm:scene3d>
-    <dgm:sp3d/>
-    <dgm:txPr/>
-    <dgm:style>
-      <a:lnRef idx="2">
-        <a:scrgbClr r="0" g="0" b="0"/>
-      </a:lnRef>
-      <a:fillRef idx="1">
-        <a:scrgbClr r="0" g="0" b="0"/>
-      </a:fillRef>
-      <a:effectRef idx="0">
-        <a:scrgbClr r="0" g="0" b="0"/>
-      </a:effectRef>
-      <a:fontRef idx="minor"/>
-    </dgm:style>
-  </dgm:styleLbl>
-  <dgm:styleLbl name="fgAcc3">
-    <dgm:scene3d>
-      <a:camera prst="orthographicFront"/>
-      <a:lightRig rig="threePt" dir="t"/>
-    </dgm:scene3d>
-    <dgm:sp3d/>
-    <dgm:txPr/>
-    <dgm:style>
-      <a:lnRef idx="2">
-        <a:scrgbClr r="0" g="0" b="0"/>
-      </a:lnRef>
-      <a:fillRef idx="1">
-        <a:scrgbClr r="0" g="0" b="0"/>
-      </a:fillRef>
-      <a:effectRef idx="0">
-        <a:scrgbClr r="0" g="0" b="0"/>
-      </a:effectRef>
-      <a:fontRef idx="minor"/>
-    </dgm:style>
-  </dgm:styleLbl>
-  <dgm:styleLbl name="fgAcc4">
-    <dgm:scene3d>
-      <a:camera prst="orthographicFront"/>
-      <a:lightRig rig="threePt" dir="t"/>
-    </dgm:scene3d>
-    <dgm:sp3d/>
-    <dgm:txPr/>
-    <dgm:style>
-      <a:lnRef idx="2">
-        <a:scrgbClr r="0" g="0" b="0"/>
-      </a:lnRef>
-      <a:fillRef idx="1">
-        <a:scrgbClr r="0" g="0" b="0"/>
-      </a:fillRef>
-      <a:effectRef idx="0">
-        <a:scrgbClr r="0" g="0" b="0"/>
-      </a:effectRef>
-      <a:fontRef idx="minor"/>
-    </dgm:style>
-  </dgm:styleLbl>
-  <dgm:styleLbl name="bgShp">
-    <dgm:scene3d>
-      <a:camera prst="orthographicFront"/>
-      <a:lightRig rig="threePt" dir="t"/>
-    </dgm:scene3d>
-    <dgm:sp3d/>
-    <dgm:txPr/>
-    <dgm:style>
-      <a:lnRef idx="0">
-        <a:scrgbClr r="0" g="0" b="0"/>
-      </a:lnRef>
-      <a:fillRef idx="1">
-        <a:scrgbClr r="0" g="0" b="0"/>
-      </a:fillRef>
-      <a:effectRef idx="0">
-        <a:scrgbClr r="0" g="0" b="0"/>
-      </a:effectRef>
-      <a:fontRef idx="minor"/>
-    </dgm:style>
-  </dgm:styleLbl>
-  <dgm:styleLbl name="dkBgShp">
-    <dgm:scene3d>
-      <a:camera prst="orthographicFront"/>
-      <a:lightRig rig="threePt" dir="t"/>
-    </dgm:scene3d>
-    <dgm:sp3d/>
-    <dgm:txPr/>
-    <dgm:style>
-      <a:lnRef idx="0">
-        <a:scrgbClr r="0" g="0" b="0"/>
-      </a:lnRef>
-      <a:fillRef idx="1">
-        <a:scrgbClr r="0" g="0" b="0"/>
-      </a:fillRef>
-      <a:effectRef idx="0">
-        <a:scrgbClr r="0" g="0" b="0"/>
-      </a:effectRef>
-      <a:fontRef idx="minor"/>
-    </dgm:style>
-  </dgm:styleLbl>
-  <dgm:styleLbl name="trBgShp">
-    <dgm:scene3d>
-      <a:camera prst="orthographicFront"/>
-      <a:lightRig rig="threePt" dir="t"/>
-    </dgm:scene3d>
-    <dgm:sp3d/>
-    <dgm:txPr/>
-    <dgm:style>
-      <a:lnRef idx="0">
-        <a:scrgbClr r="0" g="0" b="0"/>
-      </a:lnRef>
-      <a:fillRef idx="1">
-        <a:scrgbClr r="0" g="0" b="0"/>
-      </a:fillRef>
-      <a:effectRef idx="0">
-        <a:scrgbClr r="0" g="0" b="0"/>
-      </a:effectRef>
-      <a:fontRef idx="minor"/>
-    </dgm:style>
-  </dgm:styleLbl>
-  <dgm:styleLbl name="fgShp">
-    <dgm:scene3d>
-      <a:camera prst="orthographicFront"/>
-      <a:lightRig rig="threePt" dir="t"/>
-    </dgm:scene3d>
-    <dgm:sp3d/>
-    <dgm:txPr/>
-    <dgm:style>
-      <a:lnRef idx="2">
-        <a:scrgbClr r="0" g="0" b="0"/>
-      </a:lnRef>
-      <a:fillRef idx="1">
-        <a:scrgbClr r="0" g="0" b="0"/>
-      </a:fillRef>
-      <a:effectRef idx="0">
-        <a:scrgbClr r="0" g="0" b="0"/>
-      </a:effectRef>
-      <a:fontRef idx="minor"/>
-    </dgm:style>
-  </dgm:styleLbl>
-  <dgm:styleLbl name="revTx">
-    <dgm:scene3d>
-      <a:camera prst="orthographicFront"/>
-      <a:lightRig rig="threePt" dir="t"/>
-    </dgm:scene3d>
-    <dgm:sp3d/>
-    <dgm:txPr/>
-    <dgm:style>
-      <a:lnRef idx="0">
-        <a:scrgbClr r="0" g="0" b="0"/>
-      </a:lnRef>
-      <a:fillRef idx="0">
-        <a:scrgbClr r="0" g="0" b="0"/>
-      </a:fillRef>
-      <a:effectRef idx="0">
-        <a:scrgbClr r="0" g="0" b="0"/>
-      </a:effectRef>
-      <a:fontRef idx="minor"/>
-    </dgm:style>
-  </dgm:styleLbl>
-</dgm:styleDef>
-</file>
-
 <file path=ppt/handoutMasters/handoutMaster1.xml><?xml version="1.0" encoding="utf-8"?>
 <p:handoutMaster xmlns:a="http://schemas.openxmlformats.org/drawingml/2006/main" xmlns:r="http://schemas.openxmlformats.org/officeDocument/2006/relationships" xmlns:p="http://schemas.openxmlformats.org/presentationml/2006/main">
   <p:cSld>
@@ -3864,7 +211,7 @@
             <a:pPr rtl="0"/>
             <a:fld id="{764ED9EE-8F2A-4E06-87A2-36C0DD0993FD}" type="datetime1">
               <a:rPr lang="de-DE" smtClean="0"/>
-              <a:t>16.12.2021</a:t>
+              <a:t>20.12.2021</a:t>
             </a:fld>
             <a:endParaRPr lang="en-US" dirty="0"/>
           </a:p>
@@ -4034,7 +381,7 @@
             <a:pPr rtl="0"/>
             <a:fld id="{A5A5ADE8-1FB8-43FD-A675-2B613EE00B6F}" type="datetime1">
               <a:rPr lang="de-DE" smtClean="0"/>
-              <a:t>16.12.2021</a:t>
+              <a:t>20.12.2021</a:t>
             </a:fld>
             <a:endParaRPr lang="en-US"/>
           </a:p>
@@ -4351,16 +698,7 @@
           <a:bodyPr/>
           <a:lstStyle/>
           <a:p>
-            <a:r>
-              <a:rPr lang="de-DE" dirty="0"/>
-              <a:t>Reduzierung der Lagerbestände: Weniger Material musste gleichzeitig auf Lager sein um reibungslose/ununterbrochene Versorgung zu gewährleisten</a:t>
-            </a:r>
-          </a:p>
-          <a:p>
-            <a:r>
-              <a:rPr lang="de-DE" dirty="0"/>
-              <a:t>Erhöhte Lieferfähigkeit: Lieferanten bekommen schnell Informationen über gebrauchte Artikel -&gt; ununterbrochene, schnelle Informationsversorgung ermöglicht schnelle Aktionen/Reaktionen</a:t>
-            </a:r>
+            <a:endParaRPr lang="de-DE" dirty="0"/>
           </a:p>
         </p:txBody>
       </p:sp>
@@ -4382,7 +720,131 @@
             <a:pPr rtl="0"/>
             <a:fld id="{A5A5ADE8-1FB8-43FD-A675-2B613EE00B6F}" type="datetime1">
               <a:rPr lang="de-DE" smtClean="0"/>
-              <a:t>16.12.2021</a:t>
+              <a:t>20.12.2021</a:t>
+            </a:fld>
+            <a:endParaRPr lang="en-US"/>
+          </a:p>
+        </p:txBody>
+      </p:sp>
+      <p:sp>
+        <p:nvSpPr>
+          <p:cNvPr id="5" name="Foliennummernplatzhalter 4"/>
+          <p:cNvSpPr>
+            <a:spLocks noGrp="1"/>
+          </p:cNvSpPr>
+          <p:nvPr>
+            <p:ph type="sldNum" sz="quarter" idx="5"/>
+          </p:nvPr>
+        </p:nvSpPr>
+        <p:spPr/>
+        <p:txBody>
+          <a:bodyPr/>
+          <a:lstStyle/>
+          <a:p>
+            <a:pPr rtl="0"/>
+            <a:fld id="{01B41D33-19C8-4450-B3C5-BE83E9C8F0BC}" type="slidenum">
+              <a:rPr lang="en-US" smtClean="0"/>
+              <a:t>2</a:t>
+            </a:fld>
+            <a:endParaRPr lang="en-US"/>
+          </a:p>
+        </p:txBody>
+      </p:sp>
+    </p:spTree>
+    <p:extLst>
+      <p:ext uri="{BB962C8B-B14F-4D97-AF65-F5344CB8AC3E}">
+        <p14:creationId xmlns:p14="http://schemas.microsoft.com/office/powerpoint/2010/main" val="5536413"/>
+      </p:ext>
+    </p:extLst>
+  </p:cSld>
+  <p:clrMapOvr>
+    <a:masterClrMapping/>
+  </p:clrMapOvr>
+</p:notes>
+</file>
+
+<file path=ppt/notesSlides/notesSlide2.xml><?xml version="1.0" encoding="utf-8"?>
+<p:notes xmlns:a="http://schemas.openxmlformats.org/drawingml/2006/main" xmlns:r="http://schemas.openxmlformats.org/officeDocument/2006/relationships" xmlns:p="http://schemas.openxmlformats.org/presentationml/2006/main">
+  <p:cSld>
+    <p:spTree>
+      <p:nvGrpSpPr>
+        <p:cNvPr id="1" name=""/>
+        <p:cNvGrpSpPr/>
+        <p:nvPr/>
+      </p:nvGrpSpPr>
+      <p:grpSpPr>
+        <a:xfrm>
+          <a:off x="0" y="0"/>
+          <a:ext cx="0" cy="0"/>
+          <a:chOff x="0" y="0"/>
+          <a:chExt cx="0" cy="0"/>
+        </a:xfrm>
+      </p:grpSpPr>
+      <p:sp>
+        <p:nvSpPr>
+          <p:cNvPr id="2" name="Folienbildplatzhalter 1"/>
+          <p:cNvSpPr>
+            <a:spLocks noGrp="1" noRot="1" noChangeAspect="1"/>
+          </p:cNvSpPr>
+          <p:nvPr>
+            <p:ph type="sldImg"/>
+          </p:nvPr>
+        </p:nvSpPr>
+        <p:spPr/>
+      </p:sp>
+      <p:sp>
+        <p:nvSpPr>
+          <p:cNvPr id="3" name="Notizenplatzhalter 2"/>
+          <p:cNvSpPr>
+            <a:spLocks noGrp="1"/>
+          </p:cNvSpPr>
+          <p:nvPr>
+            <p:ph type="body" idx="1"/>
+          </p:nvPr>
+        </p:nvSpPr>
+        <p:spPr/>
+        <p:txBody>
+          <a:bodyPr/>
+          <a:lstStyle/>
+          <a:p>
+            <a:r>
+              <a:rPr lang="de-DE" dirty="0"/>
+              <a:t>Reduzierung der Lagerbestände: Weniger Material musste gleichzeitig auf Lager sein um reibungslose/ununterbrochene Versorgung zu gewährleisten</a:t>
+            </a:r>
+          </a:p>
+          <a:p>
+            <a:r>
+              <a:rPr lang="de-DE" dirty="0"/>
+              <a:t>Erhöhte Lieferfähigkeit: Lieferanten bekommen schnell Informationen über gebrauchte Artikel -&gt; ununterbrochene, schnelle Informationsversorgung ermöglicht schnelle Aktionen/Reaktionen</a:t>
+            </a:r>
+          </a:p>
+          <a:p>
+            <a:r>
+              <a:rPr lang="de-DE" dirty="0"/>
+              <a:t>Pull-Methode: Nachschub wird erst dann angefordert, wenn Vorrat leer wird</a:t>
+            </a:r>
+          </a:p>
+        </p:txBody>
+      </p:sp>
+      <p:sp>
+        <p:nvSpPr>
+          <p:cNvPr id="4" name="Datumsplatzhalter 3"/>
+          <p:cNvSpPr>
+            <a:spLocks noGrp="1"/>
+          </p:cNvSpPr>
+          <p:nvPr>
+            <p:ph type="dt" idx="1"/>
+          </p:nvPr>
+        </p:nvSpPr>
+        <p:spPr/>
+        <p:txBody>
+          <a:bodyPr/>
+          <a:lstStyle/>
+          <a:p>
+            <a:pPr rtl="0"/>
+            <a:fld id="{A5A5ADE8-1FB8-43FD-A675-2B613EE00B6F}" type="datetime1">
+              <a:rPr lang="de-DE" smtClean="0"/>
+              <a:t>20.12.2021</a:t>
             </a:fld>
             <a:endParaRPr lang="en-US"/>
           </a:p>
@@ -4416,6 +878,263 @@
     <p:extLst>
       <p:ext uri="{BB962C8B-B14F-4D97-AF65-F5344CB8AC3E}">
         <p14:creationId xmlns:p14="http://schemas.microsoft.com/office/powerpoint/2010/main" val="1104517675"/>
+      </p:ext>
+    </p:extLst>
+  </p:cSld>
+  <p:clrMapOvr>
+    <a:masterClrMapping/>
+  </p:clrMapOvr>
+</p:notes>
+</file>
+
+<file path=ppt/notesSlides/notesSlide3.xml><?xml version="1.0" encoding="utf-8"?>
+<p:notes xmlns:a="http://schemas.openxmlformats.org/drawingml/2006/main" xmlns:r="http://schemas.openxmlformats.org/officeDocument/2006/relationships" xmlns:p="http://schemas.openxmlformats.org/presentationml/2006/main">
+  <p:cSld>
+    <p:spTree>
+      <p:nvGrpSpPr>
+        <p:cNvPr id="1" name=""/>
+        <p:cNvGrpSpPr/>
+        <p:nvPr/>
+      </p:nvGrpSpPr>
+      <p:grpSpPr>
+        <a:xfrm>
+          <a:off x="0" y="0"/>
+          <a:ext cx="0" cy="0"/>
+          <a:chOff x="0" y="0"/>
+          <a:chExt cx="0" cy="0"/>
+        </a:xfrm>
+      </p:grpSpPr>
+      <p:sp>
+        <p:nvSpPr>
+          <p:cNvPr id="2" name="Folienbildplatzhalter 1"/>
+          <p:cNvSpPr>
+            <a:spLocks noGrp="1" noRot="1" noChangeAspect="1"/>
+          </p:cNvSpPr>
+          <p:nvPr>
+            <p:ph type="sldImg"/>
+          </p:nvPr>
+        </p:nvSpPr>
+        <p:spPr/>
+      </p:sp>
+      <p:sp>
+        <p:nvSpPr>
+          <p:cNvPr id="3" name="Notizenplatzhalter 2"/>
+          <p:cNvSpPr>
+            <a:spLocks noGrp="1"/>
+          </p:cNvSpPr>
+          <p:nvPr>
+            <p:ph type="body" idx="1"/>
+          </p:nvPr>
+        </p:nvSpPr>
+        <p:spPr/>
+        <p:txBody>
+          <a:bodyPr/>
+          <a:lstStyle/>
+          <a:p>
+            <a:r>
+              <a:rPr lang="de-DE" b="0" dirty="0">
+                <a:solidFill>
+                  <a:srgbClr val="E5C07B"/>
+                </a:solidFill>
+                <a:effectLst/>
+                <a:latin typeface="Consolas" panose="020B0609020204030204" pitchFamily="49" charset="0"/>
+              </a:rPr>
+              <a:t>-</a:t>
+            </a:r>
+            <a:r>
+              <a:rPr lang="de-DE" b="0" dirty="0">
+                <a:solidFill>
+                  <a:srgbClr val="ABB2BF"/>
+                </a:solidFill>
+                <a:effectLst/>
+                <a:latin typeface="Consolas" panose="020B0609020204030204" pitchFamily="49" charset="0"/>
+              </a:rPr>
+              <a:t> Management über Kanban zwingt zur Behebung von Problemen, da Karte nicht getauscht werden kann</a:t>
+            </a:r>
+          </a:p>
+          <a:p>
+            <a:r>
+              <a:rPr lang="de-DE" b="0" dirty="0">
+                <a:solidFill>
+                  <a:srgbClr val="E5C07B"/>
+                </a:solidFill>
+                <a:effectLst/>
+                <a:latin typeface="Consolas" panose="020B0609020204030204" pitchFamily="49" charset="0"/>
+              </a:rPr>
+              <a:t>-</a:t>
+            </a:r>
+            <a:r>
+              <a:rPr lang="de-DE" b="0" dirty="0">
+                <a:solidFill>
+                  <a:srgbClr val="ABB2BF"/>
+                </a:solidFill>
+                <a:effectLst/>
+                <a:latin typeface="Consolas" panose="020B0609020204030204" pitchFamily="49" charset="0"/>
+              </a:rPr>
+              <a:t> Vor Projektstart müssen Regeln festgelegt werden, z.B. ab wann Aufgabe als erledigt gilt</a:t>
+            </a:r>
+          </a:p>
+          <a:p>
+            <a:pPr marL="171450" indent="-171450">
+              <a:buFontTx/>
+              <a:buChar char="-"/>
+            </a:pPr>
+            <a:r>
+              <a:rPr lang="de-DE" b="0" dirty="0">
+                <a:solidFill>
+                  <a:srgbClr val="ABB2BF"/>
+                </a:solidFill>
+                <a:effectLst/>
+                <a:latin typeface="Consolas" panose="020B0609020204030204" pitchFamily="49" charset="0"/>
+              </a:rPr>
+              <a:t>Karte muss nach rechts wandern (Aufgabe muss erfüllt werden), bevor neue Karte genommen werden kann</a:t>
+            </a:r>
+          </a:p>
+          <a:p>
+            <a:pPr marL="171450" indent="-171450">
+              <a:buFontTx/>
+              <a:buChar char="-"/>
+            </a:pPr>
+            <a:r>
+              <a:rPr lang="de-DE" dirty="0" err="1">
+                <a:solidFill>
+                  <a:srgbClr val="ABB2BF"/>
+                </a:solidFill>
+                <a:latin typeface="Consolas" panose="020B0609020204030204" pitchFamily="49" charset="0"/>
+              </a:rPr>
+              <a:t>Stop</a:t>
+            </a:r>
+            <a:r>
+              <a:rPr lang="de-DE" dirty="0">
+                <a:solidFill>
+                  <a:srgbClr val="ABB2BF"/>
+                </a:solidFill>
+                <a:latin typeface="Consolas" panose="020B0609020204030204" pitchFamily="49" charset="0"/>
+              </a:rPr>
+              <a:t> </a:t>
+            </a:r>
+            <a:r>
+              <a:rPr lang="de-DE" dirty="0" err="1">
+                <a:solidFill>
+                  <a:srgbClr val="ABB2BF"/>
+                </a:solidFill>
+                <a:latin typeface="Consolas" panose="020B0609020204030204" pitchFamily="49" charset="0"/>
+              </a:rPr>
+              <a:t>starting</a:t>
+            </a:r>
+            <a:r>
+              <a:rPr lang="de-DE" dirty="0">
+                <a:solidFill>
+                  <a:srgbClr val="ABB2BF"/>
+                </a:solidFill>
+                <a:latin typeface="Consolas" panose="020B0609020204030204" pitchFamily="49" charset="0"/>
+              </a:rPr>
+              <a:t>, </a:t>
+            </a:r>
+            <a:r>
+              <a:rPr lang="de-DE" dirty="0" err="1">
+                <a:solidFill>
+                  <a:srgbClr val="ABB2BF"/>
+                </a:solidFill>
+                <a:latin typeface="Consolas" panose="020B0609020204030204" pitchFamily="49" charset="0"/>
+              </a:rPr>
+              <a:t>start</a:t>
+            </a:r>
+            <a:r>
+              <a:rPr lang="de-DE" dirty="0">
+                <a:solidFill>
+                  <a:srgbClr val="ABB2BF"/>
+                </a:solidFill>
+                <a:latin typeface="Consolas" panose="020B0609020204030204" pitchFamily="49" charset="0"/>
+              </a:rPr>
+              <a:t> </a:t>
+            </a:r>
+            <a:r>
+              <a:rPr lang="de-DE" dirty="0" err="1">
+                <a:solidFill>
+                  <a:srgbClr val="ABB2BF"/>
+                </a:solidFill>
+                <a:latin typeface="Consolas" panose="020B0609020204030204" pitchFamily="49" charset="0"/>
+              </a:rPr>
+              <a:t>finishing</a:t>
+            </a:r>
+            <a:endParaRPr lang="de-DE" dirty="0">
+              <a:solidFill>
+                <a:srgbClr val="ABB2BF"/>
+              </a:solidFill>
+              <a:latin typeface="Consolas" panose="020B0609020204030204" pitchFamily="49" charset="0"/>
+            </a:endParaRPr>
+          </a:p>
+          <a:p>
+            <a:pPr marL="171450" indent="-171450">
+              <a:buFontTx/>
+              <a:buChar char="-"/>
+            </a:pPr>
+            <a:endParaRPr lang="de-DE" b="0" dirty="0">
+              <a:solidFill>
+                <a:srgbClr val="ABB2BF"/>
+              </a:solidFill>
+              <a:effectLst/>
+              <a:latin typeface="Consolas" panose="020B0609020204030204" pitchFamily="49" charset="0"/>
+            </a:endParaRPr>
+          </a:p>
+          <a:p>
+            <a:endParaRPr lang="de-DE" dirty="0"/>
+          </a:p>
+        </p:txBody>
+      </p:sp>
+      <p:sp>
+        <p:nvSpPr>
+          <p:cNvPr id="4" name="Datumsplatzhalter 3"/>
+          <p:cNvSpPr>
+            <a:spLocks noGrp="1"/>
+          </p:cNvSpPr>
+          <p:nvPr>
+            <p:ph type="dt" idx="1"/>
+          </p:nvPr>
+        </p:nvSpPr>
+        <p:spPr/>
+        <p:txBody>
+          <a:bodyPr/>
+          <a:lstStyle/>
+          <a:p>
+            <a:pPr rtl="0"/>
+            <a:fld id="{A5A5ADE8-1FB8-43FD-A675-2B613EE00B6F}" type="datetime1">
+              <a:rPr lang="de-DE" smtClean="0"/>
+              <a:t>20.12.2021</a:t>
+            </a:fld>
+            <a:endParaRPr lang="en-US"/>
+          </a:p>
+        </p:txBody>
+      </p:sp>
+      <p:sp>
+        <p:nvSpPr>
+          <p:cNvPr id="5" name="Foliennummernplatzhalter 4"/>
+          <p:cNvSpPr>
+            <a:spLocks noGrp="1"/>
+          </p:cNvSpPr>
+          <p:nvPr>
+            <p:ph type="sldNum" sz="quarter" idx="5"/>
+          </p:nvPr>
+        </p:nvSpPr>
+        <p:spPr/>
+        <p:txBody>
+          <a:bodyPr/>
+          <a:lstStyle/>
+          <a:p>
+            <a:pPr rtl="0"/>
+            <a:fld id="{01B41D33-19C8-4450-B3C5-BE83E9C8F0BC}" type="slidenum">
+              <a:rPr lang="en-US" smtClean="0"/>
+              <a:t>4</a:t>
+            </a:fld>
+            <a:endParaRPr lang="en-US"/>
+          </a:p>
+        </p:txBody>
+      </p:sp>
+    </p:spTree>
+    <p:extLst>
+      <p:ext uri="{BB962C8B-B14F-4D97-AF65-F5344CB8AC3E}">
+        <p14:creationId xmlns:p14="http://schemas.microsoft.com/office/powerpoint/2010/main" val="3271459820"/>
       </p:ext>
     </p:extLst>
   </p:cSld>
@@ -4666,7 +1385,7 @@
             <a:pPr rtl="0"/>
             <a:fld id="{81E9C95E-BEF0-4D2E-9127-B9099B238D2A}" type="datetime1">
               <a:rPr lang="de-DE" smtClean="0"/>
-              <a:t>16.12.2021</a:t>
+              <a:t>20.12.2021</a:t>
             </a:fld>
             <a:endParaRPr lang="en-US" dirty="0"/>
           </a:p>
@@ -4873,7 +1592,7 @@
             <a:pPr rtl="0"/>
             <a:fld id="{FE771757-BB18-44C5-813E-435E78C98126}" type="datetime1">
               <a:rPr lang="de-DE" smtClean="0"/>
-              <a:t>16.12.2021</a:t>
+              <a:t>20.12.2021</a:t>
             </a:fld>
             <a:endParaRPr lang="en-US" dirty="0"/>
           </a:p>
@@ -5239,7 +1958,7 @@
             <a:pPr rtl="0"/>
             <a:fld id="{B83FACD6-565C-4118-ACD0-32ACCA9AF940}" type="datetime1">
               <a:rPr lang="de-DE" smtClean="0"/>
-              <a:t>16.12.2021</a:t>
+              <a:t>20.12.2021</a:t>
             </a:fld>
             <a:endParaRPr lang="en-US" dirty="0"/>
           </a:p>
@@ -5441,7 +2160,7 @@
             <a:pPr rtl="0"/>
             <a:fld id="{83627DD0-092D-4AD9-AAE0-0513E170352E}" type="datetime1">
               <a:rPr lang="de-DE" smtClean="0"/>
-              <a:t>16.12.2021</a:t>
+              <a:t>20.12.2021</a:t>
             </a:fld>
             <a:endParaRPr lang="en-US" dirty="0"/>
           </a:p>
@@ -5757,7 +2476,7 @@
             <a:pPr rtl="0"/>
             <a:fld id="{F36CBEDB-B1DE-4F8C-AD4A-10AD3F77E1A9}" type="datetime1">
               <a:rPr lang="de-DE" smtClean="0"/>
-              <a:t>16.12.2021</a:t>
+              <a:t>20.12.2021</a:t>
             </a:fld>
             <a:endParaRPr lang="en-US" dirty="0"/>
           </a:p>
@@ -6014,7 +2733,7 @@
             <a:pPr rtl="0"/>
             <a:fld id="{F95AE019-BB99-4C3A-AA2C-A36C39CE4DCB}" type="datetime1">
               <a:rPr lang="de-DE" smtClean="0"/>
-              <a:t>16.12.2021</a:t>
+              <a:t>20.12.2021</a:t>
             </a:fld>
             <a:endParaRPr lang="en-US" dirty="0"/>
           </a:p>
@@ -6440,7 +3159,7 @@
             <a:pPr rtl="0"/>
             <a:fld id="{117FAFC6-AD0C-4B5B-B8B0-E729C6D4C810}" type="datetime1">
               <a:rPr lang="de-DE" smtClean="0"/>
-              <a:t>16.12.2021</a:t>
+              <a:t>20.12.2021</a:t>
             </a:fld>
             <a:endParaRPr lang="en-US" dirty="0"/>
           </a:p>
@@ -6567,7 +3286,7 @@
             <a:pPr rtl="0"/>
             <a:fld id="{607DEF3C-A2B0-4F78-836D-1A1B1DEE5467}" type="datetime1">
               <a:rPr lang="de-DE" smtClean="0"/>
-              <a:t>16.12.2021</a:t>
+              <a:t>20.12.2021</a:t>
             </a:fld>
             <a:endParaRPr lang="en-US" dirty="0"/>
           </a:p>
@@ -6665,7 +3384,7 @@
             <a:pPr rtl="0"/>
             <a:fld id="{D971D44B-9C44-467E-B481-41466CDBD2A7}" type="datetime1">
               <a:rPr lang="de-DE" smtClean="0"/>
-              <a:t>16.12.2021</a:t>
+              <a:t>20.12.2021</a:t>
             </a:fld>
             <a:endParaRPr lang="en-US" dirty="0"/>
           </a:p>
@@ -7046,7 +3765,7 @@
             <a:pPr rtl="0"/>
             <a:fld id="{0354EEBD-0E7F-42E6-BE86-4864547D749E}" type="datetime1">
               <a:rPr lang="de-DE" smtClean="0"/>
-              <a:t>16.12.2021</a:t>
+              <a:t>20.12.2021</a:t>
             </a:fld>
             <a:endParaRPr lang="en-US" dirty="0"/>
           </a:p>
@@ -7344,7 +4063,7 @@
             <a:pPr rtl="0"/>
             <a:fld id="{8C7274EF-79A2-4EAD-98EF-7E5BB5EA068D}" type="datetime1">
               <a:rPr lang="de-DE" smtClean="0"/>
-              <a:t>16.12.2021</a:t>
+              <a:t>20.12.2021</a:t>
             </a:fld>
             <a:endParaRPr lang="en-US" dirty="0"/>
           </a:p>
@@ -7562,7 +4281,7 @@
             <a:pPr rtl="0"/>
             <a:fld id="{EDD379EC-906B-4CE5-98C2-3A156331FD9E}" type="datetime1">
               <a:rPr lang="de-DE" smtClean="0"/>
-              <a:t>16.12.2021</a:t>
+              <a:t>20.12.2021</a:t>
             </a:fld>
             <a:endParaRPr lang="en-US" dirty="0"/>
           </a:p>
@@ -8631,52 +5350,9 @@
           </a:p>
           <a:p>
             <a:r>
-              <a:rPr lang="de-DE" dirty="0" err="1"/>
-              <a:t>Scrum</a:t>
-            </a:r>
-            <a:r>
-              <a:rPr lang="de-DE" dirty="0"/>
-              <a:t> </a:t>
-            </a:r>
-            <a:r>
-              <a:rPr lang="de-DE" dirty="0" err="1"/>
-              <a:t>vs</a:t>
-            </a:r>
-            <a:r>
-              <a:rPr lang="de-DE" dirty="0"/>
-              <a:t> Kanban</a:t>
-            </a:r>
-          </a:p>
-          <a:p>
-            <a:r>
               <a:rPr lang="de-DE" dirty="0"/>
               <a:t>Quellen</a:t>
             </a:r>
-          </a:p>
-        </p:txBody>
-      </p:sp>
-      <p:sp>
-        <p:nvSpPr>
-          <p:cNvPr id="4" name="Textplatzhalter 3">
-            <a:extLst>
-              <a:ext uri="{FF2B5EF4-FFF2-40B4-BE49-F238E27FC236}">
-                <a16:creationId xmlns:a16="http://schemas.microsoft.com/office/drawing/2014/main" id="{07F75544-785F-4DAF-AF60-424C89F9DC0E}"/>
-              </a:ext>
-            </a:extLst>
-          </p:cNvPr>
-          <p:cNvSpPr>
-            <a:spLocks noGrp="1"/>
-          </p:cNvSpPr>
-          <p:nvPr>
-            <p:ph type="body" sz="half" idx="2"/>
-          </p:nvPr>
-        </p:nvSpPr>
-        <p:spPr/>
-        <p:txBody>
-          <a:bodyPr/>
-          <a:lstStyle/>
-          <a:p>
-            <a:endParaRPr lang="de-DE"/>
           </a:p>
         </p:txBody>
       </p:sp>
@@ -8704,7 +5380,7 @@
             <a:pPr rtl="0"/>
             <a:fld id="{0354EEBD-0E7F-42E6-BE86-4864547D749E}" type="datetime1">
               <a:rPr lang="de-DE" smtClean="0"/>
-              <a:t>16.12.2021</a:t>
+              <a:t>20.12.2021</a:t>
             </a:fld>
             <a:endParaRPr lang="en-US" dirty="0"/>
           </a:p>
@@ -8786,8 +5462,16 @@
         </p:nvSpPr>
         <p:spPr/>
         <p:txBody>
-          <a:bodyPr/>
-          <a:lstStyle/>
+          <a:bodyPr>
+            <a:normAutofit/>
+          </a:bodyPr>
+          <a:lstStyle/>
+          <a:p>
+            <a:r>
+              <a:rPr lang="de-DE" sz="2400" dirty="0"/>
+              <a:t>Kanban, jap. für: Signalkarte</a:t>
+            </a:r>
+          </a:p>
           <a:p>
             <a:r>
               <a:rPr lang="de-DE" sz="2400" dirty="0"/>
@@ -8845,7 +5529,7 @@
             <a:pPr rtl="0"/>
             <a:fld id="{83627DD0-092D-4AD9-AAE0-0513E170352E}" type="datetime1">
               <a:rPr lang="de-DE" smtClean="0"/>
-              <a:t>16.12.2021</a:t>
+              <a:t>20.12.2021</a:t>
             </a:fld>
             <a:endParaRPr lang="en-US" dirty="0"/>
           </a:p>
@@ -8927,8 +5611,71 @@
         </p:nvSpPr>
         <p:spPr/>
         <p:txBody>
-          <a:bodyPr/>
-          <a:lstStyle/>
+          <a:bodyPr>
+            <a:normAutofit fontScale="85000" lnSpcReduction="20000"/>
+          </a:bodyPr>
+          <a:lstStyle/>
+          <a:p>
+            <a:r>
+              <a:rPr lang="de-DE" sz="2200" dirty="0"/>
+              <a:t>Aufbau:</a:t>
+            </a:r>
+          </a:p>
+          <a:p>
+            <a:r>
+              <a:rPr lang="de-DE" sz="2200" dirty="0"/>
+              <a:t>Visualisierung des Projekts anhand einer Kanban-Tafel, auf das alle Mitarbeiter Zugriff haben</a:t>
+            </a:r>
+          </a:p>
+          <a:p>
+            <a:r>
+              <a:rPr lang="de-DE" sz="2200" dirty="0"/>
+              <a:t>Aufteilung in mindestens 3 Spalten, z.B. Backlog, Development, </a:t>
+            </a:r>
+            <a:r>
+              <a:rPr lang="de-DE" sz="2200" dirty="0" err="1"/>
+              <a:t>Testing</a:t>
+            </a:r>
+            <a:endParaRPr lang="de-DE" sz="2200" dirty="0"/>
+          </a:p>
+          <a:p>
+            <a:r>
+              <a:rPr lang="de-DE" sz="2200" dirty="0"/>
+              <a:t>Je höher die Auftragskarte in der Spalte, desto zeitintensiver der Prozess</a:t>
+            </a:r>
+          </a:p>
+          <a:p>
+            <a:r>
+              <a:rPr lang="de-DE" sz="2200" dirty="0"/>
+              <a:t>Begrenzung der gleichzeitig bearbeiteten Aufträge auf maximal 2 pro Team</a:t>
+            </a:r>
+          </a:p>
+          <a:p>
+            <a:pPr lvl="1"/>
+            <a:r>
+              <a:rPr lang="de-DE" sz="2200" dirty="0"/>
+              <a:t>Bei Problemen in einem Team, muss diesem erst geholfen werden</a:t>
+            </a:r>
+          </a:p>
+          <a:p>
+            <a:r>
+              <a:rPr lang="de-DE" sz="2200" dirty="0"/>
+              <a:t>Kadenz: Meeting zur Besprechung von Problemen, Feedback etc.</a:t>
+            </a:r>
+          </a:p>
+          <a:p>
+            <a:pPr lvl="1"/>
+            <a:r>
+              <a:rPr lang="de-DE" sz="2200" dirty="0"/>
+              <a:t>Nicht notwendig, aber empfohlen für optimalen Workflow, z.B. Täglich</a:t>
+            </a:r>
+          </a:p>
+          <a:p>
+            <a:r>
+              <a:rPr lang="de-DE" sz="2200" dirty="0"/>
+              <a:t>Weitere Regeln möglich</a:t>
+            </a:r>
+          </a:p>
           <a:p>
             <a:endParaRPr lang="de-DE" dirty="0"/>
           </a:p>
@@ -8958,7 +5705,7 @@
             <a:pPr rtl="0"/>
             <a:fld id="{83627DD0-092D-4AD9-AAE0-0513E170352E}" type="datetime1">
               <a:rPr lang="de-DE" smtClean="0"/>
-              <a:t>16.12.2021</a:t>
+              <a:t>20.12.2021</a:t>
             </a:fld>
             <a:endParaRPr lang="en-US" dirty="0"/>
           </a:p>
@@ -8999,7 +5746,7 @@
           <p:cNvPr id="2" name="Titel 1">
             <a:extLst>
               <a:ext uri="{FF2B5EF4-FFF2-40B4-BE49-F238E27FC236}">
-                <a16:creationId xmlns:a16="http://schemas.microsoft.com/office/drawing/2014/main" id="{5E562972-3449-42D1-8185-B4BEFD52AB44}"/>
+                <a16:creationId xmlns:a16="http://schemas.microsoft.com/office/drawing/2014/main" id="{8617A06D-3746-438D-81D5-C7444891C120}"/>
               </a:ext>
             </a:extLst>
           </p:cNvPr>
@@ -9012,52 +5759,110 @@
         </p:nvSpPr>
         <p:spPr/>
         <p:txBody>
-          <a:bodyPr rtlCol="0"/>
-          <a:lstStyle/>
-          <a:p>
-            <a:pPr rtl="0"/>
-            <a:r>
-              <a:rPr lang="de" dirty="0"/>
-              <a:t>Kanban-Tafel</a:t>
-            </a:r>
-          </a:p>
-        </p:txBody>
-      </p:sp>
-      <p:graphicFrame>
-        <p:nvGraphicFramePr>
-          <p:cNvPr id="4" name="Inhaltsplatzhalter 2">
+          <a:bodyPr/>
+          <a:lstStyle/>
+          <a:p>
+            <a:r>
+              <a:rPr lang="de-DE" dirty="0"/>
+              <a:t>PRINZIPE</a:t>
+            </a:r>
+          </a:p>
+        </p:txBody>
+      </p:sp>
+      <p:sp>
+        <p:nvSpPr>
+          <p:cNvPr id="3" name="Inhaltsplatzhalter 2">
             <a:extLst>
               <a:ext uri="{FF2B5EF4-FFF2-40B4-BE49-F238E27FC236}">
-                <a16:creationId xmlns:a16="http://schemas.microsoft.com/office/drawing/2014/main" id="{FF3F0D82-0AA6-45C3-8367-955CBFA02ED6}"/>
+                <a16:creationId xmlns:a16="http://schemas.microsoft.com/office/drawing/2014/main" id="{845D4C9D-AF6C-4D1E-9CBE-08F3BE89FE5A}"/>
               </a:ext>
             </a:extLst>
           </p:cNvPr>
-          <p:cNvGraphicFramePr>
-            <a:graphicFrameLocks noGrp="1"/>
-          </p:cNvGraphicFramePr>
+          <p:cNvSpPr>
+            <a:spLocks noGrp="1"/>
+          </p:cNvSpPr>
           <p:nvPr>
             <p:ph idx="1"/>
-            <p:extLst>
-              <p:ext uri="{D42A27DB-BD31-4B8C-83A1-F6EECF244321}">
-                <p14:modId xmlns:p14="http://schemas.microsoft.com/office/powerpoint/2010/main" val="3086745933"/>
-              </p:ext>
-            </p:extLst>
-          </p:nvPr>
-        </p:nvGraphicFramePr>
-        <p:xfrm>
-          <a:off x="581025" y="2341563"/>
-          <a:ext cx="11029950" cy="3633787"/>
-        </p:xfrm>
-        <a:graphic>
-          <a:graphicData uri="http://schemas.openxmlformats.org/drawingml/2006/diagram">
-            <dgm:relIds xmlns:dgm="http://schemas.openxmlformats.org/drawingml/2006/diagram" xmlns:r="http://schemas.openxmlformats.org/officeDocument/2006/relationships" r:dm="rId2" r:lo="rId3" r:qs="rId4" r:cs="rId5"/>
-          </a:graphicData>
-        </a:graphic>
-      </p:graphicFrame>
+          </p:nvPr>
+        </p:nvSpPr>
+        <p:spPr/>
+        <p:txBody>
+          <a:bodyPr>
+            <a:normAutofit/>
+          </a:bodyPr>
+          <a:lstStyle/>
+          <a:p>
+            <a:r>
+              <a:rPr lang="de-DE" sz="2000" dirty="0"/>
+              <a:t>Visualisierung: Kanban-Board zur einfach Übersicht wie weit Projekt vorangeschritten ist</a:t>
+            </a:r>
+          </a:p>
+          <a:p>
+            <a:r>
+              <a:rPr lang="de-DE" sz="2000" dirty="0"/>
+              <a:t>Limitierung: Maximale Anzahl an Aufträgen pro Spalte -&gt; Effizienz</a:t>
+            </a:r>
+          </a:p>
+          <a:p>
+            <a:r>
+              <a:rPr lang="de-DE" sz="2000" dirty="0"/>
+              <a:t>Management: Blockaden und Engpässe müssen behoben werden, Kapazitäten werden effizient verteilt</a:t>
+            </a:r>
+          </a:p>
+          <a:p>
+            <a:r>
+              <a:rPr lang="de-DE" sz="2000" dirty="0"/>
+              <a:t>Regulierung: Explizite Prozessregeln, werden meist vor Beginn festgelegt</a:t>
+            </a:r>
+          </a:p>
+          <a:p>
+            <a:r>
+              <a:rPr lang="de-DE" sz="2000" dirty="0"/>
+              <a:t>Feedback: Rückmeldungen zur Verbesserung der Arbeitsprozesse durch Kadenzen</a:t>
+            </a:r>
+          </a:p>
+          <a:p>
+            <a:r>
+              <a:rPr lang="de-DE" sz="2000" dirty="0"/>
+              <a:t>Kaizen: Prinzip der dauerhaften Verbesserung, keine Perfektion erreichbar</a:t>
+            </a:r>
+          </a:p>
+        </p:txBody>
+      </p:sp>
+      <p:sp>
+        <p:nvSpPr>
+          <p:cNvPr id="4" name="Datumsplatzhalter 3">
+            <a:extLst>
+              <a:ext uri="{FF2B5EF4-FFF2-40B4-BE49-F238E27FC236}">
+                <a16:creationId xmlns:a16="http://schemas.microsoft.com/office/drawing/2014/main" id="{6B1649D2-3641-46E2-AE80-4C1F78B49F49}"/>
+              </a:ext>
+            </a:extLst>
+          </p:cNvPr>
+          <p:cNvSpPr>
+            <a:spLocks noGrp="1"/>
+          </p:cNvSpPr>
+          <p:nvPr>
+            <p:ph type="dt" sz="half" idx="10"/>
+          </p:nvPr>
+        </p:nvSpPr>
+        <p:spPr/>
+        <p:txBody>
+          <a:bodyPr/>
+          <a:lstStyle/>
+          <a:p>
+            <a:pPr rtl="0"/>
+            <a:fld id="{83627DD0-092D-4AD9-AAE0-0513E170352E}" type="datetime1">
+              <a:rPr lang="de-DE" smtClean="0"/>
+              <a:t>20.12.2021</a:t>
+            </a:fld>
+            <a:endParaRPr lang="en-US" dirty="0"/>
+          </a:p>
+        </p:txBody>
+      </p:sp>
     </p:spTree>
     <p:extLst>
       <p:ext uri="{BB962C8B-B14F-4D97-AF65-F5344CB8AC3E}">
-        <p14:creationId xmlns:p14="http://schemas.microsoft.com/office/powerpoint/2010/main" val="263784652"/>
+        <p14:creationId xmlns:p14="http://schemas.microsoft.com/office/powerpoint/2010/main" val="3188077928"/>
       </p:ext>
     </p:extLst>
   </p:cSld>
@@ -9089,6 +5894,367 @@
           <p:cNvPr id="2" name="Titel 1">
             <a:extLst>
               <a:ext uri="{FF2B5EF4-FFF2-40B4-BE49-F238E27FC236}">
+                <a16:creationId xmlns:a16="http://schemas.microsoft.com/office/drawing/2014/main" id="{E7708B80-54FE-4D93-ADD2-8FBCA80C224F}"/>
+              </a:ext>
+            </a:extLst>
+          </p:cNvPr>
+          <p:cNvSpPr>
+            <a:spLocks noGrp="1"/>
+          </p:cNvSpPr>
+          <p:nvPr>
+            <p:ph type="title"/>
+          </p:nvPr>
+        </p:nvSpPr>
+        <p:spPr/>
+        <p:txBody>
+          <a:bodyPr/>
+          <a:lstStyle/>
+          <a:p>
+            <a:r>
+              <a:rPr lang="de-DE" dirty="0"/>
+              <a:t>Vor- Und Nachteile</a:t>
+            </a:r>
+          </a:p>
+        </p:txBody>
+      </p:sp>
+      <p:graphicFrame>
+        <p:nvGraphicFramePr>
+          <p:cNvPr id="5" name="Tabelle 5">
+            <a:extLst>
+              <a:ext uri="{FF2B5EF4-FFF2-40B4-BE49-F238E27FC236}">
+                <a16:creationId xmlns:a16="http://schemas.microsoft.com/office/drawing/2014/main" id="{827CC680-1CE7-47AA-999B-934351B0D3D4}"/>
+              </a:ext>
+            </a:extLst>
+          </p:cNvPr>
+          <p:cNvGraphicFramePr>
+            <a:graphicFrameLocks noGrp="1"/>
+          </p:cNvGraphicFramePr>
+          <p:nvPr>
+            <p:ph idx="1"/>
+            <p:extLst>
+              <p:ext uri="{D42A27DB-BD31-4B8C-83A1-F6EECF244321}">
+                <p14:modId xmlns:p14="http://schemas.microsoft.com/office/powerpoint/2010/main" val="596173518"/>
+              </p:ext>
+            </p:extLst>
+          </p:nvPr>
+        </p:nvGraphicFramePr>
+        <p:xfrm>
+          <a:off x="581025" y="2341563"/>
+          <a:ext cx="11029950" cy="3383280"/>
+        </p:xfrm>
+        <a:graphic>
+          <a:graphicData uri="http://schemas.openxmlformats.org/drawingml/2006/table">
+            <a:tbl>
+              <a:tblPr firstRow="1" bandRow="1">
+                <a:tableStyleId>{5C22544A-7EE6-4342-B048-85BDC9FD1C3A}</a:tableStyleId>
+              </a:tblPr>
+              <a:tblGrid>
+                <a:gridCol w="5514975">
+                  <a:extLst>
+                    <a:ext uri="{9D8B030D-6E8A-4147-A177-3AD203B41FA5}">
+                      <a16:colId xmlns:a16="http://schemas.microsoft.com/office/drawing/2014/main" val="273919491"/>
+                    </a:ext>
+                  </a:extLst>
+                </a:gridCol>
+                <a:gridCol w="5514975">
+                  <a:extLst>
+                    <a:ext uri="{9D8B030D-6E8A-4147-A177-3AD203B41FA5}">
+                      <a16:colId xmlns:a16="http://schemas.microsoft.com/office/drawing/2014/main" val="3564259792"/>
+                    </a:ext>
+                  </a:extLst>
+                </a:gridCol>
+              </a:tblGrid>
+              <a:tr h="370840">
+                <a:tc>
+                  <a:txBody>
+                    <a:bodyPr/>
+                    <a:lstStyle/>
+                    <a:p>
+                      <a:r>
+                        <a:rPr lang="de-DE" sz="2000" dirty="0"/>
+                        <a:t>Vorteile</a:t>
+                      </a:r>
+                    </a:p>
+                  </a:txBody>
+                  <a:tcPr/>
+                </a:tc>
+                <a:tc>
+                  <a:txBody>
+                    <a:bodyPr/>
+                    <a:lstStyle/>
+                    <a:p>
+                      <a:r>
+                        <a:rPr lang="de-DE" sz="2000" dirty="0"/>
+                        <a:t>Nachteile</a:t>
+                      </a:r>
+                    </a:p>
+                  </a:txBody>
+                  <a:tcPr/>
+                </a:tc>
+                <a:extLst>
+                  <a:ext uri="{0D108BD9-81ED-4DB2-BD59-A6C34878D82A}">
+                    <a16:rowId xmlns:a16="http://schemas.microsoft.com/office/drawing/2014/main" val="3819319792"/>
+                  </a:ext>
+                </a:extLst>
+              </a:tr>
+              <a:tr h="370840">
+                <a:tc>
+                  <a:txBody>
+                    <a:bodyPr/>
+                    <a:lstStyle/>
+                    <a:p>
+                      <a:r>
+                        <a:rPr lang="de-DE" sz="2000" dirty="0"/>
+                        <a:t>Offenes/Leicht verständliches Prinzip</a:t>
+                      </a:r>
+                    </a:p>
+                  </a:txBody>
+                  <a:tcPr/>
+                </a:tc>
+                <a:tc>
+                  <a:txBody>
+                    <a:bodyPr/>
+                    <a:lstStyle/>
+                    <a:p>
+                      <a:r>
+                        <a:rPr lang="de-DE" sz="2000" dirty="0"/>
+                        <a:t>Bedarf übergreifender Kompetenzen (bei Problemen)</a:t>
+                      </a:r>
+                    </a:p>
+                  </a:txBody>
+                  <a:tcPr/>
+                </a:tc>
+                <a:extLst>
+                  <a:ext uri="{0D108BD9-81ED-4DB2-BD59-A6C34878D82A}">
+                    <a16:rowId xmlns:a16="http://schemas.microsoft.com/office/drawing/2014/main" val="2248169806"/>
+                  </a:ext>
+                </a:extLst>
+              </a:tr>
+              <a:tr h="370840">
+                <a:tc>
+                  <a:txBody>
+                    <a:bodyPr/>
+                    <a:lstStyle/>
+                    <a:p>
+                      <a:r>
+                        <a:rPr lang="de-DE" sz="2000" dirty="0"/>
+                        <a:t>Mehr Transparenz</a:t>
+                      </a:r>
+                    </a:p>
+                  </a:txBody>
+                  <a:tcPr/>
+                </a:tc>
+                <a:tc>
+                  <a:txBody>
+                    <a:bodyPr/>
+                    <a:lstStyle/>
+                    <a:p>
+                      <a:r>
+                        <a:rPr lang="de-DE" sz="2000" dirty="0"/>
+                        <a:t>Fehlende Zeitplanung -&gt; Probleme mit Deadlines</a:t>
+                      </a:r>
+                    </a:p>
+                  </a:txBody>
+                  <a:tcPr/>
+                </a:tc>
+                <a:extLst>
+                  <a:ext uri="{0D108BD9-81ED-4DB2-BD59-A6C34878D82A}">
+                    <a16:rowId xmlns:a16="http://schemas.microsoft.com/office/drawing/2014/main" val="3826725688"/>
+                  </a:ext>
+                </a:extLst>
+              </a:tr>
+              <a:tr h="370840">
+                <a:tc>
+                  <a:txBody>
+                    <a:bodyPr/>
+                    <a:lstStyle/>
+                    <a:p>
+                      <a:r>
+                        <a:rPr lang="de-DE" sz="2000" dirty="0"/>
+                        <a:t>Gleichmäßiger Workflow</a:t>
+                      </a:r>
+                    </a:p>
+                  </a:txBody>
+                  <a:tcPr/>
+                </a:tc>
+                <a:tc>
+                  <a:txBody>
+                    <a:bodyPr/>
+                    <a:lstStyle/>
+                    <a:p>
+                      <a:r>
+                        <a:rPr lang="de-DE" sz="2000" dirty="0"/>
+                        <a:t>Arbeit muss sich in einzelne Schritte aufteilen lassen</a:t>
+                      </a:r>
+                    </a:p>
+                  </a:txBody>
+                  <a:tcPr/>
+                </a:tc>
+                <a:extLst>
+                  <a:ext uri="{0D108BD9-81ED-4DB2-BD59-A6C34878D82A}">
+                    <a16:rowId xmlns:a16="http://schemas.microsoft.com/office/drawing/2014/main" val="980516008"/>
+                  </a:ext>
+                </a:extLst>
+              </a:tr>
+              <a:tr h="370840">
+                <a:tc>
+                  <a:txBody>
+                    <a:bodyPr/>
+                    <a:lstStyle/>
+                    <a:p>
+                      <a:r>
+                        <a:rPr lang="de-DE" sz="2000" dirty="0"/>
+                        <a:t>Stetige Verbesserung</a:t>
+                      </a:r>
+                    </a:p>
+                  </a:txBody>
+                  <a:tcPr/>
+                </a:tc>
+                <a:tc>
+                  <a:txBody>
+                    <a:bodyPr/>
+                    <a:lstStyle/>
+                    <a:p>
+                      <a:endParaRPr lang="de-DE" sz="2000" dirty="0"/>
+                    </a:p>
+                  </a:txBody>
+                  <a:tcPr/>
+                </a:tc>
+                <a:extLst>
+                  <a:ext uri="{0D108BD9-81ED-4DB2-BD59-A6C34878D82A}">
+                    <a16:rowId xmlns:a16="http://schemas.microsoft.com/office/drawing/2014/main" val="3551762716"/>
+                  </a:ext>
+                </a:extLst>
+              </a:tr>
+              <a:tr h="370840">
+                <a:tc>
+                  <a:txBody>
+                    <a:bodyPr/>
+                    <a:lstStyle/>
+                    <a:p>
+                      <a:r>
+                        <a:rPr lang="de-DE" sz="2000" dirty="0"/>
+                        <a:t>Lässt sich in die meisten Situationen integrieren</a:t>
+                      </a:r>
+                    </a:p>
+                  </a:txBody>
+                  <a:tcPr/>
+                </a:tc>
+                <a:tc>
+                  <a:txBody>
+                    <a:bodyPr/>
+                    <a:lstStyle/>
+                    <a:p>
+                      <a:endParaRPr lang="de-DE" sz="2000" dirty="0"/>
+                    </a:p>
+                  </a:txBody>
+                  <a:tcPr/>
+                </a:tc>
+                <a:extLst>
+                  <a:ext uri="{0D108BD9-81ED-4DB2-BD59-A6C34878D82A}">
+                    <a16:rowId xmlns:a16="http://schemas.microsoft.com/office/drawing/2014/main" val="1447579652"/>
+                  </a:ext>
+                </a:extLst>
+              </a:tr>
+              <a:tr h="370840">
+                <a:tc>
+                  <a:txBody>
+                    <a:bodyPr/>
+                    <a:lstStyle/>
+                    <a:p>
+                      <a:r>
+                        <a:rPr lang="de-DE" sz="2000" dirty="0"/>
+                        <a:t>Einfache Anwendung</a:t>
+                      </a:r>
+                    </a:p>
+                  </a:txBody>
+                  <a:tcPr/>
+                </a:tc>
+                <a:tc>
+                  <a:txBody>
+                    <a:bodyPr/>
+                    <a:lstStyle/>
+                    <a:p>
+                      <a:endParaRPr lang="de-DE" sz="2000" dirty="0"/>
+                    </a:p>
+                  </a:txBody>
+                  <a:tcPr/>
+                </a:tc>
+                <a:extLst>
+                  <a:ext uri="{0D108BD9-81ED-4DB2-BD59-A6C34878D82A}">
+                    <a16:rowId xmlns:a16="http://schemas.microsoft.com/office/drawing/2014/main" val="4073193486"/>
+                  </a:ext>
+                </a:extLst>
+              </a:tr>
+            </a:tbl>
+          </a:graphicData>
+        </a:graphic>
+      </p:graphicFrame>
+      <p:sp>
+        <p:nvSpPr>
+          <p:cNvPr id="4" name="Datumsplatzhalter 3">
+            <a:extLst>
+              <a:ext uri="{FF2B5EF4-FFF2-40B4-BE49-F238E27FC236}">
+                <a16:creationId xmlns:a16="http://schemas.microsoft.com/office/drawing/2014/main" id="{90F5F1BC-1195-4E37-8922-5C2EF3DD7FA3}"/>
+              </a:ext>
+            </a:extLst>
+          </p:cNvPr>
+          <p:cNvSpPr>
+            <a:spLocks noGrp="1"/>
+          </p:cNvSpPr>
+          <p:nvPr>
+            <p:ph type="dt" sz="half" idx="10"/>
+          </p:nvPr>
+        </p:nvSpPr>
+        <p:spPr/>
+        <p:txBody>
+          <a:bodyPr/>
+          <a:lstStyle/>
+          <a:p>
+            <a:pPr rtl="0"/>
+            <a:fld id="{83627DD0-092D-4AD9-AAE0-0513E170352E}" type="datetime1">
+              <a:rPr lang="de-DE" smtClean="0"/>
+              <a:t>20.12.2021</a:t>
+            </a:fld>
+            <a:endParaRPr lang="en-US" dirty="0"/>
+          </a:p>
+        </p:txBody>
+      </p:sp>
+    </p:spTree>
+    <p:extLst>
+      <p:ext uri="{BB962C8B-B14F-4D97-AF65-F5344CB8AC3E}">
+        <p14:creationId xmlns:p14="http://schemas.microsoft.com/office/powerpoint/2010/main" val="1106964739"/>
+      </p:ext>
+    </p:extLst>
+  </p:cSld>
+  <p:clrMapOvr>
+    <a:masterClrMapping/>
+  </p:clrMapOvr>
+</p:sld>
+</file>
+
+<file path=ppt/slides/slide7.xml><?xml version="1.0" encoding="utf-8"?>
+<p:sld xmlns:a="http://schemas.openxmlformats.org/drawingml/2006/main" xmlns:r="http://schemas.openxmlformats.org/officeDocument/2006/relationships" xmlns:p="http://schemas.openxmlformats.org/presentationml/2006/main">
+  <p:cSld>
+    <p:spTree>
+      <p:nvGrpSpPr>
+        <p:cNvPr id="1" name=""/>
+        <p:cNvGrpSpPr/>
+        <p:nvPr/>
+      </p:nvGrpSpPr>
+      <p:grpSpPr>
+        <a:xfrm>
+          <a:off x="0" y="0"/>
+          <a:ext cx="0" cy="0"/>
+          <a:chOff x="0" y="0"/>
+          <a:chExt cx="0" cy="0"/>
+        </a:xfrm>
+      </p:grpSpPr>
+      <p:sp>
+        <p:nvSpPr>
+          <p:cNvPr id="2" name="Titel 1">
+            <a:extLst>
+              <a:ext uri="{FF2B5EF4-FFF2-40B4-BE49-F238E27FC236}">
                 <a16:creationId xmlns:a16="http://schemas.microsoft.com/office/drawing/2014/main" id="{967C403A-313A-4993-908F-345D6DCDDEBD}"/>
               </a:ext>
             </a:extLst>
@@ -9197,7 +6363,7 @@
             <a:pPr rtl="0"/>
             <a:fld id="{83627DD0-092D-4AD9-AAE0-0513E170352E}" type="datetime1">
               <a:rPr lang="de-DE" smtClean="0"/>
-              <a:t>16.12.2021</a:t>
+              <a:t>20.12.2021</a:t>
             </a:fld>
             <a:endParaRPr lang="en-US" dirty="0"/>
           </a:p>
